--- a/figs/OperationFlowModel.pptx
+++ b/figs/OperationFlowModel.pptx
@@ -8,7 +8,7 @@
     <p:sldId id="257" r:id="rId2"/>
   </p:sldIdLst>
   <p:sldSz cx="9144000" cy="6858000" type="screen4x3"/>
-  <p:notesSz cx="7302500" cy="9588500"/>
+  <p:notesSz cx="7315200" cy="9601200"/>
   <p:defaultTextStyle>
     <a:defPPr>
       <a:defRPr lang="en-US"/>
@@ -327,7 +327,7 @@
             <a:pPr>
               <a:defRPr/>
             </a:pPr>
-            <a:fld id="{A1C19A9A-B8D5-4E00-9BD7-79CD6A92BB98}" type="slidenum">
+            <a:fld id="{73ADB60F-08F4-4FB2-9067-1EF66163D82D}" type="slidenum">
               <a:rPr lang="en-US"/>
               <a:pPr>
                 <a:defRPr/>
@@ -518,7 +518,7 @@
             <a:pPr>
               <a:defRPr/>
             </a:pPr>
-            <a:fld id="{5E640355-558C-45ED-80E6-4402856C8548}" type="slidenum">
+            <a:fld id="{13F1D0DD-EC80-473B-B07E-D3FF28093392}" type="slidenum">
               <a:rPr lang="en-US"/>
               <a:pPr>
                 <a:defRPr/>
@@ -719,7 +719,7 @@
             <a:pPr>
               <a:defRPr/>
             </a:pPr>
-            <a:fld id="{7A0A4654-C818-4C82-B19D-23395838D67C}" type="slidenum">
+            <a:fld id="{6EC184E3-8736-48AA-82F4-F6125B1C0C34}" type="slidenum">
               <a:rPr lang="en-US"/>
               <a:pPr>
                 <a:defRPr/>
@@ -910,7 +910,7 @@
             <a:pPr>
               <a:defRPr/>
             </a:pPr>
-            <a:fld id="{1F1ED0EB-5E54-4E88-BC9F-90D560D087E5}" type="slidenum">
+            <a:fld id="{F3FB4C1E-D189-4D65-A1B9-59CB08814296}" type="slidenum">
               <a:rPr lang="en-US"/>
               <a:pPr>
                 <a:defRPr/>
@@ -1123,7 +1123,7 @@
             <a:pPr>
               <a:defRPr/>
             </a:pPr>
-            <a:fld id="{ED1E4433-E3E1-4176-AA30-A9B06E179C88}" type="slidenum">
+            <a:fld id="{F98C1B77-042E-4DAF-8235-9AD30F2A4A69}" type="slidenum">
               <a:rPr lang="en-US"/>
               <a:pPr>
                 <a:defRPr/>
@@ -1432,7 +1432,7 @@
             <a:pPr>
               <a:defRPr/>
             </a:pPr>
-            <a:fld id="{EF1161DC-5BA2-44AB-BA65-6C6ECAB6B0B9}" type="slidenum">
+            <a:fld id="{591B8F3E-FC12-4CD2-84C0-E3F4D9AE0189}" type="slidenum">
               <a:rPr lang="en-US"/>
               <a:pPr>
                 <a:defRPr/>
@@ -1875,7 +1875,7 @@
             <a:pPr>
               <a:defRPr/>
             </a:pPr>
-            <a:fld id="{3F181D89-9573-4C2B-BD40-A50CCD4649AF}" type="slidenum">
+            <a:fld id="{E3E97ECA-5139-4F21-81CF-82AFDA2F6319}" type="slidenum">
               <a:rPr lang="en-US"/>
               <a:pPr>
                 <a:defRPr/>
@@ -2014,7 +2014,7 @@
             <a:pPr>
               <a:defRPr/>
             </a:pPr>
-            <a:fld id="{C37365C9-DADE-45EE-BAF0-64ED6077D865}" type="slidenum">
+            <a:fld id="{12FEF442-7DE8-46D0-9B23-DB1287A0F4AE}" type="slidenum">
               <a:rPr lang="en-US"/>
               <a:pPr>
                 <a:defRPr/>
@@ -2130,7 +2130,7 @@
             <a:pPr>
               <a:defRPr/>
             </a:pPr>
-            <a:fld id="{EDB0081D-1A0C-402B-A502-B75037CD40E6}" type="slidenum">
+            <a:fld id="{9E1DD268-6F6F-40DA-A86F-42F69014B56E}" type="slidenum">
               <a:rPr lang="en-US"/>
               <a:pPr>
                 <a:defRPr/>
@@ -2428,7 +2428,7 @@
             <a:pPr>
               <a:defRPr/>
             </a:pPr>
-            <a:fld id="{0150805A-859A-494B-BE10-02D04EFA7D26}" type="slidenum">
+            <a:fld id="{227B7310-DD7F-41F7-A10D-E19F6829EF85}" type="slidenum">
               <a:rPr lang="en-US"/>
               <a:pPr>
                 <a:defRPr/>
@@ -2703,7 +2703,7 @@
             <a:pPr>
               <a:defRPr/>
             </a:pPr>
-            <a:fld id="{5C9967D7-E7FD-4A53-BC4A-19762C1A98F7}" type="slidenum">
+            <a:fld id="{2C78020A-5C30-46F6-A37E-5EE79E954D28}" type="slidenum">
               <a:rPr lang="en-US"/>
               <a:pPr>
                 <a:defRPr/>
@@ -2993,7 +2993,7 @@
             <a:pPr>
               <a:defRPr/>
             </a:pPr>
-            <a:fld id="{5A45818F-944E-4466-A745-D973DC15734A}" type="slidenum">
+            <a:fld id="{3840EFC9-9BAD-498B-9FAD-1BA413DFA19C}" type="slidenum">
               <a:rPr lang="en-US"/>
               <a:pPr>
                 <a:defRPr/>
@@ -3008,17 +3008,17 @@
   </p:cSld>
   <p:clrMap bg1="lt1" tx1="dk1" bg2="lt2" tx2="dk2" accent1="accent1" accent2="accent2" accent3="accent3" accent4="accent4" accent5="accent5" accent6="accent6" hlink="hlink" folHlink="folHlink"/>
   <p:sldLayoutIdLst>
-    <p:sldLayoutId id="2147483649" r:id="rId1"/>
-    <p:sldLayoutId id="2147483650" r:id="rId2"/>
-    <p:sldLayoutId id="2147483651" r:id="rId3"/>
-    <p:sldLayoutId id="2147483652" r:id="rId4"/>
-    <p:sldLayoutId id="2147483653" r:id="rId5"/>
+    <p:sldLayoutId id="2147483659" r:id="rId1"/>
+    <p:sldLayoutId id="2147483658" r:id="rId2"/>
+    <p:sldLayoutId id="2147483657" r:id="rId3"/>
+    <p:sldLayoutId id="2147483656" r:id="rId4"/>
+    <p:sldLayoutId id="2147483655" r:id="rId5"/>
     <p:sldLayoutId id="2147483654" r:id="rId6"/>
-    <p:sldLayoutId id="2147483655" r:id="rId7"/>
-    <p:sldLayoutId id="2147483656" r:id="rId8"/>
-    <p:sldLayoutId id="2147483657" r:id="rId9"/>
-    <p:sldLayoutId id="2147483658" r:id="rId10"/>
-    <p:sldLayoutId id="2147483659" r:id="rId11"/>
+    <p:sldLayoutId id="2147483653" r:id="rId7"/>
+    <p:sldLayoutId id="2147483652" r:id="rId8"/>
+    <p:sldLayoutId id="2147483651" r:id="rId9"/>
+    <p:sldLayoutId id="2147483650" r:id="rId10"/>
+    <p:sldLayoutId id="2147483649" r:id="rId11"/>
   </p:sldLayoutIdLst>
   <p:txStyles>
     <p:titleStyle>
@@ -3430,7 +3430,7 @@
         </p:nvSpPr>
         <p:spPr>
           <a:xfrm>
-            <a:off x="152400" y="228600"/>
+            <a:off x="152400" y="304800"/>
             <a:ext cx="2819400" cy="762000"/>
           </a:xfrm>
           <a:prstGeom prst="roundRect">
@@ -3459,10 +3459,12 @@
           </a:fontRef>
         </p:style>
         <p:txBody>
-          <a:bodyPr rtlCol="0" anchor="ctr"/>
+          <a:bodyPr anchor="ctr"/>
           <a:lstStyle/>
           <a:p>
-            <a:pPr algn="ctr"/>
+            <a:pPr algn="ctr">
+              <a:defRPr/>
+            </a:pPr>
             <a:endParaRPr lang="en-US"/>
           </a:p>
         </p:txBody>
@@ -3470,12 +3472,14 @@
       <p:sp>
         <p:nvSpPr>
           <p:cNvPr id="25" name="Rectangle 24"/>
-          <p:cNvSpPr/>
+          <p:cNvSpPr>
+            <a:spLocks noChangeArrowheads="1"/>
+          </p:cNvSpPr>
           <p:nvPr/>
         </p:nvSpPr>
-        <p:spPr>
+        <p:spPr bwMode="auto">
           <a:xfrm>
-            <a:off x="304800" y="457200"/>
+            <a:off x="304800" y="533400"/>
             <a:ext cx="685800" cy="304800"/>
           </a:xfrm>
           <a:prstGeom prst="rect">
@@ -3484,54 +3488,50 @@
           <a:solidFill>
             <a:srgbClr val="0070C0"/>
           </a:solidFill>
-          <a:ln>
+          <a:ln w="25400" algn="ctr">
             <a:solidFill>
               <a:srgbClr val="0060A8"/>
             </a:solidFill>
+            <a:miter lim="800000"/>
+            <a:headEnd/>
+            <a:tailEnd/>
           </a:ln>
         </p:spPr>
-        <p:style>
-          <a:lnRef idx="2">
-            <a:schemeClr val="accent1">
-              <a:shade val="50000"/>
-            </a:schemeClr>
-          </a:lnRef>
-          <a:fillRef idx="1">
-            <a:schemeClr val="accent1"/>
-          </a:fillRef>
-          <a:effectRef idx="0">
-            <a:schemeClr val="accent1"/>
-          </a:effectRef>
-          <a:fontRef idx="minor">
-            <a:schemeClr val="lt1"/>
-          </a:fontRef>
-        </p:style>
-        <p:txBody>
-          <a:bodyPr rtlCol="0" anchor="ctr"/>
+        <p:txBody>
+          <a:bodyPr bIns="128016" anchor="ctr"/>
           <a:lstStyle/>
           <a:p>
             <a:pPr algn="ctr"/>
             <a:r>
-              <a:rPr lang="en-US" dirty="0"/>
+              <a:rPr lang="en-US" sz="1600" i="1">
+                <a:solidFill>
+                  <a:srgbClr val="FFFFFF"/>
+                </a:solidFill>
+              </a:rPr>
               <a:t>r</a:t>
             </a:r>
             <a:r>
-              <a:rPr lang="en-US" baseline="-10000" dirty="0" smtClean="0"/>
+              <a:rPr lang="en-US" sz="1600" baseline="-30000">
+                <a:solidFill>
+                  <a:srgbClr val="FFFFFF"/>
+                </a:solidFill>
+              </a:rPr>
               <a:t>4.1</a:t>
             </a:r>
-            <a:endParaRPr lang="en-US" baseline="-10000" dirty="0"/>
           </a:p>
         </p:txBody>
       </p:sp>
       <p:sp>
         <p:nvSpPr>
           <p:cNvPr id="26" name="Rectangle 25"/>
-          <p:cNvSpPr/>
+          <p:cNvSpPr>
+            <a:spLocks noChangeArrowheads="1"/>
+          </p:cNvSpPr>
           <p:nvPr/>
         </p:nvSpPr>
-        <p:spPr>
+        <p:spPr bwMode="auto">
           <a:xfrm>
-            <a:off x="1219200" y="457200"/>
+            <a:off x="1219200" y="533400"/>
             <a:ext cx="685800" cy="304800"/>
           </a:xfrm>
           <a:prstGeom prst="rect">
@@ -3540,39 +3540,34 @@
           <a:solidFill>
             <a:srgbClr val="0070C0"/>
           </a:solidFill>
-          <a:ln>
+          <a:ln w="25400" algn="ctr">
             <a:solidFill>
               <a:srgbClr val="0060A8"/>
             </a:solidFill>
+            <a:miter lim="800000"/>
+            <a:headEnd/>
+            <a:tailEnd/>
           </a:ln>
         </p:spPr>
-        <p:style>
-          <a:lnRef idx="2">
-            <a:schemeClr val="accent1">
-              <a:shade val="50000"/>
-            </a:schemeClr>
-          </a:lnRef>
-          <a:fillRef idx="1">
-            <a:schemeClr val="accent1"/>
-          </a:fillRef>
-          <a:effectRef idx="0">
-            <a:schemeClr val="accent1"/>
-          </a:effectRef>
-          <a:fontRef idx="minor">
-            <a:schemeClr val="lt1"/>
-          </a:fontRef>
-        </p:style>
-        <p:txBody>
-          <a:bodyPr rtlCol="0" anchor="ctr"/>
+        <p:txBody>
+          <a:bodyPr bIns="128016" anchor="ctr"/>
           <a:lstStyle/>
           <a:p>
             <a:pPr algn="ctr"/>
             <a:r>
-              <a:rPr lang="en-US" dirty="0" smtClean="0"/>
+              <a:rPr lang="en-US" sz="1600" i="1">
+                <a:solidFill>
+                  <a:srgbClr val="FFFFFF"/>
+                </a:solidFill>
+              </a:rPr>
               <a:t>r</a:t>
             </a:r>
             <a:r>
-              <a:rPr lang="en-US" baseline="-10000" dirty="0" smtClean="0"/>
+              <a:rPr lang="en-US" sz="1600" baseline="-30000">
+                <a:solidFill>
+                  <a:srgbClr val="FFFFFF"/>
+                </a:solidFill>
+              </a:rPr>
               <a:t>4.2</a:t>
             </a:r>
           </a:p>
@@ -3581,12 +3576,14 @@
       <p:sp>
         <p:nvSpPr>
           <p:cNvPr id="27" name="Rectangle 26"/>
-          <p:cNvSpPr/>
+          <p:cNvSpPr>
+            <a:spLocks noChangeArrowheads="1"/>
+          </p:cNvSpPr>
           <p:nvPr/>
         </p:nvSpPr>
-        <p:spPr>
+        <p:spPr bwMode="auto">
           <a:xfrm>
-            <a:off x="2133600" y="457200"/>
+            <a:off x="2133600" y="533400"/>
             <a:ext cx="685800" cy="304800"/>
           </a:xfrm>
           <a:prstGeom prst="rect">
@@ -3595,39 +3592,34 @@
           <a:solidFill>
             <a:srgbClr val="0070C0"/>
           </a:solidFill>
-          <a:ln>
+          <a:ln w="25400" algn="ctr">
             <a:solidFill>
               <a:srgbClr val="0060A8"/>
             </a:solidFill>
+            <a:miter lim="800000"/>
+            <a:headEnd/>
+            <a:tailEnd/>
           </a:ln>
         </p:spPr>
-        <p:style>
-          <a:lnRef idx="2">
-            <a:schemeClr val="accent1">
-              <a:shade val="50000"/>
-            </a:schemeClr>
-          </a:lnRef>
-          <a:fillRef idx="1">
-            <a:schemeClr val="accent1"/>
-          </a:fillRef>
-          <a:effectRef idx="0">
-            <a:schemeClr val="accent1"/>
-          </a:effectRef>
-          <a:fontRef idx="minor">
-            <a:schemeClr val="lt1"/>
-          </a:fontRef>
-        </p:style>
-        <p:txBody>
-          <a:bodyPr rtlCol="0" anchor="ctr"/>
+        <p:txBody>
+          <a:bodyPr bIns="128016" anchor="ctr"/>
           <a:lstStyle/>
           <a:p>
             <a:pPr algn="ctr"/>
             <a:r>
-              <a:rPr lang="en-US" dirty="0" smtClean="0"/>
+              <a:rPr lang="en-US" sz="1600" i="1">
+                <a:solidFill>
+                  <a:srgbClr val="FFFFFF"/>
+                </a:solidFill>
+              </a:rPr>
               <a:t>r</a:t>
             </a:r>
             <a:r>
-              <a:rPr lang="en-US" baseline="-10000" dirty="0" smtClean="0"/>
+              <a:rPr lang="en-US" sz="1600" baseline="-30000">
+                <a:solidFill>
+                  <a:srgbClr val="FFFFFF"/>
+                </a:solidFill>
+              </a:rPr>
               <a:t>4.3</a:t>
             </a:r>
           </a:p>
@@ -3644,7 +3636,7 @@
         </p:nvCxnSpPr>
         <p:spPr>
           <a:xfrm flipH="1">
-            <a:off x="647700" y="228600"/>
+            <a:off x="647700" y="304800"/>
             <a:ext cx="914400" cy="228600"/>
           </a:xfrm>
           <a:prstGeom prst="straightConnector1">
@@ -3683,7 +3675,7 @@
         </p:nvCxnSpPr>
         <p:spPr>
           <a:xfrm>
-            <a:off x="1562100" y="228600"/>
+            <a:off x="1562100" y="304800"/>
             <a:ext cx="0" cy="228600"/>
           </a:xfrm>
           <a:prstGeom prst="straightConnector1">
@@ -3722,7 +3714,7 @@
         </p:nvCxnSpPr>
         <p:spPr>
           <a:xfrm>
-            <a:off x="1562100" y="228600"/>
+            <a:off x="1562100" y="304800"/>
             <a:ext cx="914400" cy="228600"/>
           </a:xfrm>
           <a:prstGeom prst="straightConnector1">
@@ -3761,7 +3753,7 @@
         </p:nvCxnSpPr>
         <p:spPr>
           <a:xfrm>
-            <a:off x="647700" y="762000"/>
+            <a:off x="647700" y="838200"/>
             <a:ext cx="914400" cy="228600"/>
           </a:xfrm>
           <a:prstGeom prst="straightConnector1">
@@ -3800,7 +3792,7 @@
         </p:nvCxnSpPr>
         <p:spPr>
           <a:xfrm>
-            <a:off x="1562100" y="762000"/>
+            <a:off x="1562100" y="838200"/>
             <a:ext cx="0" cy="228600"/>
           </a:xfrm>
           <a:prstGeom prst="straightConnector1">
@@ -3839,7 +3831,7 @@
         </p:nvCxnSpPr>
         <p:spPr>
           <a:xfrm flipH="1">
-            <a:off x="1562100" y="762000"/>
+            <a:off x="1562100" y="838200"/>
             <a:ext cx="914400" cy="228600"/>
           </a:xfrm>
           <a:prstGeom prst="straightConnector1">
@@ -3875,7 +3867,7 @@
         </p:nvSpPr>
         <p:spPr>
           <a:xfrm>
-            <a:off x="685800" y="1219200"/>
+            <a:off x="685800" y="1295400"/>
             <a:ext cx="1752600" cy="762000"/>
           </a:xfrm>
           <a:prstGeom prst="roundRect">
@@ -3904,10 +3896,12 @@
           </a:fontRef>
         </p:style>
         <p:txBody>
-          <a:bodyPr rtlCol="0" anchor="ctr"/>
+          <a:bodyPr anchor="ctr"/>
           <a:lstStyle/>
           <a:p>
-            <a:pPr algn="ctr"/>
+            <a:pPr algn="ctr">
+              <a:defRPr/>
+            </a:pPr>
             <a:endParaRPr lang="en-US"/>
           </a:p>
         </p:txBody>
@@ -3915,12 +3909,14 @@
       <p:sp>
         <p:nvSpPr>
           <p:cNvPr id="47" name="Rectangle 46"/>
-          <p:cNvSpPr/>
+          <p:cNvSpPr>
+            <a:spLocks noChangeArrowheads="1"/>
+          </p:cNvSpPr>
           <p:nvPr/>
         </p:nvSpPr>
-        <p:spPr>
+        <p:spPr bwMode="auto">
           <a:xfrm>
-            <a:off x="762000" y="1447800"/>
+            <a:off x="762000" y="1524000"/>
             <a:ext cx="685800" cy="304800"/>
           </a:xfrm>
           <a:prstGeom prst="rect">
@@ -3929,54 +3925,50 @@
           <a:solidFill>
             <a:srgbClr val="0070C0"/>
           </a:solidFill>
-          <a:ln>
+          <a:ln w="25400" algn="ctr">
             <a:solidFill>
               <a:srgbClr val="0060A8"/>
             </a:solidFill>
+            <a:miter lim="800000"/>
+            <a:headEnd/>
+            <a:tailEnd/>
           </a:ln>
         </p:spPr>
-        <p:style>
-          <a:lnRef idx="2">
-            <a:schemeClr val="accent1">
-              <a:shade val="50000"/>
-            </a:schemeClr>
-          </a:lnRef>
-          <a:fillRef idx="1">
-            <a:schemeClr val="accent1"/>
-          </a:fillRef>
-          <a:effectRef idx="0">
-            <a:schemeClr val="accent1"/>
-          </a:effectRef>
-          <a:fontRef idx="minor">
-            <a:schemeClr val="lt1"/>
-          </a:fontRef>
-        </p:style>
-        <p:txBody>
-          <a:bodyPr rtlCol="0" anchor="ctr"/>
+        <p:txBody>
+          <a:bodyPr bIns="128016" anchor="ctr"/>
           <a:lstStyle/>
           <a:p>
             <a:pPr algn="ctr"/>
             <a:r>
-              <a:rPr lang="en-US" dirty="0"/>
+              <a:rPr lang="en-US" sz="1600" i="1">
+                <a:solidFill>
+                  <a:srgbClr val="FFFFFF"/>
+                </a:solidFill>
+              </a:rPr>
               <a:t>r</a:t>
             </a:r>
             <a:r>
-              <a:rPr lang="en-US" baseline="-10000" dirty="0" smtClean="0"/>
-              <a:t>4.1</a:t>
-            </a:r>
-            <a:endParaRPr lang="en-US" baseline="-10000" dirty="0"/>
+              <a:rPr lang="en-US" sz="1600" baseline="-30000">
+                <a:solidFill>
+                  <a:srgbClr val="FFFFFF"/>
+                </a:solidFill>
+              </a:rPr>
+              <a:t>5.1</a:t>
+            </a:r>
           </a:p>
         </p:txBody>
       </p:sp>
       <p:sp>
         <p:nvSpPr>
           <p:cNvPr id="48" name="Rectangle 47"/>
-          <p:cNvSpPr/>
+          <p:cNvSpPr>
+            <a:spLocks noChangeArrowheads="1"/>
+          </p:cNvSpPr>
           <p:nvPr/>
         </p:nvSpPr>
-        <p:spPr>
+        <p:spPr bwMode="auto">
           <a:xfrm>
-            <a:off x="1676400" y="1447800"/>
+            <a:off x="1676400" y="1524000"/>
             <a:ext cx="685800" cy="304800"/>
           </a:xfrm>
           <a:prstGeom prst="rect">
@@ -3985,40 +3977,35 @@
           <a:solidFill>
             <a:srgbClr val="0070C0"/>
           </a:solidFill>
-          <a:ln>
+          <a:ln w="25400" algn="ctr">
             <a:solidFill>
               <a:srgbClr val="0060A8"/>
             </a:solidFill>
+            <a:miter lim="800000"/>
+            <a:headEnd/>
+            <a:tailEnd/>
           </a:ln>
         </p:spPr>
-        <p:style>
-          <a:lnRef idx="2">
-            <a:schemeClr val="accent1">
-              <a:shade val="50000"/>
-            </a:schemeClr>
-          </a:lnRef>
-          <a:fillRef idx="1">
-            <a:schemeClr val="accent1"/>
-          </a:fillRef>
-          <a:effectRef idx="0">
-            <a:schemeClr val="accent1"/>
-          </a:effectRef>
-          <a:fontRef idx="minor">
-            <a:schemeClr val="lt1"/>
-          </a:fontRef>
-        </p:style>
-        <p:txBody>
-          <a:bodyPr rtlCol="0" anchor="ctr"/>
+        <p:txBody>
+          <a:bodyPr bIns="128016" anchor="ctr"/>
           <a:lstStyle/>
           <a:p>
             <a:pPr algn="ctr"/>
             <a:r>
-              <a:rPr lang="en-US" dirty="0" smtClean="0"/>
+              <a:rPr lang="en-US" sz="1600" i="1">
+                <a:solidFill>
+                  <a:srgbClr val="FFFFFF"/>
+                </a:solidFill>
+              </a:rPr>
               <a:t>r</a:t>
             </a:r>
             <a:r>
-              <a:rPr lang="en-US" baseline="-10000" dirty="0" smtClean="0"/>
-              <a:t>4.2</a:t>
+              <a:rPr lang="en-US" sz="1600" baseline="-30000">
+                <a:solidFill>
+                  <a:srgbClr val="FFFFFF"/>
+                </a:solidFill>
+              </a:rPr>
+              <a:t>5.2</a:t>
             </a:r>
           </a:p>
         </p:txBody>
@@ -4034,7 +4021,7 @@
         </p:nvCxnSpPr>
         <p:spPr>
           <a:xfrm flipH="1">
-            <a:off x="1104900" y="1219200"/>
+            <a:off x="1104900" y="1295400"/>
             <a:ext cx="457200" cy="228600"/>
           </a:xfrm>
           <a:prstGeom prst="straightConnector1">
@@ -4073,7 +4060,7 @@
         </p:nvCxnSpPr>
         <p:spPr>
           <a:xfrm>
-            <a:off x="1562100" y="1219200"/>
+            <a:off x="1562100" y="1295400"/>
             <a:ext cx="457200" cy="228600"/>
           </a:xfrm>
           <a:prstGeom prst="straightConnector1">
@@ -4111,7 +4098,7 @@
         </p:nvCxnSpPr>
         <p:spPr>
           <a:xfrm>
-            <a:off x="1143000" y="1752600"/>
+            <a:off x="1143000" y="1841500"/>
             <a:ext cx="419100" cy="228600"/>
           </a:xfrm>
           <a:prstGeom prst="straightConnector1">
@@ -4150,7 +4137,7 @@
         </p:nvCxnSpPr>
         <p:spPr>
           <a:xfrm flipH="1">
-            <a:off x="1562100" y="1752600"/>
+            <a:off x="1562100" y="1828800"/>
             <a:ext cx="457200" cy="228600"/>
           </a:xfrm>
           <a:prstGeom prst="straightConnector1">
@@ -4189,7 +4176,7 @@
         </p:nvCxnSpPr>
         <p:spPr>
           <a:xfrm>
-            <a:off x="1562100" y="990600"/>
+            <a:off x="1562100" y="1066800"/>
             <a:ext cx="0" cy="228600"/>
           </a:xfrm>
           <a:prstGeom prst="straightConnector1">
@@ -4219,7 +4206,7 @@
       </p:cxnSp>
       <p:sp>
         <p:nvSpPr>
-          <p:cNvPr id="64" name="Text Box 41"/>
+          <p:cNvPr id="13331" name="Text Box 41"/>
           <p:cNvSpPr txBox="1">
             <a:spLocks noChangeArrowheads="1"/>
           </p:cNvSpPr>
@@ -4227,7 +4214,7 @@
         </p:nvSpPr>
         <p:spPr bwMode="auto">
           <a:xfrm>
-            <a:off x="152400" y="0"/>
+            <a:off x="152400" y="44450"/>
             <a:ext cx="838200" cy="304800"/>
           </a:xfrm>
           <a:prstGeom prst="rect">
@@ -4253,24 +4240,24 @@
               </a:spcBef>
             </a:pPr>
             <a:r>
-              <a:rPr lang="en-US" sz="1400" dirty="0">
+              <a:rPr lang="en-US" sz="1400">
                 <a:latin typeface="Calibri" pitchFamily="34" charset="0"/>
               </a:rPr>
-              <a:t>Rule </a:t>
-            </a:r>
-            <a:r>
-              <a:rPr lang="en-US" sz="1400" dirty="0" smtClean="0">
+              <a:t>Rule  </a:t>
+            </a:r>
+            <a:r>
+              <a:rPr lang="en-US" sz="1400" i="1">
                 <a:latin typeface="Calibri" pitchFamily="34" charset="0"/>
               </a:rPr>
-              <a:t> R</a:t>
-            </a:r>
-            <a:r>
-              <a:rPr lang="en-US" baseline="-10000" dirty="0" smtClean="0">
+              <a:t>R</a:t>
+            </a:r>
+            <a:r>
+              <a:rPr lang="en-US" baseline="-10000">
                 <a:latin typeface="Calibri" pitchFamily="34" charset="0"/>
               </a:rPr>
               <a:t>4</a:t>
             </a:r>
-            <a:endParaRPr lang="en-US" sz="1400" baseline="-10000" dirty="0">
+            <a:endParaRPr lang="en-US" sz="1400" baseline="-10000">
               <a:latin typeface="Calibri" pitchFamily="34" charset="0"/>
             </a:endParaRPr>
           </a:p>
@@ -4278,7 +4265,7 @@
       </p:sp>
       <p:sp>
         <p:nvSpPr>
-          <p:cNvPr id="65" name="Text Box 41"/>
+          <p:cNvPr id="13332" name="Text Box 41"/>
           <p:cNvSpPr txBox="1">
             <a:spLocks noChangeArrowheads="1"/>
           </p:cNvSpPr>
@@ -4286,7 +4273,7 @@
         </p:nvSpPr>
         <p:spPr bwMode="auto">
           <a:xfrm>
-            <a:off x="609600" y="990600"/>
+            <a:off x="609600" y="1035050"/>
             <a:ext cx="838200" cy="304800"/>
           </a:xfrm>
           <a:prstGeom prst="rect">
@@ -4312,24 +4299,24 @@
               </a:spcBef>
             </a:pPr>
             <a:r>
-              <a:rPr lang="en-US" sz="1400" dirty="0">
+              <a:rPr lang="en-US" sz="1400">
                 <a:latin typeface="Calibri" pitchFamily="34" charset="0"/>
               </a:rPr>
-              <a:t>Rule </a:t>
-            </a:r>
-            <a:r>
-              <a:rPr lang="en-US" sz="1400" dirty="0" smtClean="0">
+              <a:t>Rule  </a:t>
+            </a:r>
+            <a:r>
+              <a:rPr lang="en-US" sz="1400" i="1">
                 <a:latin typeface="Calibri" pitchFamily="34" charset="0"/>
               </a:rPr>
-              <a:t> R</a:t>
-            </a:r>
-            <a:r>
-              <a:rPr lang="en-US" baseline="-10000" dirty="0">
+              <a:t>R</a:t>
+            </a:r>
+            <a:r>
+              <a:rPr lang="en-US" baseline="-10000">
                 <a:latin typeface="Calibri" pitchFamily="34" charset="0"/>
               </a:rPr>
               <a:t>5</a:t>
             </a:r>
-            <a:endParaRPr lang="en-US" sz="1400" baseline="-10000" dirty="0">
+            <a:endParaRPr lang="en-US" sz="1400" baseline="-10000">
               <a:latin typeface="Calibri" pitchFamily="34" charset="0"/>
             </a:endParaRPr>
           </a:p>

--- a/figs/OperationFlowModel.pptx
+++ b/figs/OperationFlowModel.pptx
@@ -8,7 +8,7 @@
     <p:sldId id="257" r:id="rId2"/>
   </p:sldIdLst>
   <p:sldSz cx="9144000" cy="6858000" type="screen4x3"/>
-  <p:notesSz cx="7315200" cy="9601200"/>
+  <p:notesSz cx="7302500" cy="9588500"/>
   <p:defaultTextStyle>
     <a:defPPr>
       <a:defRPr lang="en-US"/>
@@ -3436,11 +3436,7 @@
           <a:prstGeom prst="roundRect">
             <a:avLst/>
           </a:prstGeom>
-          <a:solidFill>
-            <a:schemeClr val="accent1">
-              <a:alpha val="29000"/>
-            </a:schemeClr>
-          </a:solidFill>
+          <a:noFill/>
         </p:spPr>
         <p:style>
           <a:lnRef idx="2">
@@ -3486,11 +3482,17 @@
             <a:avLst/>
           </a:prstGeom>
           <a:solidFill>
-            <a:srgbClr val="0070C0"/>
+            <a:schemeClr val="bg1">
+              <a:lumMod val="85000"/>
+              <a:alpha val="17000"/>
+            </a:schemeClr>
           </a:solidFill>
           <a:ln w="25400" algn="ctr">
             <a:solidFill>
-              <a:srgbClr val="0060A8"/>
+              <a:schemeClr val="tx1">
+                <a:lumMod val="50000"/>
+                <a:lumOff val="50000"/>
+              </a:schemeClr>
             </a:solidFill>
             <a:miter lim="800000"/>
             <a:headEnd/>
@@ -3503,19 +3505,11 @@
           <a:p>
             <a:pPr algn="ctr"/>
             <a:r>
-              <a:rPr lang="en-US" sz="1600" i="1">
-                <a:solidFill>
-                  <a:srgbClr val="FFFFFF"/>
-                </a:solidFill>
-              </a:rPr>
+              <a:rPr lang="en-US" sz="1600" i="1" dirty="0"/>
               <a:t>r</a:t>
             </a:r>
             <a:r>
-              <a:rPr lang="en-US" sz="1600" baseline="-30000">
-                <a:solidFill>
-                  <a:srgbClr val="FFFFFF"/>
-                </a:solidFill>
-              </a:rPr>
+              <a:rPr lang="en-US" sz="1600" baseline="-30000" dirty="0"/>
               <a:t>4.1</a:t>
             </a:r>
           </a:p>
@@ -3538,11 +3532,17 @@
             <a:avLst/>
           </a:prstGeom>
           <a:solidFill>
-            <a:srgbClr val="0070C0"/>
+            <a:schemeClr val="bg1">
+              <a:lumMod val="85000"/>
+              <a:alpha val="17000"/>
+            </a:schemeClr>
           </a:solidFill>
           <a:ln w="25400" algn="ctr">
             <a:solidFill>
-              <a:srgbClr val="0060A8"/>
+              <a:schemeClr val="tx1">
+                <a:lumMod val="50000"/>
+                <a:lumOff val="50000"/>
+              </a:schemeClr>
             </a:solidFill>
             <a:miter lim="800000"/>
             <a:headEnd/>
@@ -3555,19 +3555,11 @@
           <a:p>
             <a:pPr algn="ctr"/>
             <a:r>
-              <a:rPr lang="en-US" sz="1600" i="1">
-                <a:solidFill>
-                  <a:srgbClr val="FFFFFF"/>
-                </a:solidFill>
-              </a:rPr>
+              <a:rPr lang="en-US" sz="1600" i="1" dirty="0"/>
               <a:t>r</a:t>
             </a:r>
             <a:r>
-              <a:rPr lang="en-US" sz="1600" baseline="-30000">
-                <a:solidFill>
-                  <a:srgbClr val="FFFFFF"/>
-                </a:solidFill>
-              </a:rPr>
+              <a:rPr lang="en-US" sz="1600" baseline="-30000" dirty="0"/>
               <a:t>4.2</a:t>
             </a:r>
           </a:p>
@@ -3590,11 +3582,17 @@
             <a:avLst/>
           </a:prstGeom>
           <a:solidFill>
-            <a:srgbClr val="0070C0"/>
+            <a:schemeClr val="bg1">
+              <a:lumMod val="85000"/>
+              <a:alpha val="17000"/>
+            </a:schemeClr>
           </a:solidFill>
           <a:ln w="25400" algn="ctr">
             <a:solidFill>
-              <a:srgbClr val="0060A8"/>
+              <a:schemeClr val="tx1">
+                <a:lumMod val="50000"/>
+                <a:lumOff val="50000"/>
+              </a:schemeClr>
             </a:solidFill>
             <a:miter lim="800000"/>
             <a:headEnd/>
@@ -3607,19 +3605,11 @@
           <a:p>
             <a:pPr algn="ctr"/>
             <a:r>
-              <a:rPr lang="en-US" sz="1600" i="1">
-                <a:solidFill>
-                  <a:srgbClr val="FFFFFF"/>
-                </a:solidFill>
-              </a:rPr>
+              <a:rPr lang="en-US" sz="1600" i="1" dirty="0"/>
               <a:t>r</a:t>
             </a:r>
             <a:r>
-              <a:rPr lang="en-US" sz="1600" baseline="-30000">
-                <a:solidFill>
-                  <a:srgbClr val="FFFFFF"/>
-                </a:solidFill>
-              </a:rPr>
+              <a:rPr lang="en-US" sz="1600" baseline="-30000" dirty="0"/>
               <a:t>4.3</a:t>
             </a:r>
           </a:p>
@@ -3644,7 +3634,7 @@
           </a:prstGeom>
           <a:ln w="19050">
             <a:solidFill>
-              <a:srgbClr val="0060A8"/>
+              <a:schemeClr val="bg2"/>
             </a:solidFill>
             <a:tailEnd type="triangle"/>
           </a:ln>
@@ -3683,7 +3673,7 @@
           </a:prstGeom>
           <a:ln w="19050">
             <a:solidFill>
-              <a:srgbClr val="0060A8"/>
+              <a:schemeClr val="bg2"/>
             </a:solidFill>
             <a:tailEnd type="triangle"/>
           </a:ln>
@@ -3722,7 +3712,7 @@
           </a:prstGeom>
           <a:ln w="19050">
             <a:solidFill>
-              <a:srgbClr val="0060A8"/>
+              <a:schemeClr val="bg2"/>
             </a:solidFill>
             <a:tailEnd type="triangle"/>
           </a:ln>
@@ -3761,7 +3751,7 @@
           </a:prstGeom>
           <a:ln w="19050">
             <a:solidFill>
-              <a:srgbClr val="0060A8"/>
+              <a:schemeClr val="bg2"/>
             </a:solidFill>
             <a:tailEnd type="triangle"/>
           </a:ln>
@@ -3800,7 +3790,7 @@
           </a:prstGeom>
           <a:ln w="19050">
             <a:solidFill>
-              <a:srgbClr val="0060A8"/>
+              <a:schemeClr val="bg2"/>
             </a:solidFill>
             <a:tailEnd type="triangle"/>
           </a:ln>
@@ -3839,7 +3829,7 @@
           </a:prstGeom>
           <a:ln w="19050">
             <a:solidFill>
-              <a:srgbClr val="0060A8"/>
+              <a:schemeClr val="bg2"/>
             </a:solidFill>
             <a:tailEnd type="triangle"/>
           </a:ln>
@@ -3873,11 +3863,7 @@
           <a:prstGeom prst="roundRect">
             <a:avLst/>
           </a:prstGeom>
-          <a:solidFill>
-            <a:schemeClr val="accent1">
-              <a:alpha val="29000"/>
-            </a:schemeClr>
-          </a:solidFill>
+          <a:noFill/>
         </p:spPr>
         <p:style>
           <a:lnRef idx="2">
@@ -3923,11 +3909,17 @@
             <a:avLst/>
           </a:prstGeom>
           <a:solidFill>
-            <a:srgbClr val="0070C0"/>
+            <a:schemeClr val="bg1">
+              <a:lumMod val="85000"/>
+              <a:alpha val="17000"/>
+            </a:schemeClr>
           </a:solidFill>
           <a:ln w="25400" algn="ctr">
             <a:solidFill>
-              <a:srgbClr val="0060A8"/>
+              <a:schemeClr val="tx1">
+                <a:lumMod val="50000"/>
+                <a:lumOff val="50000"/>
+              </a:schemeClr>
             </a:solidFill>
             <a:miter lim="800000"/>
             <a:headEnd/>
@@ -3940,19 +3932,11 @@
           <a:p>
             <a:pPr algn="ctr"/>
             <a:r>
-              <a:rPr lang="en-US" sz="1600" i="1">
-                <a:solidFill>
-                  <a:srgbClr val="FFFFFF"/>
-                </a:solidFill>
-              </a:rPr>
+              <a:rPr lang="en-US" sz="1600" i="1" dirty="0"/>
               <a:t>r</a:t>
             </a:r>
             <a:r>
-              <a:rPr lang="en-US" sz="1600" baseline="-30000">
-                <a:solidFill>
-                  <a:srgbClr val="FFFFFF"/>
-                </a:solidFill>
-              </a:rPr>
+              <a:rPr lang="en-US" sz="1600" baseline="-30000" dirty="0"/>
               <a:t>5.1</a:t>
             </a:r>
           </a:p>
@@ -3975,11 +3959,17 @@
             <a:avLst/>
           </a:prstGeom>
           <a:solidFill>
-            <a:srgbClr val="0070C0"/>
+            <a:schemeClr val="bg1">
+              <a:lumMod val="85000"/>
+              <a:alpha val="17000"/>
+            </a:schemeClr>
           </a:solidFill>
           <a:ln w="25400" algn="ctr">
             <a:solidFill>
-              <a:srgbClr val="0060A8"/>
+              <a:schemeClr val="tx1">
+                <a:lumMod val="50000"/>
+                <a:lumOff val="50000"/>
+              </a:schemeClr>
             </a:solidFill>
             <a:miter lim="800000"/>
             <a:headEnd/>
@@ -3992,19 +3982,11 @@
           <a:p>
             <a:pPr algn="ctr"/>
             <a:r>
-              <a:rPr lang="en-US" sz="1600" i="1">
-                <a:solidFill>
-                  <a:srgbClr val="FFFFFF"/>
-                </a:solidFill>
-              </a:rPr>
+              <a:rPr lang="en-US" sz="1600" i="1" dirty="0"/>
               <a:t>r</a:t>
             </a:r>
             <a:r>
-              <a:rPr lang="en-US" sz="1600" baseline="-30000">
-                <a:solidFill>
-                  <a:srgbClr val="FFFFFF"/>
-                </a:solidFill>
-              </a:rPr>
+              <a:rPr lang="en-US" sz="1600" baseline="-30000" dirty="0"/>
               <a:t>5.2</a:t>
             </a:r>
           </a:p>
@@ -4029,7 +4011,7 @@
           </a:prstGeom>
           <a:ln w="19050">
             <a:solidFill>
-              <a:srgbClr val="0060A8"/>
+              <a:schemeClr val="bg2"/>
             </a:solidFill>
             <a:tailEnd type="triangle"/>
           </a:ln>
@@ -4068,7 +4050,7 @@
           </a:prstGeom>
           <a:ln w="19050">
             <a:solidFill>
-              <a:srgbClr val="0060A8"/>
+              <a:schemeClr val="bg2"/>
             </a:solidFill>
             <a:tailEnd type="triangle"/>
           </a:ln>
@@ -4106,7 +4088,7 @@
           </a:prstGeom>
           <a:ln w="19050">
             <a:solidFill>
-              <a:srgbClr val="0060A8"/>
+              <a:schemeClr val="bg2"/>
             </a:solidFill>
             <a:tailEnd type="triangle"/>
           </a:ln>
@@ -4145,7 +4127,7 @@
           </a:prstGeom>
           <a:ln w="19050">
             <a:solidFill>
-              <a:srgbClr val="0060A8"/>
+              <a:schemeClr val="bg2"/>
             </a:solidFill>
             <a:tailEnd type="triangle"/>
           </a:ln>
@@ -4184,7 +4166,7 @@
           </a:prstGeom>
           <a:ln w="19050">
             <a:solidFill>
-              <a:srgbClr val="0060A8"/>
+              <a:schemeClr val="bg2"/>
             </a:solidFill>
             <a:tailEnd type="triangle"/>
           </a:ln>

--- a/figs/OperationFlowModel.pptx
+++ b/figs/OperationFlowModel.pptx
@@ -6,6 +6,9 @@
   </p:sldMasterIdLst>
   <p:sldIdLst>
     <p:sldId id="257" r:id="rId2"/>
+    <p:sldId id="258" r:id="rId3"/>
+    <p:sldId id="259" r:id="rId4"/>
+    <p:sldId id="260" r:id="rId5"/>
   </p:sldIdLst>
   <p:sldSz cx="9144000" cy="6858000" type="screen4x3"/>
   <p:notesSz cx="7302500" cy="9588500"/>
@@ -134,6 +137,22 @@
       </a:defRPr>
     </a:lvl9pPr>
   </p:defaultTextStyle>
+  <p:extLst>
+    <p:ext uri="{EFAFB233-063F-42B5-8137-9DF3F51BA10A}">
+      <p15:sldGuideLst xmlns:p15="http://schemas.microsoft.com/office/powerpoint/2012/main">
+        <p15:guide id="1" orient="horz" pos="2160">
+          <p15:clr>
+            <a:srgbClr val="A4A3A4"/>
+          </p15:clr>
+        </p15:guide>
+        <p15:guide id="2" pos="2880">
+          <p15:clr>
+            <a:srgbClr val="A4A3A4"/>
+          </p15:clr>
+        </p15:guide>
+      </p15:sldGuideLst>
+    </p:ext>
+  </p:extLst>
 </p:presentation>
 </file>
 
@@ -3422,889 +3441,4917 @@
           <a:chExt cx="0" cy="0"/>
         </a:xfrm>
       </p:grpSpPr>
-      <p:sp>
-        <p:nvSpPr>
-          <p:cNvPr id="24" name="Rounded Rectangle 23"/>
-          <p:cNvSpPr/>
+      <p:grpSp>
+        <p:nvGrpSpPr>
+          <p:cNvPr id="2" name="Group 1"/>
+          <p:cNvGrpSpPr/>
           <p:nvPr/>
-        </p:nvSpPr>
+        </p:nvGrpSpPr>
+        <p:grpSpPr>
+          <a:xfrm>
+            <a:off x="152400" y="44450"/>
+            <a:ext cx="2819400" cy="2025650"/>
+            <a:chOff x="152400" y="44450"/>
+            <a:chExt cx="2819400" cy="2025650"/>
+          </a:xfrm>
+        </p:grpSpPr>
+        <p:sp>
+          <p:nvSpPr>
+            <p:cNvPr id="24" name="Rounded Rectangle 23"/>
+            <p:cNvSpPr/>
+            <p:nvPr/>
+          </p:nvSpPr>
+          <p:spPr>
+            <a:xfrm>
+              <a:off x="152400" y="304800"/>
+              <a:ext cx="2819400" cy="762000"/>
+            </a:xfrm>
+            <a:prstGeom prst="roundRect">
+              <a:avLst/>
+            </a:prstGeom>
+            <a:noFill/>
+          </p:spPr>
+          <p:style>
+            <a:lnRef idx="2">
+              <a:schemeClr val="accent1">
+                <a:shade val="50000"/>
+              </a:schemeClr>
+            </a:lnRef>
+            <a:fillRef idx="1">
+              <a:schemeClr val="accent1"/>
+            </a:fillRef>
+            <a:effectRef idx="0">
+              <a:schemeClr val="accent1"/>
+            </a:effectRef>
+            <a:fontRef idx="minor">
+              <a:schemeClr val="lt1"/>
+            </a:fontRef>
+          </p:style>
+          <p:txBody>
+            <a:bodyPr anchor="ctr"/>
+            <a:lstStyle/>
+            <a:p>
+              <a:pPr algn="ctr">
+                <a:defRPr/>
+              </a:pPr>
+              <a:endParaRPr lang="en-US"/>
+            </a:p>
+          </p:txBody>
+        </p:sp>
+        <p:sp>
+          <p:nvSpPr>
+            <p:cNvPr id="25" name="Rectangle 24"/>
+            <p:cNvSpPr>
+              <a:spLocks noChangeArrowheads="1"/>
+            </p:cNvSpPr>
+            <p:nvPr/>
+          </p:nvSpPr>
+          <p:spPr bwMode="auto">
+            <a:xfrm>
+              <a:off x="304800" y="533400"/>
+              <a:ext cx="685800" cy="304800"/>
+            </a:xfrm>
+            <a:prstGeom prst="rect">
+              <a:avLst/>
+            </a:prstGeom>
+            <a:solidFill>
+              <a:schemeClr val="bg1">
+                <a:lumMod val="85000"/>
+                <a:alpha val="17000"/>
+              </a:schemeClr>
+            </a:solidFill>
+            <a:ln w="25400" algn="ctr">
+              <a:solidFill>
+                <a:schemeClr val="tx1">
+                  <a:lumMod val="50000"/>
+                  <a:lumOff val="50000"/>
+                </a:schemeClr>
+              </a:solidFill>
+              <a:miter lim="800000"/>
+              <a:headEnd/>
+              <a:tailEnd/>
+            </a:ln>
+          </p:spPr>
+          <p:txBody>
+            <a:bodyPr bIns="128016" anchor="ctr"/>
+            <a:lstStyle/>
+            <a:p>
+              <a:pPr algn="ctr"/>
+              <a:r>
+                <a:rPr lang="en-US" sz="1600" i="1" dirty="0"/>
+                <a:t>r</a:t>
+              </a:r>
+              <a:r>
+                <a:rPr lang="en-US" sz="1600" baseline="-30000" dirty="0"/>
+                <a:t>4.1</a:t>
+              </a:r>
+            </a:p>
+          </p:txBody>
+        </p:sp>
+        <p:sp>
+          <p:nvSpPr>
+            <p:cNvPr id="26" name="Rectangle 25"/>
+            <p:cNvSpPr>
+              <a:spLocks noChangeArrowheads="1"/>
+            </p:cNvSpPr>
+            <p:nvPr/>
+          </p:nvSpPr>
+          <p:spPr bwMode="auto">
+            <a:xfrm>
+              <a:off x="1219200" y="533400"/>
+              <a:ext cx="685800" cy="304800"/>
+            </a:xfrm>
+            <a:prstGeom prst="rect">
+              <a:avLst/>
+            </a:prstGeom>
+            <a:solidFill>
+              <a:schemeClr val="bg1">
+                <a:lumMod val="85000"/>
+                <a:alpha val="17000"/>
+              </a:schemeClr>
+            </a:solidFill>
+            <a:ln w="25400" algn="ctr">
+              <a:solidFill>
+                <a:schemeClr val="tx1">
+                  <a:lumMod val="50000"/>
+                  <a:lumOff val="50000"/>
+                </a:schemeClr>
+              </a:solidFill>
+              <a:miter lim="800000"/>
+              <a:headEnd/>
+              <a:tailEnd/>
+            </a:ln>
+          </p:spPr>
+          <p:txBody>
+            <a:bodyPr bIns="128016" anchor="ctr"/>
+            <a:lstStyle/>
+            <a:p>
+              <a:pPr algn="ctr"/>
+              <a:r>
+                <a:rPr lang="en-US" sz="1600" i="1" dirty="0"/>
+                <a:t>r</a:t>
+              </a:r>
+              <a:r>
+                <a:rPr lang="en-US" sz="1600" baseline="-30000" dirty="0"/>
+                <a:t>4.2</a:t>
+              </a:r>
+            </a:p>
+          </p:txBody>
+        </p:sp>
+        <p:sp>
+          <p:nvSpPr>
+            <p:cNvPr id="27" name="Rectangle 26"/>
+            <p:cNvSpPr>
+              <a:spLocks noChangeArrowheads="1"/>
+            </p:cNvSpPr>
+            <p:nvPr/>
+          </p:nvSpPr>
+          <p:spPr bwMode="auto">
+            <a:xfrm>
+              <a:off x="2133600" y="533400"/>
+              <a:ext cx="685800" cy="304800"/>
+            </a:xfrm>
+            <a:prstGeom prst="rect">
+              <a:avLst/>
+            </a:prstGeom>
+            <a:solidFill>
+              <a:schemeClr val="bg1">
+                <a:lumMod val="85000"/>
+                <a:alpha val="17000"/>
+              </a:schemeClr>
+            </a:solidFill>
+            <a:ln w="25400" algn="ctr">
+              <a:solidFill>
+                <a:schemeClr val="tx1">
+                  <a:lumMod val="50000"/>
+                  <a:lumOff val="50000"/>
+                </a:schemeClr>
+              </a:solidFill>
+              <a:miter lim="800000"/>
+              <a:headEnd/>
+              <a:tailEnd/>
+            </a:ln>
+          </p:spPr>
+          <p:txBody>
+            <a:bodyPr bIns="128016" anchor="ctr"/>
+            <a:lstStyle/>
+            <a:p>
+              <a:pPr algn="ctr"/>
+              <a:r>
+                <a:rPr lang="en-US" sz="1600" i="1" dirty="0"/>
+                <a:t>r</a:t>
+              </a:r>
+              <a:r>
+                <a:rPr lang="en-US" sz="1600" baseline="-30000" dirty="0"/>
+                <a:t>4.3</a:t>
+              </a:r>
+            </a:p>
+          </p:txBody>
+        </p:sp>
+        <p:cxnSp>
+          <p:nvCxnSpPr>
+            <p:cNvPr id="29" name="Straight Arrow Connector 28"/>
+            <p:cNvCxnSpPr>
+              <a:stCxn id="24" idx="0"/>
+              <a:endCxn id="25" idx="0"/>
+            </p:cNvCxnSpPr>
+            <p:nvPr/>
+          </p:nvCxnSpPr>
+          <p:spPr>
+            <a:xfrm flipH="1">
+              <a:off x="647700" y="304800"/>
+              <a:ext cx="914400" cy="228600"/>
+            </a:xfrm>
+            <a:prstGeom prst="straightConnector1">
+              <a:avLst/>
+            </a:prstGeom>
+            <a:ln w="19050">
+              <a:solidFill>
+                <a:schemeClr val="bg2"/>
+              </a:solidFill>
+              <a:tailEnd type="triangle"/>
+            </a:ln>
+          </p:spPr>
+          <p:style>
+            <a:lnRef idx="1">
+              <a:schemeClr val="accent1"/>
+            </a:lnRef>
+            <a:fillRef idx="0">
+              <a:schemeClr val="accent1"/>
+            </a:fillRef>
+            <a:effectRef idx="0">
+              <a:schemeClr val="accent1"/>
+            </a:effectRef>
+            <a:fontRef idx="minor">
+              <a:schemeClr val="tx1"/>
+            </a:fontRef>
+          </p:style>
+        </p:cxnSp>
+        <p:cxnSp>
+          <p:nvCxnSpPr>
+            <p:cNvPr id="30" name="Straight Arrow Connector 29"/>
+            <p:cNvCxnSpPr>
+              <a:stCxn id="24" idx="0"/>
+              <a:endCxn id="26" idx="0"/>
+            </p:cNvCxnSpPr>
+            <p:nvPr/>
+          </p:nvCxnSpPr>
+          <p:spPr>
+            <a:xfrm>
+              <a:off x="1562100" y="304800"/>
+              <a:ext cx="0" cy="228600"/>
+            </a:xfrm>
+            <a:prstGeom prst="straightConnector1">
+              <a:avLst/>
+            </a:prstGeom>
+            <a:ln w="19050">
+              <a:solidFill>
+                <a:schemeClr val="bg2"/>
+              </a:solidFill>
+              <a:tailEnd type="triangle"/>
+            </a:ln>
+          </p:spPr>
+          <p:style>
+            <a:lnRef idx="1">
+              <a:schemeClr val="accent1"/>
+            </a:lnRef>
+            <a:fillRef idx="0">
+              <a:schemeClr val="accent1"/>
+            </a:fillRef>
+            <a:effectRef idx="0">
+              <a:schemeClr val="accent1"/>
+            </a:effectRef>
+            <a:fontRef idx="minor">
+              <a:schemeClr val="tx1"/>
+            </a:fontRef>
+          </p:style>
+        </p:cxnSp>
+        <p:cxnSp>
+          <p:nvCxnSpPr>
+            <p:cNvPr id="33" name="Straight Arrow Connector 32"/>
+            <p:cNvCxnSpPr>
+              <a:stCxn id="24" idx="0"/>
+              <a:endCxn id="27" idx="0"/>
+            </p:cNvCxnSpPr>
+            <p:nvPr/>
+          </p:nvCxnSpPr>
+          <p:spPr>
+            <a:xfrm>
+              <a:off x="1562100" y="304800"/>
+              <a:ext cx="914400" cy="228600"/>
+            </a:xfrm>
+            <a:prstGeom prst="straightConnector1">
+              <a:avLst/>
+            </a:prstGeom>
+            <a:ln w="19050">
+              <a:solidFill>
+                <a:schemeClr val="bg2"/>
+              </a:solidFill>
+              <a:tailEnd type="triangle"/>
+            </a:ln>
+          </p:spPr>
+          <p:style>
+            <a:lnRef idx="1">
+              <a:schemeClr val="accent1"/>
+            </a:lnRef>
+            <a:fillRef idx="0">
+              <a:schemeClr val="accent1"/>
+            </a:fillRef>
+            <a:effectRef idx="0">
+              <a:schemeClr val="accent1"/>
+            </a:effectRef>
+            <a:fontRef idx="minor">
+              <a:schemeClr val="tx1"/>
+            </a:fontRef>
+          </p:style>
+        </p:cxnSp>
+        <p:cxnSp>
+          <p:nvCxnSpPr>
+            <p:cNvPr id="37" name="Straight Arrow Connector 36"/>
+            <p:cNvCxnSpPr>
+              <a:stCxn id="25" idx="2"/>
+              <a:endCxn id="24" idx="2"/>
+            </p:cNvCxnSpPr>
+            <p:nvPr/>
+          </p:nvCxnSpPr>
+          <p:spPr>
+            <a:xfrm>
+              <a:off x="647700" y="838200"/>
+              <a:ext cx="914400" cy="228600"/>
+            </a:xfrm>
+            <a:prstGeom prst="straightConnector1">
+              <a:avLst/>
+            </a:prstGeom>
+            <a:ln w="19050">
+              <a:solidFill>
+                <a:schemeClr val="bg2"/>
+              </a:solidFill>
+              <a:tailEnd type="triangle"/>
+            </a:ln>
+          </p:spPr>
+          <p:style>
+            <a:lnRef idx="1">
+              <a:schemeClr val="accent1"/>
+            </a:lnRef>
+            <a:fillRef idx="0">
+              <a:schemeClr val="accent1"/>
+            </a:fillRef>
+            <a:effectRef idx="0">
+              <a:schemeClr val="accent1"/>
+            </a:effectRef>
+            <a:fontRef idx="minor">
+              <a:schemeClr val="tx1"/>
+            </a:fontRef>
+          </p:style>
+        </p:cxnSp>
+        <p:cxnSp>
+          <p:nvCxnSpPr>
+            <p:cNvPr id="40" name="Straight Arrow Connector 39"/>
+            <p:cNvCxnSpPr>
+              <a:stCxn id="26" idx="2"/>
+              <a:endCxn id="24" idx="2"/>
+            </p:cNvCxnSpPr>
+            <p:nvPr/>
+          </p:nvCxnSpPr>
+          <p:spPr>
+            <a:xfrm>
+              <a:off x="1562100" y="838200"/>
+              <a:ext cx="0" cy="228600"/>
+            </a:xfrm>
+            <a:prstGeom prst="straightConnector1">
+              <a:avLst/>
+            </a:prstGeom>
+            <a:ln w="19050">
+              <a:solidFill>
+                <a:schemeClr val="bg2"/>
+              </a:solidFill>
+              <a:tailEnd type="triangle"/>
+            </a:ln>
+          </p:spPr>
+          <p:style>
+            <a:lnRef idx="1">
+              <a:schemeClr val="accent1"/>
+            </a:lnRef>
+            <a:fillRef idx="0">
+              <a:schemeClr val="accent1"/>
+            </a:fillRef>
+            <a:effectRef idx="0">
+              <a:schemeClr val="accent1"/>
+            </a:effectRef>
+            <a:fontRef idx="minor">
+              <a:schemeClr val="tx1"/>
+            </a:fontRef>
+          </p:style>
+        </p:cxnSp>
+        <p:cxnSp>
+          <p:nvCxnSpPr>
+            <p:cNvPr id="43" name="Straight Arrow Connector 42"/>
+            <p:cNvCxnSpPr>
+              <a:stCxn id="27" idx="2"/>
+              <a:endCxn id="24" idx="2"/>
+            </p:cNvCxnSpPr>
+            <p:nvPr/>
+          </p:nvCxnSpPr>
+          <p:spPr>
+            <a:xfrm flipH="1">
+              <a:off x="1562100" y="838200"/>
+              <a:ext cx="914400" cy="228600"/>
+            </a:xfrm>
+            <a:prstGeom prst="straightConnector1">
+              <a:avLst/>
+            </a:prstGeom>
+            <a:ln w="19050">
+              <a:solidFill>
+                <a:schemeClr val="bg2"/>
+              </a:solidFill>
+              <a:tailEnd type="triangle"/>
+            </a:ln>
+          </p:spPr>
+          <p:style>
+            <a:lnRef idx="1">
+              <a:schemeClr val="accent1"/>
+            </a:lnRef>
+            <a:fillRef idx="0">
+              <a:schemeClr val="accent1"/>
+            </a:fillRef>
+            <a:effectRef idx="0">
+              <a:schemeClr val="accent1"/>
+            </a:effectRef>
+            <a:fontRef idx="minor">
+              <a:schemeClr val="tx1"/>
+            </a:fontRef>
+          </p:style>
+        </p:cxnSp>
+        <p:sp>
+          <p:nvSpPr>
+            <p:cNvPr id="46" name="Rounded Rectangle 45"/>
+            <p:cNvSpPr/>
+            <p:nvPr/>
+          </p:nvSpPr>
+          <p:spPr>
+            <a:xfrm>
+              <a:off x="685800" y="1295400"/>
+              <a:ext cx="1752600" cy="762000"/>
+            </a:xfrm>
+            <a:prstGeom prst="roundRect">
+              <a:avLst/>
+            </a:prstGeom>
+            <a:noFill/>
+          </p:spPr>
+          <p:style>
+            <a:lnRef idx="2">
+              <a:schemeClr val="accent1">
+                <a:shade val="50000"/>
+              </a:schemeClr>
+            </a:lnRef>
+            <a:fillRef idx="1">
+              <a:schemeClr val="accent1"/>
+            </a:fillRef>
+            <a:effectRef idx="0">
+              <a:schemeClr val="accent1"/>
+            </a:effectRef>
+            <a:fontRef idx="minor">
+              <a:schemeClr val="lt1"/>
+            </a:fontRef>
+          </p:style>
+          <p:txBody>
+            <a:bodyPr anchor="ctr"/>
+            <a:lstStyle/>
+            <a:p>
+              <a:pPr algn="ctr">
+                <a:defRPr/>
+              </a:pPr>
+              <a:endParaRPr lang="en-US"/>
+            </a:p>
+          </p:txBody>
+        </p:sp>
+        <p:sp>
+          <p:nvSpPr>
+            <p:cNvPr id="47" name="Rectangle 46"/>
+            <p:cNvSpPr>
+              <a:spLocks noChangeArrowheads="1"/>
+            </p:cNvSpPr>
+            <p:nvPr/>
+          </p:nvSpPr>
+          <p:spPr bwMode="auto">
+            <a:xfrm>
+              <a:off x="762000" y="1524000"/>
+              <a:ext cx="685800" cy="304800"/>
+            </a:xfrm>
+            <a:prstGeom prst="rect">
+              <a:avLst/>
+            </a:prstGeom>
+            <a:solidFill>
+              <a:schemeClr val="bg1">
+                <a:lumMod val="85000"/>
+                <a:alpha val="17000"/>
+              </a:schemeClr>
+            </a:solidFill>
+            <a:ln w="25400" algn="ctr">
+              <a:solidFill>
+                <a:schemeClr val="tx1">
+                  <a:lumMod val="50000"/>
+                  <a:lumOff val="50000"/>
+                </a:schemeClr>
+              </a:solidFill>
+              <a:miter lim="800000"/>
+              <a:headEnd/>
+              <a:tailEnd/>
+            </a:ln>
+          </p:spPr>
+          <p:txBody>
+            <a:bodyPr bIns="128016" anchor="ctr"/>
+            <a:lstStyle/>
+            <a:p>
+              <a:pPr algn="ctr"/>
+              <a:r>
+                <a:rPr lang="en-US" sz="1600" i="1" dirty="0"/>
+                <a:t>r</a:t>
+              </a:r>
+              <a:r>
+                <a:rPr lang="en-US" sz="1600" baseline="-30000" dirty="0"/>
+                <a:t>5.1</a:t>
+              </a:r>
+            </a:p>
+          </p:txBody>
+        </p:sp>
+        <p:sp>
+          <p:nvSpPr>
+            <p:cNvPr id="48" name="Rectangle 47"/>
+            <p:cNvSpPr>
+              <a:spLocks noChangeArrowheads="1"/>
+            </p:cNvSpPr>
+            <p:nvPr/>
+          </p:nvSpPr>
+          <p:spPr bwMode="auto">
+            <a:xfrm>
+              <a:off x="1676400" y="1524000"/>
+              <a:ext cx="685800" cy="304800"/>
+            </a:xfrm>
+            <a:prstGeom prst="rect">
+              <a:avLst/>
+            </a:prstGeom>
+            <a:solidFill>
+              <a:schemeClr val="bg1">
+                <a:lumMod val="85000"/>
+                <a:alpha val="17000"/>
+              </a:schemeClr>
+            </a:solidFill>
+            <a:ln w="25400" algn="ctr">
+              <a:solidFill>
+                <a:schemeClr val="tx1">
+                  <a:lumMod val="50000"/>
+                  <a:lumOff val="50000"/>
+                </a:schemeClr>
+              </a:solidFill>
+              <a:miter lim="800000"/>
+              <a:headEnd/>
+              <a:tailEnd/>
+            </a:ln>
+          </p:spPr>
+          <p:txBody>
+            <a:bodyPr bIns="128016" anchor="ctr"/>
+            <a:lstStyle/>
+            <a:p>
+              <a:pPr algn="ctr"/>
+              <a:r>
+                <a:rPr lang="en-US" sz="1600" i="1" dirty="0"/>
+                <a:t>r</a:t>
+              </a:r>
+              <a:r>
+                <a:rPr lang="en-US" sz="1600" baseline="-30000" dirty="0"/>
+                <a:t>5.2</a:t>
+              </a:r>
+            </a:p>
+          </p:txBody>
+        </p:sp>
+        <p:cxnSp>
+          <p:nvCxnSpPr>
+            <p:cNvPr id="49" name="Straight Arrow Connector 48"/>
+            <p:cNvCxnSpPr>
+              <a:stCxn id="46" idx="0"/>
+              <a:endCxn id="47" idx="0"/>
+            </p:cNvCxnSpPr>
+            <p:nvPr/>
+          </p:nvCxnSpPr>
+          <p:spPr>
+            <a:xfrm flipH="1">
+              <a:off x="1104900" y="1295400"/>
+              <a:ext cx="457200" cy="228600"/>
+            </a:xfrm>
+            <a:prstGeom prst="straightConnector1">
+              <a:avLst/>
+            </a:prstGeom>
+            <a:ln w="19050">
+              <a:solidFill>
+                <a:schemeClr val="bg2"/>
+              </a:solidFill>
+              <a:tailEnd type="triangle"/>
+            </a:ln>
+          </p:spPr>
+          <p:style>
+            <a:lnRef idx="1">
+              <a:schemeClr val="accent1"/>
+            </a:lnRef>
+            <a:fillRef idx="0">
+              <a:schemeClr val="accent1"/>
+            </a:fillRef>
+            <a:effectRef idx="0">
+              <a:schemeClr val="accent1"/>
+            </a:effectRef>
+            <a:fontRef idx="minor">
+              <a:schemeClr val="tx1"/>
+            </a:fontRef>
+          </p:style>
+        </p:cxnSp>
+        <p:cxnSp>
+          <p:nvCxnSpPr>
+            <p:cNvPr id="52" name="Straight Arrow Connector 51"/>
+            <p:cNvCxnSpPr>
+              <a:stCxn id="46" idx="0"/>
+              <a:endCxn id="48" idx="0"/>
+            </p:cNvCxnSpPr>
+            <p:nvPr/>
+          </p:nvCxnSpPr>
+          <p:spPr>
+            <a:xfrm>
+              <a:off x="1562100" y="1295400"/>
+              <a:ext cx="457200" cy="228600"/>
+            </a:xfrm>
+            <a:prstGeom prst="straightConnector1">
+              <a:avLst/>
+            </a:prstGeom>
+            <a:ln w="19050">
+              <a:solidFill>
+                <a:schemeClr val="bg2"/>
+              </a:solidFill>
+              <a:tailEnd type="triangle"/>
+            </a:ln>
+          </p:spPr>
+          <p:style>
+            <a:lnRef idx="1">
+              <a:schemeClr val="accent1"/>
+            </a:lnRef>
+            <a:fillRef idx="0">
+              <a:schemeClr val="accent1"/>
+            </a:fillRef>
+            <a:effectRef idx="0">
+              <a:schemeClr val="accent1"/>
+            </a:effectRef>
+            <a:fontRef idx="minor">
+              <a:schemeClr val="tx1"/>
+            </a:fontRef>
+          </p:style>
+        </p:cxnSp>
+        <p:cxnSp>
+          <p:nvCxnSpPr>
+            <p:cNvPr id="55" name="Straight Arrow Connector 54"/>
+            <p:cNvCxnSpPr>
+              <a:endCxn id="46" idx="2"/>
+            </p:cNvCxnSpPr>
+            <p:nvPr/>
+          </p:nvCxnSpPr>
+          <p:spPr>
+            <a:xfrm>
+              <a:off x="1143000" y="1841500"/>
+              <a:ext cx="419100" cy="228600"/>
+            </a:xfrm>
+            <a:prstGeom prst="straightConnector1">
+              <a:avLst/>
+            </a:prstGeom>
+            <a:ln w="19050">
+              <a:solidFill>
+                <a:schemeClr val="bg2"/>
+              </a:solidFill>
+              <a:tailEnd type="triangle"/>
+            </a:ln>
+          </p:spPr>
+          <p:style>
+            <a:lnRef idx="1">
+              <a:schemeClr val="accent1"/>
+            </a:lnRef>
+            <a:fillRef idx="0">
+              <a:schemeClr val="accent1"/>
+            </a:fillRef>
+            <a:effectRef idx="0">
+              <a:schemeClr val="accent1"/>
+            </a:effectRef>
+            <a:fontRef idx="minor">
+              <a:schemeClr val="tx1"/>
+            </a:fontRef>
+          </p:style>
+        </p:cxnSp>
+        <p:cxnSp>
+          <p:nvCxnSpPr>
+            <p:cNvPr id="58" name="Straight Arrow Connector 57"/>
+            <p:cNvCxnSpPr>
+              <a:stCxn id="48" idx="2"/>
+              <a:endCxn id="46" idx="2"/>
+            </p:cNvCxnSpPr>
+            <p:nvPr/>
+          </p:nvCxnSpPr>
+          <p:spPr>
+            <a:xfrm flipH="1">
+              <a:off x="1562100" y="1828800"/>
+              <a:ext cx="457200" cy="228600"/>
+            </a:xfrm>
+            <a:prstGeom prst="straightConnector1">
+              <a:avLst/>
+            </a:prstGeom>
+            <a:ln w="19050">
+              <a:solidFill>
+                <a:schemeClr val="bg2"/>
+              </a:solidFill>
+              <a:tailEnd type="triangle"/>
+            </a:ln>
+          </p:spPr>
+          <p:style>
+            <a:lnRef idx="1">
+              <a:schemeClr val="accent1"/>
+            </a:lnRef>
+            <a:fillRef idx="0">
+              <a:schemeClr val="accent1"/>
+            </a:fillRef>
+            <a:effectRef idx="0">
+              <a:schemeClr val="accent1"/>
+            </a:effectRef>
+            <a:fontRef idx="minor">
+              <a:schemeClr val="tx1"/>
+            </a:fontRef>
+          </p:style>
+        </p:cxnSp>
+        <p:cxnSp>
+          <p:nvCxnSpPr>
+            <p:cNvPr id="61" name="Straight Arrow Connector 60"/>
+            <p:cNvCxnSpPr>
+              <a:stCxn id="24" idx="2"/>
+              <a:endCxn id="46" idx="0"/>
+            </p:cNvCxnSpPr>
+            <p:nvPr/>
+          </p:nvCxnSpPr>
+          <p:spPr>
+            <a:xfrm>
+              <a:off x="1562100" y="1066800"/>
+              <a:ext cx="0" cy="228600"/>
+            </a:xfrm>
+            <a:prstGeom prst="straightConnector1">
+              <a:avLst/>
+            </a:prstGeom>
+            <a:ln w="19050">
+              <a:solidFill>
+                <a:schemeClr val="bg2"/>
+              </a:solidFill>
+              <a:tailEnd type="triangle"/>
+            </a:ln>
+          </p:spPr>
+          <p:style>
+            <a:lnRef idx="1">
+              <a:schemeClr val="accent1"/>
+            </a:lnRef>
+            <a:fillRef idx="0">
+              <a:schemeClr val="accent1"/>
+            </a:fillRef>
+            <a:effectRef idx="0">
+              <a:schemeClr val="accent1"/>
+            </a:effectRef>
+            <a:fontRef idx="minor">
+              <a:schemeClr val="tx1"/>
+            </a:fontRef>
+          </p:style>
+        </p:cxnSp>
+        <p:sp>
+          <p:nvSpPr>
+            <p:cNvPr id="13331" name="Text Box 41"/>
+            <p:cNvSpPr txBox="1">
+              <a:spLocks noChangeArrowheads="1"/>
+            </p:cNvSpPr>
+            <p:nvPr/>
+          </p:nvSpPr>
+          <p:spPr bwMode="auto">
+            <a:xfrm>
+              <a:off x="152400" y="44450"/>
+              <a:ext cx="838200" cy="304800"/>
+            </a:xfrm>
+            <a:prstGeom prst="rect">
+              <a:avLst/>
+            </a:prstGeom>
+            <a:noFill/>
+            <a:ln w="9525">
+              <a:noFill/>
+              <a:miter lim="800000"/>
+              <a:headEnd/>
+              <a:tailEnd/>
+            </a:ln>
+          </p:spPr>
+          <p:txBody>
+            <a:bodyPr>
+              <a:spAutoFit/>
+            </a:bodyPr>
+            <a:lstStyle/>
+            <a:p>
+              <a:pPr>
+                <a:spcBef>
+                  <a:spcPct val="50000"/>
+                </a:spcBef>
+              </a:pPr>
+              <a:r>
+                <a:rPr lang="en-US" sz="1400">
+                  <a:latin typeface="Calibri" pitchFamily="34" charset="0"/>
+                </a:rPr>
+                <a:t>Rule  </a:t>
+              </a:r>
+              <a:r>
+                <a:rPr lang="en-US" sz="1400" i="1">
+                  <a:latin typeface="Calibri" pitchFamily="34" charset="0"/>
+                </a:rPr>
+                <a:t>R</a:t>
+              </a:r>
+              <a:r>
+                <a:rPr lang="en-US" baseline="-10000">
+                  <a:latin typeface="Calibri" pitchFamily="34" charset="0"/>
+                </a:rPr>
+                <a:t>4</a:t>
+              </a:r>
+              <a:endParaRPr lang="en-US" sz="1400" baseline="-10000">
+                <a:latin typeface="Calibri" pitchFamily="34" charset="0"/>
+              </a:endParaRPr>
+            </a:p>
+          </p:txBody>
+        </p:sp>
+        <p:sp>
+          <p:nvSpPr>
+            <p:cNvPr id="13332" name="Text Box 41"/>
+            <p:cNvSpPr txBox="1">
+              <a:spLocks noChangeArrowheads="1"/>
+            </p:cNvSpPr>
+            <p:nvPr/>
+          </p:nvSpPr>
+          <p:spPr bwMode="auto">
+            <a:xfrm>
+              <a:off x="609600" y="1035050"/>
+              <a:ext cx="838200" cy="304800"/>
+            </a:xfrm>
+            <a:prstGeom prst="rect">
+              <a:avLst/>
+            </a:prstGeom>
+            <a:noFill/>
+            <a:ln w="9525">
+              <a:noFill/>
+              <a:miter lim="800000"/>
+              <a:headEnd/>
+              <a:tailEnd/>
+            </a:ln>
+          </p:spPr>
+          <p:txBody>
+            <a:bodyPr>
+              <a:spAutoFit/>
+            </a:bodyPr>
+            <a:lstStyle/>
+            <a:p>
+              <a:pPr>
+                <a:spcBef>
+                  <a:spcPct val="50000"/>
+                </a:spcBef>
+              </a:pPr>
+              <a:r>
+                <a:rPr lang="en-US" sz="1400">
+                  <a:latin typeface="Calibri" pitchFamily="34" charset="0"/>
+                </a:rPr>
+                <a:t>Rule  </a:t>
+              </a:r>
+              <a:r>
+                <a:rPr lang="en-US" sz="1400" i="1">
+                  <a:latin typeface="Calibri" pitchFamily="34" charset="0"/>
+                </a:rPr>
+                <a:t>R</a:t>
+              </a:r>
+              <a:r>
+                <a:rPr lang="en-US" baseline="-10000">
+                  <a:latin typeface="Calibri" pitchFamily="34" charset="0"/>
+                </a:rPr>
+                <a:t>5</a:t>
+              </a:r>
+              <a:endParaRPr lang="en-US" sz="1400" baseline="-10000">
+                <a:latin typeface="Calibri" pitchFamily="34" charset="0"/>
+              </a:endParaRPr>
+            </a:p>
+          </p:txBody>
+        </p:sp>
+      </p:grpSp>
+    </p:spTree>
+  </p:cSld>
+  <p:clrMapOvr>
+    <a:masterClrMapping/>
+  </p:clrMapOvr>
+</p:sld>
+</file>
+
+<file path=ppt/slides/slide2.xml><?xml version="1.0" encoding="utf-8"?>
+<p:sld xmlns:a="http://schemas.openxmlformats.org/drawingml/2006/main" xmlns:r="http://schemas.openxmlformats.org/officeDocument/2006/relationships" xmlns:p="http://schemas.openxmlformats.org/presentationml/2006/main">
+  <p:cSld>
+    <p:spTree>
+      <p:nvGrpSpPr>
+        <p:cNvPr id="1" name=""/>
+        <p:cNvGrpSpPr/>
+        <p:nvPr/>
+      </p:nvGrpSpPr>
+      <p:grpSpPr>
+        <a:xfrm>
+          <a:off x="0" y="0"/>
+          <a:ext cx="0" cy="0"/>
+          <a:chOff x="0" y="0"/>
+          <a:chExt cx="0" cy="0"/>
+        </a:xfrm>
+      </p:grpSpPr>
+      <p:pic>
+        <p:nvPicPr>
+          <p:cNvPr id="4" name="Picture 3"/>
+          <p:cNvPicPr>
+            <a:picLocks noChangeAspect="1"/>
+          </p:cNvPicPr>
+          <p:nvPr/>
+        </p:nvPicPr>
+        <p:blipFill>
+          <a:blip r:embed="rId2"/>
+          <a:stretch>
+            <a:fillRect/>
+          </a:stretch>
+        </p:blipFill>
         <p:spPr>
           <a:xfrm>
-            <a:off x="152400" y="304800"/>
-            <a:ext cx="2819400" cy="762000"/>
-          </a:xfrm>
-          <a:prstGeom prst="roundRect">
-            <a:avLst/>
-          </a:prstGeom>
-          <a:noFill/>
-        </p:spPr>
-        <p:style>
-          <a:lnRef idx="2">
-            <a:schemeClr val="accent1">
-              <a:shade val="50000"/>
-            </a:schemeClr>
-          </a:lnRef>
-          <a:fillRef idx="1">
-            <a:schemeClr val="accent1"/>
-          </a:fillRef>
-          <a:effectRef idx="0">
-            <a:schemeClr val="accent1"/>
-          </a:effectRef>
-          <a:fontRef idx="minor">
-            <a:schemeClr val="lt1"/>
-          </a:fontRef>
-        </p:style>
-        <p:txBody>
-          <a:bodyPr anchor="ctr"/>
-          <a:lstStyle/>
-          <a:p>
-            <a:pPr algn="ctr">
-              <a:defRPr/>
-            </a:pPr>
-            <a:endParaRPr lang="en-US"/>
-          </a:p>
-        </p:txBody>
-      </p:sp>
-      <p:sp>
-        <p:nvSpPr>
-          <p:cNvPr id="25" name="Rectangle 24"/>
-          <p:cNvSpPr>
-            <a:spLocks noChangeArrowheads="1"/>
-          </p:cNvSpPr>
-          <p:nvPr/>
-        </p:nvSpPr>
-        <p:spPr bwMode="auto">
-          <a:xfrm>
-            <a:off x="304800" y="533400"/>
-            <a:ext cx="685800" cy="304800"/>
+            <a:off x="-30480" y="0"/>
+            <a:ext cx="8645145" cy="4448175"/>
           </a:xfrm>
           <a:prstGeom prst="rect">
             <a:avLst/>
           </a:prstGeom>
-          <a:solidFill>
-            <a:schemeClr val="bg1">
-              <a:lumMod val="85000"/>
-              <a:alpha val="17000"/>
-            </a:schemeClr>
-          </a:solidFill>
-          <a:ln w="25400" algn="ctr">
-            <a:solidFill>
-              <a:schemeClr val="tx1">
-                <a:lumMod val="50000"/>
-                <a:lumOff val="50000"/>
-              </a:schemeClr>
-            </a:solidFill>
-            <a:miter lim="800000"/>
-            <a:headEnd/>
-            <a:tailEnd/>
-          </a:ln>
         </p:spPr>
-        <p:txBody>
-          <a:bodyPr bIns="128016" anchor="ctr"/>
-          <a:lstStyle/>
-          <a:p>
-            <a:pPr algn="ctr"/>
-            <a:r>
-              <a:rPr lang="en-US" sz="1600" i="1" dirty="0"/>
-              <a:t>r</a:t>
-            </a:r>
-            <a:r>
-              <a:rPr lang="en-US" sz="1600" baseline="-30000" dirty="0"/>
-              <a:t>4.1</a:t>
-            </a:r>
-          </a:p>
-        </p:txBody>
-      </p:sp>
-      <p:sp>
-        <p:nvSpPr>
-          <p:cNvPr id="26" name="Rectangle 25"/>
-          <p:cNvSpPr>
-            <a:spLocks noChangeArrowheads="1"/>
-          </p:cNvSpPr>
+      </p:pic>
+    </p:spTree>
+    <p:extLst>
+      <p:ext uri="{BB962C8B-B14F-4D97-AF65-F5344CB8AC3E}">
+        <p14:creationId xmlns:p14="http://schemas.microsoft.com/office/powerpoint/2010/main" val="4113110721"/>
+      </p:ext>
+    </p:extLst>
+  </p:cSld>
+  <p:clrMapOvr>
+    <a:masterClrMapping/>
+  </p:clrMapOvr>
+</p:sld>
+</file>
+
+<file path=ppt/slides/slide3.xml><?xml version="1.0" encoding="utf-8"?>
+<p:sld xmlns:a="http://schemas.openxmlformats.org/drawingml/2006/main" xmlns:r="http://schemas.openxmlformats.org/officeDocument/2006/relationships" xmlns:p="http://schemas.openxmlformats.org/presentationml/2006/main">
+  <p:cSld>
+    <p:spTree>
+      <p:nvGrpSpPr>
+        <p:cNvPr id="1" name=""/>
+        <p:cNvGrpSpPr/>
+        <p:nvPr/>
+      </p:nvGrpSpPr>
+      <p:grpSpPr>
+        <a:xfrm>
+          <a:off x="0" y="0"/>
+          <a:ext cx="0" cy="0"/>
+          <a:chOff x="0" y="0"/>
+          <a:chExt cx="0" cy="0"/>
+        </a:xfrm>
+      </p:grpSpPr>
+      <p:pic>
+        <p:nvPicPr>
+          <p:cNvPr id="4" name="Picture 3"/>
+          <p:cNvPicPr>
+            <a:picLocks noChangeAspect="1"/>
+          </p:cNvPicPr>
           <p:nvPr/>
-        </p:nvSpPr>
-        <p:spPr bwMode="auto">
+        </p:nvPicPr>
+        <p:blipFill>
+          <a:blip r:embed="rId2"/>
+          <a:stretch>
+            <a:fillRect/>
+          </a:stretch>
+        </p:blipFill>
+        <p:spPr>
           <a:xfrm>
-            <a:off x="1219200" y="533400"/>
-            <a:ext cx="685800" cy="304800"/>
+            <a:off x="0" y="-7219"/>
+            <a:ext cx="7191343" cy="4214813"/>
           </a:xfrm>
           <a:prstGeom prst="rect">
             <a:avLst/>
           </a:prstGeom>
-          <a:solidFill>
-            <a:schemeClr val="bg1">
-              <a:lumMod val="85000"/>
-              <a:alpha val="17000"/>
-            </a:schemeClr>
-          </a:solidFill>
-          <a:ln w="25400" algn="ctr">
-            <a:solidFill>
-              <a:schemeClr val="tx1">
-                <a:lumMod val="50000"/>
-                <a:lumOff val="50000"/>
-              </a:schemeClr>
-            </a:solidFill>
-            <a:miter lim="800000"/>
-            <a:headEnd/>
-            <a:tailEnd/>
-          </a:ln>
         </p:spPr>
-        <p:txBody>
-          <a:bodyPr bIns="128016" anchor="ctr"/>
-          <a:lstStyle/>
-          <a:p>
-            <a:pPr algn="ctr"/>
-            <a:r>
-              <a:rPr lang="en-US" sz="1600" i="1" dirty="0"/>
-              <a:t>r</a:t>
-            </a:r>
-            <a:r>
-              <a:rPr lang="en-US" sz="1600" baseline="-30000" dirty="0"/>
-              <a:t>4.2</a:t>
-            </a:r>
-          </a:p>
-        </p:txBody>
-      </p:sp>
-      <p:sp>
-        <p:nvSpPr>
-          <p:cNvPr id="27" name="Rectangle 26"/>
-          <p:cNvSpPr>
-            <a:spLocks noChangeArrowheads="1"/>
-          </p:cNvSpPr>
+      </p:pic>
+    </p:spTree>
+    <p:extLst>
+      <p:ext uri="{BB962C8B-B14F-4D97-AF65-F5344CB8AC3E}">
+        <p14:creationId xmlns:p14="http://schemas.microsoft.com/office/powerpoint/2010/main" val="951094916"/>
+      </p:ext>
+    </p:extLst>
+  </p:cSld>
+  <p:clrMapOvr>
+    <a:masterClrMapping/>
+  </p:clrMapOvr>
+</p:sld>
+</file>
+
+<file path=ppt/slides/slide4.xml><?xml version="1.0" encoding="utf-8"?>
+<p:sld xmlns:a="http://schemas.openxmlformats.org/drawingml/2006/main" xmlns:r="http://schemas.openxmlformats.org/officeDocument/2006/relationships" xmlns:p="http://schemas.openxmlformats.org/presentationml/2006/main">
+  <p:cSld>
+    <p:spTree>
+      <p:nvGrpSpPr>
+        <p:cNvPr id="1" name=""/>
+        <p:cNvGrpSpPr/>
+        <p:nvPr/>
+      </p:nvGrpSpPr>
+      <p:grpSpPr>
+        <a:xfrm>
+          <a:off x="0" y="0"/>
+          <a:ext cx="0" cy="0"/>
+          <a:chOff x="0" y="0"/>
+          <a:chExt cx="0" cy="0"/>
+        </a:xfrm>
+      </p:grpSpPr>
+      <p:grpSp>
+        <p:nvGrpSpPr>
+          <p:cNvPr id="32" name="Group 31"/>
+          <p:cNvGrpSpPr/>
           <p:nvPr/>
-        </p:nvSpPr>
-        <p:spPr bwMode="auto">
+        </p:nvGrpSpPr>
+        <p:grpSpPr>
           <a:xfrm>
-            <a:off x="2133600" y="533400"/>
-            <a:ext cx="685800" cy="304800"/>
+            <a:off x="152400" y="76200"/>
+            <a:ext cx="4572000" cy="1798638"/>
+            <a:chOff x="152400" y="76200"/>
+            <a:chExt cx="4572000" cy="1798638"/>
           </a:xfrm>
-          <a:prstGeom prst="rect">
-            <a:avLst/>
-          </a:prstGeom>
-          <a:solidFill>
-            <a:schemeClr val="bg1">
-              <a:lumMod val="85000"/>
-              <a:alpha val="17000"/>
-            </a:schemeClr>
-          </a:solidFill>
-          <a:ln w="25400" algn="ctr">
-            <a:solidFill>
-              <a:schemeClr val="tx1">
-                <a:lumMod val="50000"/>
-                <a:lumOff val="50000"/>
-              </a:schemeClr>
-            </a:solidFill>
-            <a:miter lim="800000"/>
-            <a:headEnd/>
-            <a:tailEnd/>
-          </a:ln>
-        </p:spPr>
-        <p:txBody>
-          <a:bodyPr bIns="128016" anchor="ctr"/>
-          <a:lstStyle/>
-          <a:p>
-            <a:pPr algn="ctr"/>
-            <a:r>
-              <a:rPr lang="en-US" sz="1600" i="1" dirty="0"/>
-              <a:t>r</a:t>
-            </a:r>
-            <a:r>
-              <a:rPr lang="en-US" sz="1600" baseline="-30000" dirty="0"/>
-              <a:t>4.3</a:t>
-            </a:r>
-          </a:p>
-        </p:txBody>
-      </p:sp>
-      <p:cxnSp>
-        <p:nvCxnSpPr>
-          <p:cNvPr id="29" name="Straight Arrow Connector 28"/>
-          <p:cNvCxnSpPr>
-            <a:stCxn id="24" idx="0"/>
-            <a:endCxn id="25" idx="0"/>
-          </p:cNvCxnSpPr>
-          <p:nvPr/>
-        </p:nvCxnSpPr>
-        <p:spPr>
-          <a:xfrm flipH="1">
-            <a:off x="647700" y="304800"/>
-            <a:ext cx="914400" cy="228600"/>
-          </a:xfrm>
-          <a:prstGeom prst="straightConnector1">
-            <a:avLst/>
-          </a:prstGeom>
-          <a:ln w="19050">
-            <a:solidFill>
-              <a:schemeClr val="bg2"/>
-            </a:solidFill>
-            <a:tailEnd type="triangle"/>
-          </a:ln>
-        </p:spPr>
-        <p:style>
-          <a:lnRef idx="1">
-            <a:schemeClr val="accent1"/>
-          </a:lnRef>
-          <a:fillRef idx="0">
-            <a:schemeClr val="accent1"/>
-          </a:fillRef>
-          <a:effectRef idx="0">
-            <a:schemeClr val="accent1"/>
-          </a:effectRef>
-          <a:fontRef idx="minor">
-            <a:schemeClr val="tx1"/>
-          </a:fontRef>
-        </p:style>
-      </p:cxnSp>
-      <p:cxnSp>
-        <p:nvCxnSpPr>
-          <p:cNvPr id="30" name="Straight Arrow Connector 29"/>
-          <p:cNvCxnSpPr>
-            <a:stCxn id="24" idx="0"/>
-            <a:endCxn id="26" idx="0"/>
-          </p:cNvCxnSpPr>
-          <p:nvPr/>
-        </p:nvCxnSpPr>
-        <p:spPr>
-          <a:xfrm>
-            <a:off x="1562100" y="304800"/>
-            <a:ext cx="0" cy="228600"/>
-          </a:xfrm>
-          <a:prstGeom prst="straightConnector1">
-            <a:avLst/>
-          </a:prstGeom>
-          <a:ln w="19050">
-            <a:solidFill>
-              <a:schemeClr val="bg2"/>
-            </a:solidFill>
-            <a:tailEnd type="triangle"/>
-          </a:ln>
-        </p:spPr>
-        <p:style>
-          <a:lnRef idx="1">
-            <a:schemeClr val="accent1"/>
-          </a:lnRef>
-          <a:fillRef idx="0">
-            <a:schemeClr val="accent1"/>
-          </a:fillRef>
-          <a:effectRef idx="0">
-            <a:schemeClr val="accent1"/>
-          </a:effectRef>
-          <a:fontRef idx="minor">
-            <a:schemeClr val="tx1"/>
-          </a:fontRef>
-        </p:style>
-      </p:cxnSp>
-      <p:cxnSp>
-        <p:nvCxnSpPr>
-          <p:cNvPr id="33" name="Straight Arrow Connector 32"/>
-          <p:cNvCxnSpPr>
-            <a:stCxn id="24" idx="0"/>
-            <a:endCxn id="27" idx="0"/>
-          </p:cNvCxnSpPr>
-          <p:nvPr/>
-        </p:nvCxnSpPr>
-        <p:spPr>
-          <a:xfrm>
-            <a:off x="1562100" y="304800"/>
-            <a:ext cx="914400" cy="228600"/>
-          </a:xfrm>
-          <a:prstGeom prst="straightConnector1">
-            <a:avLst/>
-          </a:prstGeom>
-          <a:ln w="19050">
-            <a:solidFill>
-              <a:schemeClr val="bg2"/>
-            </a:solidFill>
-            <a:tailEnd type="triangle"/>
-          </a:ln>
-        </p:spPr>
-        <p:style>
-          <a:lnRef idx="1">
-            <a:schemeClr val="accent1"/>
-          </a:lnRef>
-          <a:fillRef idx="0">
-            <a:schemeClr val="accent1"/>
-          </a:fillRef>
-          <a:effectRef idx="0">
-            <a:schemeClr val="accent1"/>
-          </a:effectRef>
-          <a:fontRef idx="minor">
-            <a:schemeClr val="tx1"/>
-          </a:fontRef>
-        </p:style>
-      </p:cxnSp>
-      <p:cxnSp>
-        <p:nvCxnSpPr>
-          <p:cNvPr id="37" name="Straight Arrow Connector 36"/>
-          <p:cNvCxnSpPr>
-            <a:stCxn id="25" idx="2"/>
-            <a:endCxn id="24" idx="2"/>
-          </p:cNvCxnSpPr>
-          <p:nvPr/>
-        </p:nvCxnSpPr>
-        <p:spPr>
-          <a:xfrm>
-            <a:off x="647700" y="838200"/>
-            <a:ext cx="914400" cy="228600"/>
-          </a:xfrm>
-          <a:prstGeom prst="straightConnector1">
-            <a:avLst/>
-          </a:prstGeom>
-          <a:ln w="19050">
-            <a:solidFill>
-              <a:schemeClr val="bg2"/>
-            </a:solidFill>
-            <a:tailEnd type="triangle"/>
-          </a:ln>
-        </p:spPr>
-        <p:style>
-          <a:lnRef idx="1">
-            <a:schemeClr val="accent1"/>
-          </a:lnRef>
-          <a:fillRef idx="0">
-            <a:schemeClr val="accent1"/>
-          </a:fillRef>
-          <a:effectRef idx="0">
-            <a:schemeClr val="accent1"/>
-          </a:effectRef>
-          <a:fontRef idx="minor">
-            <a:schemeClr val="tx1"/>
-          </a:fontRef>
-        </p:style>
-      </p:cxnSp>
-      <p:cxnSp>
-        <p:nvCxnSpPr>
-          <p:cNvPr id="40" name="Straight Arrow Connector 39"/>
-          <p:cNvCxnSpPr>
-            <a:stCxn id="26" idx="2"/>
-            <a:endCxn id="24" idx="2"/>
-          </p:cNvCxnSpPr>
-          <p:nvPr/>
-        </p:nvCxnSpPr>
-        <p:spPr>
-          <a:xfrm>
-            <a:off x="1562100" y="838200"/>
-            <a:ext cx="0" cy="228600"/>
-          </a:xfrm>
-          <a:prstGeom prst="straightConnector1">
-            <a:avLst/>
-          </a:prstGeom>
-          <a:ln w="19050">
-            <a:solidFill>
-              <a:schemeClr val="bg2"/>
-            </a:solidFill>
-            <a:tailEnd type="triangle"/>
-          </a:ln>
-        </p:spPr>
-        <p:style>
-          <a:lnRef idx="1">
-            <a:schemeClr val="accent1"/>
-          </a:lnRef>
-          <a:fillRef idx="0">
-            <a:schemeClr val="accent1"/>
-          </a:fillRef>
-          <a:effectRef idx="0">
-            <a:schemeClr val="accent1"/>
-          </a:effectRef>
-          <a:fontRef idx="minor">
-            <a:schemeClr val="tx1"/>
-          </a:fontRef>
-        </p:style>
-      </p:cxnSp>
-      <p:cxnSp>
-        <p:nvCxnSpPr>
-          <p:cNvPr id="43" name="Straight Arrow Connector 42"/>
-          <p:cNvCxnSpPr>
-            <a:stCxn id="27" idx="2"/>
-            <a:endCxn id="24" idx="2"/>
-          </p:cNvCxnSpPr>
-          <p:nvPr/>
-        </p:nvCxnSpPr>
-        <p:spPr>
-          <a:xfrm flipH="1">
-            <a:off x="1562100" y="838200"/>
-            <a:ext cx="914400" cy="228600"/>
-          </a:xfrm>
-          <a:prstGeom prst="straightConnector1">
-            <a:avLst/>
-          </a:prstGeom>
-          <a:ln w="19050">
-            <a:solidFill>
-              <a:schemeClr val="bg2"/>
-            </a:solidFill>
-            <a:tailEnd type="triangle"/>
-          </a:ln>
-        </p:spPr>
-        <p:style>
-          <a:lnRef idx="1">
-            <a:schemeClr val="accent1"/>
-          </a:lnRef>
-          <a:fillRef idx="0">
-            <a:schemeClr val="accent1"/>
-          </a:fillRef>
-          <a:effectRef idx="0">
-            <a:schemeClr val="accent1"/>
-          </a:effectRef>
-          <a:fontRef idx="minor">
-            <a:schemeClr val="tx1"/>
-          </a:fontRef>
-        </p:style>
-      </p:cxnSp>
-      <p:sp>
-        <p:nvSpPr>
-          <p:cNvPr id="46" name="Rounded Rectangle 45"/>
-          <p:cNvSpPr/>
-          <p:nvPr/>
-        </p:nvSpPr>
-        <p:spPr>
-          <a:xfrm>
-            <a:off x="685800" y="1295400"/>
-            <a:ext cx="1752600" cy="762000"/>
-          </a:xfrm>
-          <a:prstGeom prst="roundRect">
-            <a:avLst/>
-          </a:prstGeom>
-          <a:noFill/>
-        </p:spPr>
-        <p:style>
-          <a:lnRef idx="2">
-            <a:schemeClr val="accent1">
-              <a:shade val="50000"/>
-            </a:schemeClr>
-          </a:lnRef>
-          <a:fillRef idx="1">
-            <a:schemeClr val="accent1"/>
-          </a:fillRef>
-          <a:effectRef idx="0">
-            <a:schemeClr val="accent1"/>
-          </a:effectRef>
-          <a:fontRef idx="minor">
-            <a:schemeClr val="lt1"/>
-          </a:fontRef>
-        </p:style>
-        <p:txBody>
-          <a:bodyPr anchor="ctr"/>
-          <a:lstStyle/>
-          <a:p>
-            <a:pPr algn="ctr">
-              <a:defRPr/>
-            </a:pPr>
-            <a:endParaRPr lang="en-US"/>
-          </a:p>
-        </p:txBody>
-      </p:sp>
-      <p:sp>
-        <p:nvSpPr>
-          <p:cNvPr id="47" name="Rectangle 46"/>
-          <p:cNvSpPr>
-            <a:spLocks noChangeArrowheads="1"/>
-          </p:cNvSpPr>
-          <p:nvPr/>
-        </p:nvSpPr>
-        <p:spPr bwMode="auto">
-          <a:xfrm>
-            <a:off x="762000" y="1524000"/>
-            <a:ext cx="685800" cy="304800"/>
-          </a:xfrm>
-          <a:prstGeom prst="rect">
-            <a:avLst/>
-          </a:prstGeom>
-          <a:solidFill>
-            <a:schemeClr val="bg1">
-              <a:lumMod val="85000"/>
-              <a:alpha val="17000"/>
-            </a:schemeClr>
-          </a:solidFill>
-          <a:ln w="25400" algn="ctr">
-            <a:solidFill>
-              <a:schemeClr val="tx1">
-                <a:lumMod val="50000"/>
-                <a:lumOff val="50000"/>
-              </a:schemeClr>
-            </a:solidFill>
-            <a:miter lim="800000"/>
-            <a:headEnd/>
-            <a:tailEnd/>
-          </a:ln>
-        </p:spPr>
-        <p:txBody>
-          <a:bodyPr bIns="128016" anchor="ctr"/>
-          <a:lstStyle/>
-          <a:p>
-            <a:pPr algn="ctr"/>
-            <a:r>
-              <a:rPr lang="en-US" sz="1600" i="1" dirty="0"/>
-              <a:t>r</a:t>
-            </a:r>
-            <a:r>
-              <a:rPr lang="en-US" sz="1600" baseline="-30000" dirty="0"/>
-              <a:t>5.1</a:t>
-            </a:r>
-          </a:p>
-        </p:txBody>
-      </p:sp>
-      <p:sp>
-        <p:nvSpPr>
-          <p:cNvPr id="48" name="Rectangle 47"/>
-          <p:cNvSpPr>
-            <a:spLocks noChangeArrowheads="1"/>
-          </p:cNvSpPr>
-          <p:nvPr/>
-        </p:nvSpPr>
-        <p:spPr bwMode="auto">
-          <a:xfrm>
-            <a:off x="1676400" y="1524000"/>
-            <a:ext cx="685800" cy="304800"/>
-          </a:xfrm>
-          <a:prstGeom prst="rect">
-            <a:avLst/>
-          </a:prstGeom>
-          <a:solidFill>
-            <a:schemeClr val="bg1">
-              <a:lumMod val="85000"/>
-              <a:alpha val="17000"/>
-            </a:schemeClr>
-          </a:solidFill>
-          <a:ln w="25400" algn="ctr">
-            <a:solidFill>
-              <a:schemeClr val="tx1">
-                <a:lumMod val="50000"/>
-                <a:lumOff val="50000"/>
-              </a:schemeClr>
-            </a:solidFill>
-            <a:miter lim="800000"/>
-            <a:headEnd/>
-            <a:tailEnd/>
-          </a:ln>
-        </p:spPr>
-        <p:txBody>
-          <a:bodyPr bIns="128016" anchor="ctr"/>
-          <a:lstStyle/>
-          <a:p>
-            <a:pPr algn="ctr"/>
-            <a:r>
-              <a:rPr lang="en-US" sz="1600" i="1" dirty="0"/>
-              <a:t>r</a:t>
-            </a:r>
-            <a:r>
-              <a:rPr lang="en-US" sz="1600" baseline="-30000" dirty="0"/>
-              <a:t>5.2</a:t>
-            </a:r>
-          </a:p>
-        </p:txBody>
-      </p:sp>
-      <p:cxnSp>
-        <p:nvCxnSpPr>
-          <p:cNvPr id="49" name="Straight Arrow Connector 48"/>
-          <p:cNvCxnSpPr>
-            <a:stCxn id="46" idx="0"/>
-            <a:endCxn id="47" idx="0"/>
-          </p:cNvCxnSpPr>
-          <p:nvPr/>
-        </p:nvCxnSpPr>
-        <p:spPr>
-          <a:xfrm flipH="1">
-            <a:off x="1104900" y="1295400"/>
-            <a:ext cx="457200" cy="228600"/>
-          </a:xfrm>
-          <a:prstGeom prst="straightConnector1">
-            <a:avLst/>
-          </a:prstGeom>
-          <a:ln w="19050">
-            <a:solidFill>
-              <a:schemeClr val="bg2"/>
-            </a:solidFill>
-            <a:tailEnd type="triangle"/>
-          </a:ln>
-        </p:spPr>
-        <p:style>
-          <a:lnRef idx="1">
-            <a:schemeClr val="accent1"/>
-          </a:lnRef>
-          <a:fillRef idx="0">
-            <a:schemeClr val="accent1"/>
-          </a:fillRef>
-          <a:effectRef idx="0">
-            <a:schemeClr val="accent1"/>
-          </a:effectRef>
-          <a:fontRef idx="minor">
-            <a:schemeClr val="tx1"/>
-          </a:fontRef>
-        </p:style>
-      </p:cxnSp>
-      <p:cxnSp>
-        <p:nvCxnSpPr>
-          <p:cNvPr id="52" name="Straight Arrow Connector 51"/>
-          <p:cNvCxnSpPr>
-            <a:stCxn id="46" idx="0"/>
-            <a:endCxn id="48" idx="0"/>
-          </p:cNvCxnSpPr>
-          <p:nvPr/>
-        </p:nvCxnSpPr>
-        <p:spPr>
-          <a:xfrm>
-            <a:off x="1562100" y="1295400"/>
-            <a:ext cx="457200" cy="228600"/>
-          </a:xfrm>
-          <a:prstGeom prst="straightConnector1">
-            <a:avLst/>
-          </a:prstGeom>
-          <a:ln w="19050">
-            <a:solidFill>
-              <a:schemeClr val="bg2"/>
-            </a:solidFill>
-            <a:tailEnd type="triangle"/>
-          </a:ln>
-        </p:spPr>
-        <p:style>
-          <a:lnRef idx="1">
-            <a:schemeClr val="accent1"/>
-          </a:lnRef>
-          <a:fillRef idx="0">
-            <a:schemeClr val="accent1"/>
-          </a:fillRef>
-          <a:effectRef idx="0">
-            <a:schemeClr val="accent1"/>
-          </a:effectRef>
-          <a:fontRef idx="minor">
-            <a:schemeClr val="tx1"/>
-          </a:fontRef>
-        </p:style>
-      </p:cxnSp>
-      <p:cxnSp>
-        <p:nvCxnSpPr>
-          <p:cNvPr id="55" name="Straight Arrow Connector 54"/>
-          <p:cNvCxnSpPr>
-            <a:endCxn id="46" idx="2"/>
-          </p:cNvCxnSpPr>
-          <p:nvPr/>
-        </p:nvCxnSpPr>
-        <p:spPr>
-          <a:xfrm>
-            <a:off x="1143000" y="1841500"/>
-            <a:ext cx="419100" cy="228600"/>
-          </a:xfrm>
-          <a:prstGeom prst="straightConnector1">
-            <a:avLst/>
-          </a:prstGeom>
-          <a:ln w="19050">
-            <a:solidFill>
-              <a:schemeClr val="bg2"/>
-            </a:solidFill>
-            <a:tailEnd type="triangle"/>
-          </a:ln>
-        </p:spPr>
-        <p:style>
-          <a:lnRef idx="1">
-            <a:schemeClr val="accent1"/>
-          </a:lnRef>
-          <a:fillRef idx="0">
-            <a:schemeClr val="accent1"/>
-          </a:fillRef>
-          <a:effectRef idx="0">
-            <a:schemeClr val="accent1"/>
-          </a:effectRef>
-          <a:fontRef idx="minor">
-            <a:schemeClr val="tx1"/>
-          </a:fontRef>
-        </p:style>
-      </p:cxnSp>
-      <p:cxnSp>
-        <p:nvCxnSpPr>
-          <p:cNvPr id="58" name="Straight Arrow Connector 57"/>
-          <p:cNvCxnSpPr>
-            <a:stCxn id="48" idx="2"/>
-            <a:endCxn id="46" idx="2"/>
-          </p:cNvCxnSpPr>
-          <p:nvPr/>
-        </p:nvCxnSpPr>
-        <p:spPr>
-          <a:xfrm flipH="1">
-            <a:off x="1562100" y="1828800"/>
-            <a:ext cx="457200" cy="228600"/>
-          </a:xfrm>
-          <a:prstGeom prst="straightConnector1">
-            <a:avLst/>
-          </a:prstGeom>
-          <a:ln w="19050">
-            <a:solidFill>
-              <a:schemeClr val="bg2"/>
-            </a:solidFill>
-            <a:tailEnd type="triangle"/>
-          </a:ln>
-        </p:spPr>
-        <p:style>
-          <a:lnRef idx="1">
-            <a:schemeClr val="accent1"/>
-          </a:lnRef>
-          <a:fillRef idx="0">
-            <a:schemeClr val="accent1"/>
-          </a:fillRef>
-          <a:effectRef idx="0">
-            <a:schemeClr val="accent1"/>
-          </a:effectRef>
-          <a:fontRef idx="minor">
-            <a:schemeClr val="tx1"/>
-          </a:fontRef>
-        </p:style>
-      </p:cxnSp>
-      <p:cxnSp>
-        <p:nvCxnSpPr>
-          <p:cNvPr id="61" name="Straight Arrow Connector 60"/>
-          <p:cNvCxnSpPr>
-            <a:stCxn id="24" idx="2"/>
-            <a:endCxn id="46" idx="0"/>
-          </p:cNvCxnSpPr>
-          <p:nvPr/>
-        </p:nvCxnSpPr>
-        <p:spPr>
-          <a:xfrm>
-            <a:off x="1562100" y="1066800"/>
-            <a:ext cx="0" cy="228600"/>
-          </a:xfrm>
-          <a:prstGeom prst="straightConnector1">
-            <a:avLst/>
-          </a:prstGeom>
-          <a:ln w="19050">
-            <a:solidFill>
-              <a:schemeClr val="bg2"/>
-            </a:solidFill>
-            <a:tailEnd type="triangle"/>
-          </a:ln>
-        </p:spPr>
-        <p:style>
-          <a:lnRef idx="1">
-            <a:schemeClr val="accent1"/>
-          </a:lnRef>
-          <a:fillRef idx="0">
-            <a:schemeClr val="accent1"/>
-          </a:fillRef>
-          <a:effectRef idx="0">
-            <a:schemeClr val="accent1"/>
-          </a:effectRef>
-          <a:fontRef idx="minor">
-            <a:schemeClr val="tx1"/>
-          </a:fontRef>
-        </p:style>
-      </p:cxnSp>
-      <p:sp>
-        <p:nvSpPr>
-          <p:cNvPr id="13331" name="Text Box 41"/>
-          <p:cNvSpPr txBox="1">
-            <a:spLocks noChangeArrowheads="1"/>
-          </p:cNvSpPr>
-          <p:nvPr/>
-        </p:nvSpPr>
-        <p:spPr bwMode="auto">
-          <a:xfrm>
-            <a:off x="152400" y="44450"/>
-            <a:ext cx="838200" cy="304800"/>
-          </a:xfrm>
-          <a:prstGeom prst="rect">
-            <a:avLst/>
-          </a:prstGeom>
-          <a:noFill/>
-          <a:ln w="9525">
+        </p:grpSpPr>
+        <p:sp>
+          <p:nvSpPr>
+            <p:cNvPr id="4" name="AutoShape 4"/>
+            <p:cNvSpPr>
+              <a:spLocks noChangeArrowheads="1"/>
+            </p:cNvSpPr>
+            <p:nvPr/>
+          </p:nvSpPr>
+          <p:spPr bwMode="auto">
+            <a:xfrm>
+              <a:off x="152400" y="685800"/>
+              <a:ext cx="838200" cy="457200"/>
+            </a:xfrm>
+            <a:prstGeom prst="roundRect">
+              <a:avLst>
+                <a:gd name="adj" fmla="val 16667"/>
+              </a:avLst>
+            </a:prstGeom>
             <a:noFill/>
-            <a:miter lim="800000"/>
-            <a:headEnd/>
-            <a:tailEnd/>
-          </a:ln>
-        </p:spPr>
-        <p:txBody>
-          <a:bodyPr>
-            <a:spAutoFit/>
-          </a:bodyPr>
-          <a:lstStyle/>
-          <a:p>
-            <a:pPr>
-              <a:spcBef>
-                <a:spcPct val="50000"/>
-              </a:spcBef>
-            </a:pPr>
-            <a:r>
-              <a:rPr lang="en-US" sz="1400">
-                <a:latin typeface="Calibri" pitchFamily="34" charset="0"/>
-              </a:rPr>
-              <a:t>Rule  </a:t>
-            </a:r>
-            <a:r>
-              <a:rPr lang="en-US" sz="1400" i="1">
-                <a:latin typeface="Calibri" pitchFamily="34" charset="0"/>
-              </a:rPr>
-              <a:t>R</a:t>
-            </a:r>
-            <a:r>
-              <a:rPr lang="en-US" baseline="-10000">
-                <a:latin typeface="Calibri" pitchFamily="34" charset="0"/>
-              </a:rPr>
-              <a:t>4</a:t>
-            </a:r>
-            <a:endParaRPr lang="en-US" sz="1400" baseline="-10000">
-              <a:latin typeface="Calibri" pitchFamily="34" charset="0"/>
-            </a:endParaRPr>
-          </a:p>
-        </p:txBody>
-      </p:sp>
-      <p:sp>
-        <p:nvSpPr>
-          <p:cNvPr id="13332" name="Text Box 41"/>
-          <p:cNvSpPr txBox="1">
-            <a:spLocks noChangeArrowheads="1"/>
-          </p:cNvSpPr>
-          <p:nvPr/>
-        </p:nvSpPr>
-        <p:spPr bwMode="auto">
-          <a:xfrm>
-            <a:off x="609600" y="1035050"/>
-            <a:ext cx="838200" cy="304800"/>
-          </a:xfrm>
-          <a:prstGeom prst="rect">
-            <a:avLst/>
-          </a:prstGeom>
-          <a:noFill/>
-          <a:ln w="9525">
+            <a:ln w="9525">
+              <a:solidFill>
+                <a:schemeClr val="tx1"/>
+              </a:solidFill>
+              <a:round/>
+              <a:headEnd/>
+              <a:tailEnd/>
+            </a:ln>
+          </p:spPr>
+          <p:txBody>
+            <a:bodyPr wrap="none" anchor="ctr"/>
+            <a:lstStyle>
+              <a:lvl1pPr>
+                <a:spcBef>
+                  <a:spcPct val="20000"/>
+                </a:spcBef>
+                <a:buChar char="•"/>
+                <a:defRPr sz="3200">
+                  <a:solidFill>
+                    <a:schemeClr val="tx1"/>
+                  </a:solidFill>
+                  <a:latin typeface="Arial" panose="020B0604020202020204" pitchFamily="34" charset="0"/>
+                  <a:cs typeface="Arial" panose="020B0604020202020204" pitchFamily="34" charset="0"/>
+                </a:defRPr>
+              </a:lvl1pPr>
+              <a:lvl2pPr marL="742950" indent="-285750">
+                <a:spcBef>
+                  <a:spcPct val="20000"/>
+                </a:spcBef>
+                <a:buChar char="–"/>
+                <a:defRPr sz="2800">
+                  <a:solidFill>
+                    <a:schemeClr val="tx1"/>
+                  </a:solidFill>
+                  <a:latin typeface="Arial" panose="020B0604020202020204" pitchFamily="34" charset="0"/>
+                  <a:cs typeface="Arial" panose="020B0604020202020204" pitchFamily="34" charset="0"/>
+                </a:defRPr>
+              </a:lvl2pPr>
+              <a:lvl3pPr marL="1143000" indent="-228600">
+                <a:spcBef>
+                  <a:spcPct val="20000"/>
+                </a:spcBef>
+                <a:buChar char="•"/>
+                <a:defRPr sz="2400">
+                  <a:solidFill>
+                    <a:schemeClr val="tx1"/>
+                  </a:solidFill>
+                  <a:latin typeface="Arial" panose="020B0604020202020204" pitchFamily="34" charset="0"/>
+                  <a:cs typeface="Arial" panose="020B0604020202020204" pitchFamily="34" charset="0"/>
+                </a:defRPr>
+              </a:lvl3pPr>
+              <a:lvl4pPr marL="1600200" indent="-228600">
+                <a:spcBef>
+                  <a:spcPct val="20000"/>
+                </a:spcBef>
+                <a:buChar char="–"/>
+                <a:defRPr sz="2000">
+                  <a:solidFill>
+                    <a:schemeClr val="tx1"/>
+                  </a:solidFill>
+                  <a:latin typeface="Arial" panose="020B0604020202020204" pitchFamily="34" charset="0"/>
+                  <a:cs typeface="Arial" panose="020B0604020202020204" pitchFamily="34" charset="0"/>
+                </a:defRPr>
+              </a:lvl4pPr>
+              <a:lvl5pPr marL="2057400" indent="-228600">
+                <a:spcBef>
+                  <a:spcPct val="20000"/>
+                </a:spcBef>
+                <a:buChar char="»"/>
+                <a:defRPr sz="2000">
+                  <a:solidFill>
+                    <a:schemeClr val="tx1"/>
+                  </a:solidFill>
+                  <a:latin typeface="Arial" panose="020B0604020202020204" pitchFamily="34" charset="0"/>
+                  <a:cs typeface="Arial" panose="020B0604020202020204" pitchFamily="34" charset="0"/>
+                </a:defRPr>
+              </a:lvl5pPr>
+              <a:lvl6pPr marL="2514600" indent="-228600" eaLnBrk="0" fontAlgn="base" hangingPunct="0">
+                <a:spcBef>
+                  <a:spcPct val="20000"/>
+                </a:spcBef>
+                <a:spcAft>
+                  <a:spcPct val="0"/>
+                </a:spcAft>
+                <a:buChar char="»"/>
+                <a:defRPr sz="2000">
+                  <a:solidFill>
+                    <a:schemeClr val="tx1"/>
+                  </a:solidFill>
+                  <a:latin typeface="Arial" panose="020B0604020202020204" pitchFamily="34" charset="0"/>
+                  <a:cs typeface="Arial" panose="020B0604020202020204" pitchFamily="34" charset="0"/>
+                </a:defRPr>
+              </a:lvl6pPr>
+              <a:lvl7pPr marL="2971800" indent="-228600" eaLnBrk="0" fontAlgn="base" hangingPunct="0">
+                <a:spcBef>
+                  <a:spcPct val="20000"/>
+                </a:spcBef>
+                <a:spcAft>
+                  <a:spcPct val="0"/>
+                </a:spcAft>
+                <a:buChar char="»"/>
+                <a:defRPr sz="2000">
+                  <a:solidFill>
+                    <a:schemeClr val="tx1"/>
+                  </a:solidFill>
+                  <a:latin typeface="Arial" panose="020B0604020202020204" pitchFamily="34" charset="0"/>
+                  <a:cs typeface="Arial" panose="020B0604020202020204" pitchFamily="34" charset="0"/>
+                </a:defRPr>
+              </a:lvl7pPr>
+              <a:lvl8pPr marL="3429000" indent="-228600" eaLnBrk="0" fontAlgn="base" hangingPunct="0">
+                <a:spcBef>
+                  <a:spcPct val="20000"/>
+                </a:spcBef>
+                <a:spcAft>
+                  <a:spcPct val="0"/>
+                </a:spcAft>
+                <a:buChar char="»"/>
+                <a:defRPr sz="2000">
+                  <a:solidFill>
+                    <a:schemeClr val="tx1"/>
+                  </a:solidFill>
+                  <a:latin typeface="Arial" panose="020B0604020202020204" pitchFamily="34" charset="0"/>
+                  <a:cs typeface="Arial" panose="020B0604020202020204" pitchFamily="34" charset="0"/>
+                </a:defRPr>
+              </a:lvl8pPr>
+              <a:lvl9pPr marL="3886200" indent="-228600" eaLnBrk="0" fontAlgn="base" hangingPunct="0">
+                <a:spcBef>
+                  <a:spcPct val="20000"/>
+                </a:spcBef>
+                <a:spcAft>
+                  <a:spcPct val="0"/>
+                </a:spcAft>
+                <a:buChar char="»"/>
+                <a:defRPr sz="2000">
+                  <a:solidFill>
+                    <a:schemeClr val="tx1"/>
+                  </a:solidFill>
+                  <a:latin typeface="Arial" panose="020B0604020202020204" pitchFamily="34" charset="0"/>
+                  <a:cs typeface="Arial" panose="020B0604020202020204" pitchFamily="34" charset="0"/>
+                </a:defRPr>
+              </a:lvl9pPr>
+            </a:lstStyle>
+            <a:p>
+              <a:pPr algn="ctr" eaLnBrk="1" hangingPunct="1">
+                <a:spcBef>
+                  <a:spcPct val="0"/>
+                </a:spcBef>
+                <a:buFontTx/>
+                <a:buNone/>
+              </a:pPr>
+              <a:r>
+                <a:rPr lang="en-US" altLang="en-US" sz="1200" dirty="0">
+                  <a:latin typeface="Calibri" panose="020F0502020204030204" pitchFamily="34" charset="0"/>
+                </a:rPr>
+                <a:t>Create</a:t>
+              </a:r>
+            </a:p>
+            <a:p>
+              <a:pPr algn="ctr" eaLnBrk="1" hangingPunct="1">
+                <a:spcBef>
+                  <a:spcPct val="0"/>
+                </a:spcBef>
+                <a:buFontTx/>
+                <a:buNone/>
+              </a:pPr>
+              <a:r>
+                <a:rPr lang="en-US" altLang="en-US" sz="1200" dirty="0">
+                  <a:latin typeface="Calibri" panose="020F0502020204030204" pitchFamily="34" charset="0"/>
+                </a:rPr>
+                <a:t>Customer</a:t>
+              </a:r>
+            </a:p>
+          </p:txBody>
+        </p:sp>
+        <p:sp>
+          <p:nvSpPr>
+            <p:cNvPr id="5" name="AutoShape 5"/>
+            <p:cNvSpPr>
+              <a:spLocks noChangeArrowheads="1"/>
+            </p:cNvSpPr>
+            <p:nvPr/>
+          </p:nvSpPr>
+          <p:spPr bwMode="auto">
+            <a:xfrm>
+              <a:off x="1066800" y="838200"/>
+              <a:ext cx="304800" cy="152400"/>
+            </a:xfrm>
+            <a:prstGeom prst="rightArrow">
+              <a:avLst>
+                <a:gd name="adj1" fmla="val 50000"/>
+                <a:gd name="adj2" fmla="val 50000"/>
+              </a:avLst>
+            </a:prstGeom>
             <a:noFill/>
-            <a:miter lim="800000"/>
-            <a:headEnd/>
-            <a:tailEnd/>
-          </a:ln>
-        </p:spPr>
-        <p:txBody>
-          <a:bodyPr>
-            <a:spAutoFit/>
-          </a:bodyPr>
-          <a:lstStyle/>
-          <a:p>
-            <a:pPr>
-              <a:spcBef>
-                <a:spcPct val="50000"/>
-              </a:spcBef>
-            </a:pPr>
-            <a:r>
-              <a:rPr lang="en-US" sz="1400">
-                <a:latin typeface="Calibri" pitchFamily="34" charset="0"/>
-              </a:rPr>
-              <a:t>Rule  </a:t>
-            </a:r>
-            <a:r>
-              <a:rPr lang="en-US" sz="1400" i="1">
-                <a:latin typeface="Calibri" pitchFamily="34" charset="0"/>
-              </a:rPr>
-              <a:t>R</a:t>
-            </a:r>
-            <a:r>
-              <a:rPr lang="en-US" baseline="-10000">
-                <a:latin typeface="Calibri" pitchFamily="34" charset="0"/>
-              </a:rPr>
-              <a:t>5</a:t>
-            </a:r>
-            <a:endParaRPr lang="en-US" sz="1400" baseline="-10000">
-              <a:latin typeface="Calibri" pitchFamily="34" charset="0"/>
-            </a:endParaRPr>
-          </a:p>
-        </p:txBody>
-      </p:sp>
+            <a:ln w="9525">
+              <a:solidFill>
+                <a:schemeClr val="tx1"/>
+              </a:solidFill>
+              <a:miter lim="800000"/>
+              <a:headEnd/>
+              <a:tailEnd/>
+            </a:ln>
+          </p:spPr>
+          <p:txBody>
+            <a:bodyPr wrap="none" anchor="ctr"/>
+            <a:lstStyle>
+              <a:lvl1pPr>
+                <a:spcBef>
+                  <a:spcPct val="20000"/>
+                </a:spcBef>
+                <a:buChar char="•"/>
+                <a:defRPr sz="3200">
+                  <a:solidFill>
+                    <a:schemeClr val="tx1"/>
+                  </a:solidFill>
+                  <a:latin typeface="Arial" panose="020B0604020202020204" pitchFamily="34" charset="0"/>
+                  <a:cs typeface="Arial" panose="020B0604020202020204" pitchFamily="34" charset="0"/>
+                </a:defRPr>
+              </a:lvl1pPr>
+              <a:lvl2pPr marL="742950" indent="-285750">
+                <a:spcBef>
+                  <a:spcPct val="20000"/>
+                </a:spcBef>
+                <a:buChar char="–"/>
+                <a:defRPr sz="2800">
+                  <a:solidFill>
+                    <a:schemeClr val="tx1"/>
+                  </a:solidFill>
+                  <a:latin typeface="Arial" panose="020B0604020202020204" pitchFamily="34" charset="0"/>
+                  <a:cs typeface="Arial" panose="020B0604020202020204" pitchFamily="34" charset="0"/>
+                </a:defRPr>
+              </a:lvl2pPr>
+              <a:lvl3pPr marL="1143000" indent="-228600">
+                <a:spcBef>
+                  <a:spcPct val="20000"/>
+                </a:spcBef>
+                <a:buChar char="•"/>
+                <a:defRPr sz="2400">
+                  <a:solidFill>
+                    <a:schemeClr val="tx1"/>
+                  </a:solidFill>
+                  <a:latin typeface="Arial" panose="020B0604020202020204" pitchFamily="34" charset="0"/>
+                  <a:cs typeface="Arial" panose="020B0604020202020204" pitchFamily="34" charset="0"/>
+                </a:defRPr>
+              </a:lvl3pPr>
+              <a:lvl4pPr marL="1600200" indent="-228600">
+                <a:spcBef>
+                  <a:spcPct val="20000"/>
+                </a:spcBef>
+                <a:buChar char="–"/>
+                <a:defRPr sz="2000">
+                  <a:solidFill>
+                    <a:schemeClr val="tx1"/>
+                  </a:solidFill>
+                  <a:latin typeface="Arial" panose="020B0604020202020204" pitchFamily="34" charset="0"/>
+                  <a:cs typeface="Arial" panose="020B0604020202020204" pitchFamily="34" charset="0"/>
+                </a:defRPr>
+              </a:lvl4pPr>
+              <a:lvl5pPr marL="2057400" indent="-228600">
+                <a:spcBef>
+                  <a:spcPct val="20000"/>
+                </a:spcBef>
+                <a:buChar char="»"/>
+                <a:defRPr sz="2000">
+                  <a:solidFill>
+                    <a:schemeClr val="tx1"/>
+                  </a:solidFill>
+                  <a:latin typeface="Arial" panose="020B0604020202020204" pitchFamily="34" charset="0"/>
+                  <a:cs typeface="Arial" panose="020B0604020202020204" pitchFamily="34" charset="0"/>
+                </a:defRPr>
+              </a:lvl5pPr>
+              <a:lvl6pPr marL="2514600" indent="-228600" eaLnBrk="0" fontAlgn="base" hangingPunct="0">
+                <a:spcBef>
+                  <a:spcPct val="20000"/>
+                </a:spcBef>
+                <a:spcAft>
+                  <a:spcPct val="0"/>
+                </a:spcAft>
+                <a:buChar char="»"/>
+                <a:defRPr sz="2000">
+                  <a:solidFill>
+                    <a:schemeClr val="tx1"/>
+                  </a:solidFill>
+                  <a:latin typeface="Arial" panose="020B0604020202020204" pitchFamily="34" charset="0"/>
+                  <a:cs typeface="Arial" panose="020B0604020202020204" pitchFamily="34" charset="0"/>
+                </a:defRPr>
+              </a:lvl6pPr>
+              <a:lvl7pPr marL="2971800" indent="-228600" eaLnBrk="0" fontAlgn="base" hangingPunct="0">
+                <a:spcBef>
+                  <a:spcPct val="20000"/>
+                </a:spcBef>
+                <a:spcAft>
+                  <a:spcPct val="0"/>
+                </a:spcAft>
+                <a:buChar char="»"/>
+                <a:defRPr sz="2000">
+                  <a:solidFill>
+                    <a:schemeClr val="tx1"/>
+                  </a:solidFill>
+                  <a:latin typeface="Arial" panose="020B0604020202020204" pitchFamily="34" charset="0"/>
+                  <a:cs typeface="Arial" panose="020B0604020202020204" pitchFamily="34" charset="0"/>
+                </a:defRPr>
+              </a:lvl7pPr>
+              <a:lvl8pPr marL="3429000" indent="-228600" eaLnBrk="0" fontAlgn="base" hangingPunct="0">
+                <a:spcBef>
+                  <a:spcPct val="20000"/>
+                </a:spcBef>
+                <a:spcAft>
+                  <a:spcPct val="0"/>
+                </a:spcAft>
+                <a:buChar char="»"/>
+                <a:defRPr sz="2000">
+                  <a:solidFill>
+                    <a:schemeClr val="tx1"/>
+                  </a:solidFill>
+                  <a:latin typeface="Arial" panose="020B0604020202020204" pitchFamily="34" charset="0"/>
+                  <a:cs typeface="Arial" panose="020B0604020202020204" pitchFamily="34" charset="0"/>
+                </a:defRPr>
+              </a:lvl8pPr>
+              <a:lvl9pPr marL="3886200" indent="-228600" eaLnBrk="0" fontAlgn="base" hangingPunct="0">
+                <a:spcBef>
+                  <a:spcPct val="20000"/>
+                </a:spcBef>
+                <a:spcAft>
+                  <a:spcPct val="0"/>
+                </a:spcAft>
+                <a:buChar char="»"/>
+                <a:defRPr sz="2000">
+                  <a:solidFill>
+                    <a:schemeClr val="tx1"/>
+                  </a:solidFill>
+                  <a:latin typeface="Arial" panose="020B0604020202020204" pitchFamily="34" charset="0"/>
+                  <a:cs typeface="Arial" panose="020B0604020202020204" pitchFamily="34" charset="0"/>
+                </a:defRPr>
+              </a:lvl9pPr>
+            </a:lstStyle>
+            <a:p>
+              <a:pPr eaLnBrk="1" hangingPunct="1">
+                <a:spcBef>
+                  <a:spcPct val="0"/>
+                </a:spcBef>
+                <a:buFontTx/>
+                <a:buNone/>
+              </a:pPr>
+              <a:endParaRPr lang="en-US" altLang="en-US" sz="1800"/>
+            </a:p>
+          </p:txBody>
+        </p:sp>
+        <p:sp>
+          <p:nvSpPr>
+            <p:cNvPr id="6" name="AutoShape 20"/>
+            <p:cNvSpPr>
+              <a:spLocks noChangeArrowheads="1"/>
+            </p:cNvSpPr>
+            <p:nvPr/>
+          </p:nvSpPr>
+          <p:spPr bwMode="auto">
+            <a:xfrm>
+              <a:off x="1090613" y="76200"/>
+              <a:ext cx="914400" cy="457200"/>
+            </a:xfrm>
+            <a:prstGeom prst="roundRect">
+              <a:avLst>
+                <a:gd name="adj" fmla="val 16667"/>
+              </a:avLst>
+            </a:prstGeom>
+            <a:noFill/>
+            <a:ln w="9525">
+              <a:solidFill>
+                <a:schemeClr val="tx1"/>
+              </a:solidFill>
+              <a:round/>
+              <a:headEnd/>
+              <a:tailEnd/>
+            </a:ln>
+          </p:spPr>
+          <p:txBody>
+            <a:bodyPr wrap="none" anchor="ctr"/>
+            <a:lstStyle>
+              <a:lvl1pPr>
+                <a:spcBef>
+                  <a:spcPct val="20000"/>
+                </a:spcBef>
+                <a:buChar char="•"/>
+                <a:defRPr sz="3200">
+                  <a:solidFill>
+                    <a:schemeClr val="tx1"/>
+                  </a:solidFill>
+                  <a:latin typeface="Arial" panose="020B0604020202020204" pitchFamily="34" charset="0"/>
+                  <a:cs typeface="Arial" panose="020B0604020202020204" pitchFamily="34" charset="0"/>
+                </a:defRPr>
+              </a:lvl1pPr>
+              <a:lvl2pPr marL="742950" indent="-285750">
+                <a:spcBef>
+                  <a:spcPct val="20000"/>
+                </a:spcBef>
+                <a:buChar char="–"/>
+                <a:defRPr sz="2800">
+                  <a:solidFill>
+                    <a:schemeClr val="tx1"/>
+                  </a:solidFill>
+                  <a:latin typeface="Arial" panose="020B0604020202020204" pitchFamily="34" charset="0"/>
+                  <a:cs typeface="Arial" panose="020B0604020202020204" pitchFamily="34" charset="0"/>
+                </a:defRPr>
+              </a:lvl2pPr>
+              <a:lvl3pPr marL="1143000" indent="-228600">
+                <a:spcBef>
+                  <a:spcPct val="20000"/>
+                </a:spcBef>
+                <a:buChar char="•"/>
+                <a:defRPr sz="2400">
+                  <a:solidFill>
+                    <a:schemeClr val="tx1"/>
+                  </a:solidFill>
+                  <a:latin typeface="Arial" panose="020B0604020202020204" pitchFamily="34" charset="0"/>
+                  <a:cs typeface="Arial" panose="020B0604020202020204" pitchFamily="34" charset="0"/>
+                </a:defRPr>
+              </a:lvl3pPr>
+              <a:lvl4pPr marL="1600200" indent="-228600">
+                <a:spcBef>
+                  <a:spcPct val="20000"/>
+                </a:spcBef>
+                <a:buChar char="–"/>
+                <a:defRPr sz="2000">
+                  <a:solidFill>
+                    <a:schemeClr val="tx1"/>
+                  </a:solidFill>
+                  <a:latin typeface="Arial" panose="020B0604020202020204" pitchFamily="34" charset="0"/>
+                  <a:cs typeface="Arial" panose="020B0604020202020204" pitchFamily="34" charset="0"/>
+                </a:defRPr>
+              </a:lvl4pPr>
+              <a:lvl5pPr marL="2057400" indent="-228600">
+                <a:spcBef>
+                  <a:spcPct val="20000"/>
+                </a:spcBef>
+                <a:buChar char="»"/>
+                <a:defRPr sz="2000">
+                  <a:solidFill>
+                    <a:schemeClr val="tx1"/>
+                  </a:solidFill>
+                  <a:latin typeface="Arial" panose="020B0604020202020204" pitchFamily="34" charset="0"/>
+                  <a:cs typeface="Arial" panose="020B0604020202020204" pitchFamily="34" charset="0"/>
+                </a:defRPr>
+              </a:lvl5pPr>
+              <a:lvl6pPr marL="2514600" indent="-228600" eaLnBrk="0" fontAlgn="base" hangingPunct="0">
+                <a:spcBef>
+                  <a:spcPct val="20000"/>
+                </a:spcBef>
+                <a:spcAft>
+                  <a:spcPct val="0"/>
+                </a:spcAft>
+                <a:buChar char="»"/>
+                <a:defRPr sz="2000">
+                  <a:solidFill>
+                    <a:schemeClr val="tx1"/>
+                  </a:solidFill>
+                  <a:latin typeface="Arial" panose="020B0604020202020204" pitchFamily="34" charset="0"/>
+                  <a:cs typeface="Arial" panose="020B0604020202020204" pitchFamily="34" charset="0"/>
+                </a:defRPr>
+              </a:lvl6pPr>
+              <a:lvl7pPr marL="2971800" indent="-228600" eaLnBrk="0" fontAlgn="base" hangingPunct="0">
+                <a:spcBef>
+                  <a:spcPct val="20000"/>
+                </a:spcBef>
+                <a:spcAft>
+                  <a:spcPct val="0"/>
+                </a:spcAft>
+                <a:buChar char="»"/>
+                <a:defRPr sz="2000">
+                  <a:solidFill>
+                    <a:schemeClr val="tx1"/>
+                  </a:solidFill>
+                  <a:latin typeface="Arial" panose="020B0604020202020204" pitchFamily="34" charset="0"/>
+                  <a:cs typeface="Arial" panose="020B0604020202020204" pitchFamily="34" charset="0"/>
+                </a:defRPr>
+              </a:lvl7pPr>
+              <a:lvl8pPr marL="3429000" indent="-228600" eaLnBrk="0" fontAlgn="base" hangingPunct="0">
+                <a:spcBef>
+                  <a:spcPct val="20000"/>
+                </a:spcBef>
+                <a:spcAft>
+                  <a:spcPct val="0"/>
+                </a:spcAft>
+                <a:buChar char="»"/>
+                <a:defRPr sz="2000">
+                  <a:solidFill>
+                    <a:schemeClr val="tx1"/>
+                  </a:solidFill>
+                  <a:latin typeface="Arial" panose="020B0604020202020204" pitchFamily="34" charset="0"/>
+                  <a:cs typeface="Arial" panose="020B0604020202020204" pitchFamily="34" charset="0"/>
+                </a:defRPr>
+              </a:lvl8pPr>
+              <a:lvl9pPr marL="3886200" indent="-228600" eaLnBrk="0" fontAlgn="base" hangingPunct="0">
+                <a:spcBef>
+                  <a:spcPct val="20000"/>
+                </a:spcBef>
+                <a:spcAft>
+                  <a:spcPct val="0"/>
+                </a:spcAft>
+                <a:buChar char="»"/>
+                <a:defRPr sz="2000">
+                  <a:solidFill>
+                    <a:schemeClr val="tx1"/>
+                  </a:solidFill>
+                  <a:latin typeface="Arial" panose="020B0604020202020204" pitchFamily="34" charset="0"/>
+                  <a:cs typeface="Arial" panose="020B0604020202020204" pitchFamily="34" charset="0"/>
+                </a:defRPr>
+              </a:lvl9pPr>
+            </a:lstStyle>
+            <a:p>
+              <a:pPr algn="ctr" eaLnBrk="1" hangingPunct="1">
+                <a:spcBef>
+                  <a:spcPct val="0"/>
+                </a:spcBef>
+                <a:buFontTx/>
+                <a:buNone/>
+              </a:pPr>
+              <a:r>
+                <a:rPr lang="en-US" altLang="en-US" sz="1200">
+                  <a:latin typeface="Calibri" panose="020F0502020204030204" pitchFamily="34" charset="0"/>
+                </a:rPr>
+                <a:t>Add Credit</a:t>
+              </a:r>
+            </a:p>
+            <a:p>
+              <a:pPr algn="ctr" eaLnBrk="1" hangingPunct="1">
+                <a:spcBef>
+                  <a:spcPct val="0"/>
+                </a:spcBef>
+                <a:buFontTx/>
+                <a:buNone/>
+              </a:pPr>
+              <a:r>
+                <a:rPr lang="en-US" altLang="en-US" sz="1200">
+                  <a:latin typeface="Calibri" panose="020F0502020204030204" pitchFamily="34" charset="0"/>
+                </a:rPr>
+                <a:t>Limit</a:t>
+              </a:r>
+            </a:p>
+          </p:txBody>
+        </p:sp>
+        <p:sp>
+          <p:nvSpPr>
+            <p:cNvPr id="7" name="AutoShape 23"/>
+            <p:cNvSpPr>
+              <a:spLocks noChangeArrowheads="1"/>
+            </p:cNvSpPr>
+            <p:nvPr/>
+          </p:nvSpPr>
+          <p:spPr bwMode="auto">
+            <a:xfrm>
+              <a:off x="2667000" y="685800"/>
+              <a:ext cx="685800" cy="457200"/>
+            </a:xfrm>
+            <a:prstGeom prst="roundRect">
+              <a:avLst>
+                <a:gd name="adj" fmla="val 16667"/>
+              </a:avLst>
+            </a:prstGeom>
+            <a:noFill/>
+            <a:ln w="9525">
+              <a:solidFill>
+                <a:schemeClr val="tx1"/>
+              </a:solidFill>
+              <a:round/>
+              <a:headEnd/>
+              <a:tailEnd/>
+            </a:ln>
+          </p:spPr>
+          <p:txBody>
+            <a:bodyPr wrap="none" anchor="ctr"/>
+            <a:lstStyle>
+              <a:lvl1pPr>
+                <a:spcBef>
+                  <a:spcPct val="20000"/>
+                </a:spcBef>
+                <a:buChar char="•"/>
+                <a:defRPr sz="3200">
+                  <a:solidFill>
+                    <a:schemeClr val="tx1"/>
+                  </a:solidFill>
+                  <a:latin typeface="Arial" panose="020B0604020202020204" pitchFamily="34" charset="0"/>
+                  <a:cs typeface="Arial" panose="020B0604020202020204" pitchFamily="34" charset="0"/>
+                </a:defRPr>
+              </a:lvl1pPr>
+              <a:lvl2pPr marL="742950" indent="-285750">
+                <a:spcBef>
+                  <a:spcPct val="20000"/>
+                </a:spcBef>
+                <a:buChar char="–"/>
+                <a:defRPr sz="2800">
+                  <a:solidFill>
+                    <a:schemeClr val="tx1"/>
+                  </a:solidFill>
+                  <a:latin typeface="Arial" panose="020B0604020202020204" pitchFamily="34" charset="0"/>
+                  <a:cs typeface="Arial" panose="020B0604020202020204" pitchFamily="34" charset="0"/>
+                </a:defRPr>
+              </a:lvl2pPr>
+              <a:lvl3pPr marL="1143000" indent="-228600">
+                <a:spcBef>
+                  <a:spcPct val="20000"/>
+                </a:spcBef>
+                <a:buChar char="•"/>
+                <a:defRPr sz="2400">
+                  <a:solidFill>
+                    <a:schemeClr val="tx1"/>
+                  </a:solidFill>
+                  <a:latin typeface="Arial" panose="020B0604020202020204" pitchFamily="34" charset="0"/>
+                  <a:cs typeface="Arial" panose="020B0604020202020204" pitchFamily="34" charset="0"/>
+                </a:defRPr>
+              </a:lvl3pPr>
+              <a:lvl4pPr marL="1600200" indent="-228600">
+                <a:spcBef>
+                  <a:spcPct val="20000"/>
+                </a:spcBef>
+                <a:buChar char="–"/>
+                <a:defRPr sz="2000">
+                  <a:solidFill>
+                    <a:schemeClr val="tx1"/>
+                  </a:solidFill>
+                  <a:latin typeface="Arial" panose="020B0604020202020204" pitchFamily="34" charset="0"/>
+                  <a:cs typeface="Arial" panose="020B0604020202020204" pitchFamily="34" charset="0"/>
+                </a:defRPr>
+              </a:lvl4pPr>
+              <a:lvl5pPr marL="2057400" indent="-228600">
+                <a:spcBef>
+                  <a:spcPct val="20000"/>
+                </a:spcBef>
+                <a:buChar char="»"/>
+                <a:defRPr sz="2000">
+                  <a:solidFill>
+                    <a:schemeClr val="tx1"/>
+                  </a:solidFill>
+                  <a:latin typeface="Arial" panose="020B0604020202020204" pitchFamily="34" charset="0"/>
+                  <a:cs typeface="Arial" panose="020B0604020202020204" pitchFamily="34" charset="0"/>
+                </a:defRPr>
+              </a:lvl5pPr>
+              <a:lvl6pPr marL="2514600" indent="-228600" eaLnBrk="0" fontAlgn="base" hangingPunct="0">
+                <a:spcBef>
+                  <a:spcPct val="20000"/>
+                </a:spcBef>
+                <a:spcAft>
+                  <a:spcPct val="0"/>
+                </a:spcAft>
+                <a:buChar char="»"/>
+                <a:defRPr sz="2000">
+                  <a:solidFill>
+                    <a:schemeClr val="tx1"/>
+                  </a:solidFill>
+                  <a:latin typeface="Arial" panose="020B0604020202020204" pitchFamily="34" charset="0"/>
+                  <a:cs typeface="Arial" panose="020B0604020202020204" pitchFamily="34" charset="0"/>
+                </a:defRPr>
+              </a:lvl6pPr>
+              <a:lvl7pPr marL="2971800" indent="-228600" eaLnBrk="0" fontAlgn="base" hangingPunct="0">
+                <a:spcBef>
+                  <a:spcPct val="20000"/>
+                </a:spcBef>
+                <a:spcAft>
+                  <a:spcPct val="0"/>
+                </a:spcAft>
+                <a:buChar char="»"/>
+                <a:defRPr sz="2000">
+                  <a:solidFill>
+                    <a:schemeClr val="tx1"/>
+                  </a:solidFill>
+                  <a:latin typeface="Arial" panose="020B0604020202020204" pitchFamily="34" charset="0"/>
+                  <a:cs typeface="Arial" panose="020B0604020202020204" pitchFamily="34" charset="0"/>
+                </a:defRPr>
+              </a:lvl7pPr>
+              <a:lvl8pPr marL="3429000" indent="-228600" eaLnBrk="0" fontAlgn="base" hangingPunct="0">
+                <a:spcBef>
+                  <a:spcPct val="20000"/>
+                </a:spcBef>
+                <a:spcAft>
+                  <a:spcPct val="0"/>
+                </a:spcAft>
+                <a:buChar char="»"/>
+                <a:defRPr sz="2000">
+                  <a:solidFill>
+                    <a:schemeClr val="tx1"/>
+                  </a:solidFill>
+                  <a:latin typeface="Arial" panose="020B0604020202020204" pitchFamily="34" charset="0"/>
+                  <a:cs typeface="Arial" panose="020B0604020202020204" pitchFamily="34" charset="0"/>
+                </a:defRPr>
+              </a:lvl8pPr>
+              <a:lvl9pPr marL="3886200" indent="-228600" eaLnBrk="0" fontAlgn="base" hangingPunct="0">
+                <a:spcBef>
+                  <a:spcPct val="20000"/>
+                </a:spcBef>
+                <a:spcAft>
+                  <a:spcPct val="0"/>
+                </a:spcAft>
+                <a:buChar char="»"/>
+                <a:defRPr sz="2000">
+                  <a:solidFill>
+                    <a:schemeClr val="tx1"/>
+                  </a:solidFill>
+                  <a:latin typeface="Arial" panose="020B0604020202020204" pitchFamily="34" charset="0"/>
+                  <a:cs typeface="Arial" panose="020B0604020202020204" pitchFamily="34" charset="0"/>
+                </a:defRPr>
+              </a:lvl9pPr>
+            </a:lstStyle>
+            <a:p>
+              <a:pPr algn="ctr" eaLnBrk="1" hangingPunct="1">
+                <a:spcBef>
+                  <a:spcPct val="0"/>
+                </a:spcBef>
+                <a:buFontTx/>
+                <a:buNone/>
+              </a:pPr>
+              <a:r>
+                <a:rPr lang="en-US" altLang="en-US" sz="1200">
+                  <a:latin typeface="Calibri" panose="020F0502020204030204" pitchFamily="34" charset="0"/>
+                </a:rPr>
+                <a:t>Create</a:t>
+              </a:r>
+            </a:p>
+            <a:p>
+              <a:pPr algn="ctr" eaLnBrk="1" hangingPunct="1">
+                <a:spcBef>
+                  <a:spcPct val="0"/>
+                </a:spcBef>
+                <a:buFontTx/>
+                <a:buNone/>
+              </a:pPr>
+              <a:r>
+                <a:rPr lang="en-US" altLang="en-US" sz="1200">
+                  <a:latin typeface="Calibri" panose="020F0502020204030204" pitchFamily="34" charset="0"/>
+                </a:rPr>
+                <a:t>Order</a:t>
+              </a:r>
+            </a:p>
+          </p:txBody>
+        </p:sp>
+        <p:sp>
+          <p:nvSpPr>
+            <p:cNvPr id="8" name="AutoShape 25"/>
+            <p:cNvSpPr>
+              <a:spLocks noChangeArrowheads="1"/>
+            </p:cNvSpPr>
+            <p:nvPr/>
+          </p:nvSpPr>
+          <p:spPr bwMode="auto">
+            <a:xfrm>
+              <a:off x="3810000" y="762000"/>
+              <a:ext cx="914400" cy="304800"/>
+            </a:xfrm>
+            <a:prstGeom prst="flowChartDocument">
+              <a:avLst/>
+            </a:prstGeom>
+            <a:noFill/>
+            <a:ln w="9525">
+              <a:solidFill>
+                <a:schemeClr val="tx1"/>
+              </a:solidFill>
+              <a:miter lim="800000"/>
+              <a:headEnd/>
+              <a:tailEnd/>
+            </a:ln>
+          </p:spPr>
+          <p:txBody>
+            <a:bodyPr wrap="none" anchor="ctr"/>
+            <a:lstStyle>
+              <a:lvl1pPr>
+                <a:spcBef>
+                  <a:spcPct val="20000"/>
+                </a:spcBef>
+                <a:buChar char="•"/>
+                <a:defRPr sz="3200">
+                  <a:solidFill>
+                    <a:schemeClr val="tx1"/>
+                  </a:solidFill>
+                  <a:latin typeface="Arial" panose="020B0604020202020204" pitchFamily="34" charset="0"/>
+                  <a:cs typeface="Arial" panose="020B0604020202020204" pitchFamily="34" charset="0"/>
+                </a:defRPr>
+              </a:lvl1pPr>
+              <a:lvl2pPr marL="742950" indent="-285750">
+                <a:spcBef>
+                  <a:spcPct val="20000"/>
+                </a:spcBef>
+                <a:buChar char="–"/>
+                <a:defRPr sz="2800">
+                  <a:solidFill>
+                    <a:schemeClr val="tx1"/>
+                  </a:solidFill>
+                  <a:latin typeface="Arial" panose="020B0604020202020204" pitchFamily="34" charset="0"/>
+                  <a:cs typeface="Arial" panose="020B0604020202020204" pitchFamily="34" charset="0"/>
+                </a:defRPr>
+              </a:lvl2pPr>
+              <a:lvl3pPr marL="1143000" indent="-228600">
+                <a:spcBef>
+                  <a:spcPct val="20000"/>
+                </a:spcBef>
+                <a:buChar char="•"/>
+                <a:defRPr sz="2400">
+                  <a:solidFill>
+                    <a:schemeClr val="tx1"/>
+                  </a:solidFill>
+                  <a:latin typeface="Arial" panose="020B0604020202020204" pitchFamily="34" charset="0"/>
+                  <a:cs typeface="Arial" panose="020B0604020202020204" pitchFamily="34" charset="0"/>
+                </a:defRPr>
+              </a:lvl3pPr>
+              <a:lvl4pPr marL="1600200" indent="-228600">
+                <a:spcBef>
+                  <a:spcPct val="20000"/>
+                </a:spcBef>
+                <a:buChar char="–"/>
+                <a:defRPr sz="2000">
+                  <a:solidFill>
+                    <a:schemeClr val="tx1"/>
+                  </a:solidFill>
+                  <a:latin typeface="Arial" panose="020B0604020202020204" pitchFamily="34" charset="0"/>
+                  <a:cs typeface="Arial" panose="020B0604020202020204" pitchFamily="34" charset="0"/>
+                </a:defRPr>
+              </a:lvl4pPr>
+              <a:lvl5pPr marL="2057400" indent="-228600">
+                <a:spcBef>
+                  <a:spcPct val="20000"/>
+                </a:spcBef>
+                <a:buChar char="»"/>
+                <a:defRPr sz="2000">
+                  <a:solidFill>
+                    <a:schemeClr val="tx1"/>
+                  </a:solidFill>
+                  <a:latin typeface="Arial" panose="020B0604020202020204" pitchFamily="34" charset="0"/>
+                  <a:cs typeface="Arial" panose="020B0604020202020204" pitchFamily="34" charset="0"/>
+                </a:defRPr>
+              </a:lvl5pPr>
+              <a:lvl6pPr marL="2514600" indent="-228600" eaLnBrk="0" fontAlgn="base" hangingPunct="0">
+                <a:spcBef>
+                  <a:spcPct val="20000"/>
+                </a:spcBef>
+                <a:spcAft>
+                  <a:spcPct val="0"/>
+                </a:spcAft>
+                <a:buChar char="»"/>
+                <a:defRPr sz="2000">
+                  <a:solidFill>
+                    <a:schemeClr val="tx1"/>
+                  </a:solidFill>
+                  <a:latin typeface="Arial" panose="020B0604020202020204" pitchFamily="34" charset="0"/>
+                  <a:cs typeface="Arial" panose="020B0604020202020204" pitchFamily="34" charset="0"/>
+                </a:defRPr>
+              </a:lvl6pPr>
+              <a:lvl7pPr marL="2971800" indent="-228600" eaLnBrk="0" fontAlgn="base" hangingPunct="0">
+                <a:spcBef>
+                  <a:spcPct val="20000"/>
+                </a:spcBef>
+                <a:spcAft>
+                  <a:spcPct val="0"/>
+                </a:spcAft>
+                <a:buChar char="»"/>
+                <a:defRPr sz="2000">
+                  <a:solidFill>
+                    <a:schemeClr val="tx1"/>
+                  </a:solidFill>
+                  <a:latin typeface="Arial" panose="020B0604020202020204" pitchFamily="34" charset="0"/>
+                  <a:cs typeface="Arial" panose="020B0604020202020204" pitchFamily="34" charset="0"/>
+                </a:defRPr>
+              </a:lvl7pPr>
+              <a:lvl8pPr marL="3429000" indent="-228600" eaLnBrk="0" fontAlgn="base" hangingPunct="0">
+                <a:spcBef>
+                  <a:spcPct val="20000"/>
+                </a:spcBef>
+                <a:spcAft>
+                  <a:spcPct val="0"/>
+                </a:spcAft>
+                <a:buChar char="»"/>
+                <a:defRPr sz="2000">
+                  <a:solidFill>
+                    <a:schemeClr val="tx1"/>
+                  </a:solidFill>
+                  <a:latin typeface="Arial" panose="020B0604020202020204" pitchFamily="34" charset="0"/>
+                  <a:cs typeface="Arial" panose="020B0604020202020204" pitchFamily="34" charset="0"/>
+                </a:defRPr>
+              </a:lvl8pPr>
+              <a:lvl9pPr marL="3886200" indent="-228600" eaLnBrk="0" fontAlgn="base" hangingPunct="0">
+                <a:spcBef>
+                  <a:spcPct val="20000"/>
+                </a:spcBef>
+                <a:spcAft>
+                  <a:spcPct val="0"/>
+                </a:spcAft>
+                <a:buChar char="»"/>
+                <a:defRPr sz="2000">
+                  <a:solidFill>
+                    <a:schemeClr val="tx1"/>
+                  </a:solidFill>
+                  <a:latin typeface="Arial" panose="020B0604020202020204" pitchFamily="34" charset="0"/>
+                  <a:cs typeface="Arial" panose="020B0604020202020204" pitchFamily="34" charset="0"/>
+                </a:defRPr>
+              </a:lvl9pPr>
+            </a:lstStyle>
+            <a:p>
+              <a:pPr algn="ctr" eaLnBrk="1" hangingPunct="1">
+                <a:spcBef>
+                  <a:spcPct val="0"/>
+                </a:spcBef>
+                <a:buFontTx/>
+                <a:buNone/>
+              </a:pPr>
+              <a:r>
+                <a:rPr lang="en-US" altLang="en-US" sz="1200">
+                  <a:latin typeface="Calibri" panose="020F0502020204030204" pitchFamily="34" charset="0"/>
+                </a:rPr>
+                <a:t>Order</a:t>
+              </a:r>
+            </a:p>
+          </p:txBody>
+        </p:sp>
+        <p:sp>
+          <p:nvSpPr>
+            <p:cNvPr id="9" name="Line 26"/>
+            <p:cNvSpPr>
+              <a:spLocks noChangeShapeType="1"/>
+            </p:cNvSpPr>
+            <p:nvPr/>
+          </p:nvSpPr>
+          <p:spPr bwMode="auto">
+            <a:xfrm>
+              <a:off x="4495800" y="533400"/>
+              <a:ext cx="0" cy="228600"/>
+            </a:xfrm>
+            <a:prstGeom prst="line">
+              <a:avLst/>
+            </a:prstGeom>
+            <a:noFill/>
+            <a:ln w="9525">
+              <a:solidFill>
+                <a:schemeClr val="tx1"/>
+              </a:solidFill>
+              <a:prstDash val="dash"/>
+              <a:round/>
+              <a:headEnd/>
+              <a:tailEnd type="triangle" w="med" len="med"/>
+            </a:ln>
+            <a:extLst>
+              <a:ext uri="{909E8E84-426E-40DD-AFC4-6F175D3DCCD1}">
+                <a14:hiddenFill xmlns:a14="http://schemas.microsoft.com/office/drawing/2010/main">
+                  <a:noFill/>
+                </a14:hiddenFill>
+              </a:ext>
+            </a:extLst>
+          </p:spPr>
+          <p:txBody>
+            <a:bodyPr/>
+            <a:lstStyle/>
+            <a:p>
+              <a:endParaRPr lang="en-US"/>
+            </a:p>
+          </p:txBody>
+        </p:sp>
+        <p:sp>
+          <p:nvSpPr>
+            <p:cNvPr id="10" name="Line 27"/>
+            <p:cNvSpPr>
+              <a:spLocks noChangeShapeType="1"/>
+            </p:cNvSpPr>
+            <p:nvPr/>
+          </p:nvSpPr>
+          <p:spPr bwMode="auto">
+            <a:xfrm flipV="1">
+              <a:off x="4038600" y="533400"/>
+              <a:ext cx="0" cy="228600"/>
+            </a:xfrm>
+            <a:prstGeom prst="line">
+              <a:avLst/>
+            </a:prstGeom>
+            <a:noFill/>
+            <a:ln w="9525">
+              <a:solidFill>
+                <a:schemeClr val="tx1"/>
+              </a:solidFill>
+              <a:round/>
+              <a:headEnd/>
+              <a:tailEnd type="triangle" w="med" len="med"/>
+            </a:ln>
+            <a:extLst>
+              <a:ext uri="{909E8E84-426E-40DD-AFC4-6F175D3DCCD1}">
+                <a14:hiddenFill xmlns:a14="http://schemas.microsoft.com/office/drawing/2010/main">
+                  <a:noFill/>
+                </a14:hiddenFill>
+              </a:ext>
+            </a:extLst>
+          </p:spPr>
+          <p:txBody>
+            <a:bodyPr/>
+            <a:lstStyle/>
+            <a:p>
+              <a:endParaRPr lang="en-US"/>
+            </a:p>
+          </p:txBody>
+        </p:sp>
+        <p:sp>
+          <p:nvSpPr>
+            <p:cNvPr id="11" name="Line 28"/>
+            <p:cNvSpPr>
+              <a:spLocks noChangeShapeType="1"/>
+            </p:cNvSpPr>
+            <p:nvPr/>
+          </p:nvSpPr>
+          <p:spPr bwMode="auto">
+            <a:xfrm>
+              <a:off x="2362200" y="914400"/>
+              <a:ext cx="304800" cy="0"/>
+            </a:xfrm>
+            <a:prstGeom prst="line">
+              <a:avLst/>
+            </a:prstGeom>
+            <a:noFill/>
+            <a:ln w="9525">
+              <a:solidFill>
+                <a:schemeClr val="tx1"/>
+              </a:solidFill>
+              <a:round/>
+              <a:headEnd/>
+              <a:tailEnd type="triangle" w="med" len="med"/>
+            </a:ln>
+            <a:extLst>
+              <a:ext uri="{909E8E84-426E-40DD-AFC4-6F175D3DCCD1}">
+                <a14:hiddenFill xmlns:a14="http://schemas.microsoft.com/office/drawing/2010/main">
+                  <a:noFill/>
+                </a14:hiddenFill>
+              </a:ext>
+            </a:extLst>
+          </p:spPr>
+          <p:txBody>
+            <a:bodyPr/>
+            <a:lstStyle/>
+            <a:p>
+              <a:endParaRPr lang="en-US"/>
+            </a:p>
+          </p:txBody>
+        </p:sp>
+        <p:sp>
+          <p:nvSpPr>
+            <p:cNvPr id="12" name="AutoShape 29"/>
+            <p:cNvSpPr>
+              <a:spLocks noChangeArrowheads="1"/>
+            </p:cNvSpPr>
+            <p:nvPr/>
+          </p:nvSpPr>
+          <p:spPr bwMode="auto">
+            <a:xfrm>
+              <a:off x="2146300" y="76200"/>
+              <a:ext cx="609600" cy="457200"/>
+            </a:xfrm>
+            <a:prstGeom prst="roundRect">
+              <a:avLst>
+                <a:gd name="adj" fmla="val 16667"/>
+              </a:avLst>
+            </a:prstGeom>
+            <a:noFill/>
+            <a:ln w="9525">
+              <a:solidFill>
+                <a:schemeClr val="tx1"/>
+              </a:solidFill>
+              <a:round/>
+              <a:headEnd/>
+              <a:tailEnd/>
+            </a:ln>
+          </p:spPr>
+          <p:txBody>
+            <a:bodyPr wrap="none" anchor="ctr"/>
+            <a:lstStyle>
+              <a:lvl1pPr>
+                <a:spcBef>
+                  <a:spcPct val="20000"/>
+                </a:spcBef>
+                <a:buChar char="•"/>
+                <a:defRPr sz="3200">
+                  <a:solidFill>
+                    <a:schemeClr val="tx1"/>
+                  </a:solidFill>
+                  <a:latin typeface="Arial" panose="020B0604020202020204" pitchFamily="34" charset="0"/>
+                  <a:cs typeface="Arial" panose="020B0604020202020204" pitchFamily="34" charset="0"/>
+                </a:defRPr>
+              </a:lvl1pPr>
+              <a:lvl2pPr marL="742950" indent="-285750">
+                <a:spcBef>
+                  <a:spcPct val="20000"/>
+                </a:spcBef>
+                <a:buChar char="–"/>
+                <a:defRPr sz="2800">
+                  <a:solidFill>
+                    <a:schemeClr val="tx1"/>
+                  </a:solidFill>
+                  <a:latin typeface="Arial" panose="020B0604020202020204" pitchFamily="34" charset="0"/>
+                  <a:cs typeface="Arial" panose="020B0604020202020204" pitchFamily="34" charset="0"/>
+                </a:defRPr>
+              </a:lvl2pPr>
+              <a:lvl3pPr marL="1143000" indent="-228600">
+                <a:spcBef>
+                  <a:spcPct val="20000"/>
+                </a:spcBef>
+                <a:buChar char="•"/>
+                <a:defRPr sz="2400">
+                  <a:solidFill>
+                    <a:schemeClr val="tx1"/>
+                  </a:solidFill>
+                  <a:latin typeface="Arial" panose="020B0604020202020204" pitchFamily="34" charset="0"/>
+                  <a:cs typeface="Arial" panose="020B0604020202020204" pitchFamily="34" charset="0"/>
+                </a:defRPr>
+              </a:lvl3pPr>
+              <a:lvl4pPr marL="1600200" indent="-228600">
+                <a:spcBef>
+                  <a:spcPct val="20000"/>
+                </a:spcBef>
+                <a:buChar char="–"/>
+                <a:defRPr sz="2000">
+                  <a:solidFill>
+                    <a:schemeClr val="tx1"/>
+                  </a:solidFill>
+                  <a:latin typeface="Arial" panose="020B0604020202020204" pitchFamily="34" charset="0"/>
+                  <a:cs typeface="Arial" panose="020B0604020202020204" pitchFamily="34" charset="0"/>
+                </a:defRPr>
+              </a:lvl4pPr>
+              <a:lvl5pPr marL="2057400" indent="-228600">
+                <a:spcBef>
+                  <a:spcPct val="20000"/>
+                </a:spcBef>
+                <a:buChar char="»"/>
+                <a:defRPr sz="2000">
+                  <a:solidFill>
+                    <a:schemeClr val="tx1"/>
+                  </a:solidFill>
+                  <a:latin typeface="Arial" panose="020B0604020202020204" pitchFamily="34" charset="0"/>
+                  <a:cs typeface="Arial" panose="020B0604020202020204" pitchFamily="34" charset="0"/>
+                </a:defRPr>
+              </a:lvl5pPr>
+              <a:lvl6pPr marL="2514600" indent="-228600" eaLnBrk="0" fontAlgn="base" hangingPunct="0">
+                <a:spcBef>
+                  <a:spcPct val="20000"/>
+                </a:spcBef>
+                <a:spcAft>
+                  <a:spcPct val="0"/>
+                </a:spcAft>
+                <a:buChar char="»"/>
+                <a:defRPr sz="2000">
+                  <a:solidFill>
+                    <a:schemeClr val="tx1"/>
+                  </a:solidFill>
+                  <a:latin typeface="Arial" panose="020B0604020202020204" pitchFamily="34" charset="0"/>
+                  <a:cs typeface="Arial" panose="020B0604020202020204" pitchFamily="34" charset="0"/>
+                </a:defRPr>
+              </a:lvl6pPr>
+              <a:lvl7pPr marL="2971800" indent="-228600" eaLnBrk="0" fontAlgn="base" hangingPunct="0">
+                <a:spcBef>
+                  <a:spcPct val="20000"/>
+                </a:spcBef>
+                <a:spcAft>
+                  <a:spcPct val="0"/>
+                </a:spcAft>
+                <a:buChar char="»"/>
+                <a:defRPr sz="2000">
+                  <a:solidFill>
+                    <a:schemeClr val="tx1"/>
+                  </a:solidFill>
+                  <a:latin typeface="Arial" panose="020B0604020202020204" pitchFamily="34" charset="0"/>
+                  <a:cs typeface="Arial" panose="020B0604020202020204" pitchFamily="34" charset="0"/>
+                </a:defRPr>
+              </a:lvl7pPr>
+              <a:lvl8pPr marL="3429000" indent="-228600" eaLnBrk="0" fontAlgn="base" hangingPunct="0">
+                <a:spcBef>
+                  <a:spcPct val="20000"/>
+                </a:spcBef>
+                <a:spcAft>
+                  <a:spcPct val="0"/>
+                </a:spcAft>
+                <a:buChar char="»"/>
+                <a:defRPr sz="2000">
+                  <a:solidFill>
+                    <a:schemeClr val="tx1"/>
+                  </a:solidFill>
+                  <a:latin typeface="Arial" panose="020B0604020202020204" pitchFamily="34" charset="0"/>
+                  <a:cs typeface="Arial" panose="020B0604020202020204" pitchFamily="34" charset="0"/>
+                </a:defRPr>
+              </a:lvl8pPr>
+              <a:lvl9pPr marL="3886200" indent="-228600" eaLnBrk="0" fontAlgn="base" hangingPunct="0">
+                <a:spcBef>
+                  <a:spcPct val="20000"/>
+                </a:spcBef>
+                <a:spcAft>
+                  <a:spcPct val="0"/>
+                </a:spcAft>
+                <a:buChar char="»"/>
+                <a:defRPr sz="2000">
+                  <a:solidFill>
+                    <a:schemeClr val="tx1"/>
+                  </a:solidFill>
+                  <a:latin typeface="Arial" panose="020B0604020202020204" pitchFamily="34" charset="0"/>
+                  <a:cs typeface="Arial" panose="020B0604020202020204" pitchFamily="34" charset="0"/>
+                </a:defRPr>
+              </a:lvl9pPr>
+            </a:lstStyle>
+            <a:p>
+              <a:pPr algn="ctr" eaLnBrk="1" hangingPunct="1">
+                <a:spcBef>
+                  <a:spcPct val="0"/>
+                </a:spcBef>
+                <a:buFontTx/>
+                <a:buNone/>
+              </a:pPr>
+              <a:r>
+                <a:rPr lang="en-US" altLang="en-US" sz="1200">
+                  <a:latin typeface="Calibri" panose="020F0502020204030204" pitchFamily="34" charset="0"/>
+                </a:rPr>
+                <a:t>Create</a:t>
+              </a:r>
+            </a:p>
+            <a:p>
+              <a:pPr algn="ctr" eaLnBrk="1" hangingPunct="1">
+                <a:spcBef>
+                  <a:spcPct val="0"/>
+                </a:spcBef>
+                <a:buFontTx/>
+                <a:buNone/>
+              </a:pPr>
+              <a:r>
+                <a:rPr lang="en-US" altLang="en-US" sz="1200">
+                  <a:latin typeface="Calibri" panose="020F0502020204030204" pitchFamily="34" charset="0"/>
+                </a:rPr>
+                <a:t>Item</a:t>
+              </a:r>
+            </a:p>
+          </p:txBody>
+        </p:sp>
+        <p:sp>
+          <p:nvSpPr>
+            <p:cNvPr id="13" name="AutoShape 32"/>
+            <p:cNvSpPr>
+              <a:spLocks noChangeArrowheads="1"/>
+            </p:cNvSpPr>
+            <p:nvPr/>
+          </p:nvSpPr>
+          <p:spPr bwMode="auto">
+            <a:xfrm>
+              <a:off x="2787650" y="228600"/>
+              <a:ext cx="304800" cy="152400"/>
+            </a:xfrm>
+            <a:prstGeom prst="rightArrow">
+              <a:avLst>
+                <a:gd name="adj1" fmla="val 50000"/>
+                <a:gd name="adj2" fmla="val 50000"/>
+              </a:avLst>
+            </a:prstGeom>
+            <a:noFill/>
+            <a:ln w="9525">
+              <a:solidFill>
+                <a:schemeClr val="tx1"/>
+              </a:solidFill>
+              <a:miter lim="800000"/>
+              <a:headEnd/>
+              <a:tailEnd/>
+            </a:ln>
+          </p:spPr>
+          <p:txBody>
+            <a:bodyPr wrap="none" anchor="ctr"/>
+            <a:lstStyle>
+              <a:lvl1pPr>
+                <a:spcBef>
+                  <a:spcPct val="20000"/>
+                </a:spcBef>
+                <a:buChar char="•"/>
+                <a:defRPr sz="3200">
+                  <a:solidFill>
+                    <a:schemeClr val="tx1"/>
+                  </a:solidFill>
+                  <a:latin typeface="Arial" panose="020B0604020202020204" pitchFamily="34" charset="0"/>
+                  <a:cs typeface="Arial" panose="020B0604020202020204" pitchFamily="34" charset="0"/>
+                </a:defRPr>
+              </a:lvl1pPr>
+              <a:lvl2pPr marL="742950" indent="-285750">
+                <a:spcBef>
+                  <a:spcPct val="20000"/>
+                </a:spcBef>
+                <a:buChar char="–"/>
+                <a:defRPr sz="2800">
+                  <a:solidFill>
+                    <a:schemeClr val="tx1"/>
+                  </a:solidFill>
+                  <a:latin typeface="Arial" panose="020B0604020202020204" pitchFamily="34" charset="0"/>
+                  <a:cs typeface="Arial" panose="020B0604020202020204" pitchFamily="34" charset="0"/>
+                </a:defRPr>
+              </a:lvl2pPr>
+              <a:lvl3pPr marL="1143000" indent="-228600">
+                <a:spcBef>
+                  <a:spcPct val="20000"/>
+                </a:spcBef>
+                <a:buChar char="•"/>
+                <a:defRPr sz="2400">
+                  <a:solidFill>
+                    <a:schemeClr val="tx1"/>
+                  </a:solidFill>
+                  <a:latin typeface="Arial" panose="020B0604020202020204" pitchFamily="34" charset="0"/>
+                  <a:cs typeface="Arial" panose="020B0604020202020204" pitchFamily="34" charset="0"/>
+                </a:defRPr>
+              </a:lvl3pPr>
+              <a:lvl4pPr marL="1600200" indent="-228600">
+                <a:spcBef>
+                  <a:spcPct val="20000"/>
+                </a:spcBef>
+                <a:buChar char="–"/>
+                <a:defRPr sz="2000">
+                  <a:solidFill>
+                    <a:schemeClr val="tx1"/>
+                  </a:solidFill>
+                  <a:latin typeface="Arial" panose="020B0604020202020204" pitchFamily="34" charset="0"/>
+                  <a:cs typeface="Arial" panose="020B0604020202020204" pitchFamily="34" charset="0"/>
+                </a:defRPr>
+              </a:lvl4pPr>
+              <a:lvl5pPr marL="2057400" indent="-228600">
+                <a:spcBef>
+                  <a:spcPct val="20000"/>
+                </a:spcBef>
+                <a:buChar char="»"/>
+                <a:defRPr sz="2000">
+                  <a:solidFill>
+                    <a:schemeClr val="tx1"/>
+                  </a:solidFill>
+                  <a:latin typeface="Arial" panose="020B0604020202020204" pitchFamily="34" charset="0"/>
+                  <a:cs typeface="Arial" panose="020B0604020202020204" pitchFamily="34" charset="0"/>
+                </a:defRPr>
+              </a:lvl5pPr>
+              <a:lvl6pPr marL="2514600" indent="-228600" eaLnBrk="0" fontAlgn="base" hangingPunct="0">
+                <a:spcBef>
+                  <a:spcPct val="20000"/>
+                </a:spcBef>
+                <a:spcAft>
+                  <a:spcPct val="0"/>
+                </a:spcAft>
+                <a:buChar char="»"/>
+                <a:defRPr sz="2000">
+                  <a:solidFill>
+                    <a:schemeClr val="tx1"/>
+                  </a:solidFill>
+                  <a:latin typeface="Arial" panose="020B0604020202020204" pitchFamily="34" charset="0"/>
+                  <a:cs typeface="Arial" panose="020B0604020202020204" pitchFamily="34" charset="0"/>
+                </a:defRPr>
+              </a:lvl6pPr>
+              <a:lvl7pPr marL="2971800" indent="-228600" eaLnBrk="0" fontAlgn="base" hangingPunct="0">
+                <a:spcBef>
+                  <a:spcPct val="20000"/>
+                </a:spcBef>
+                <a:spcAft>
+                  <a:spcPct val="0"/>
+                </a:spcAft>
+                <a:buChar char="»"/>
+                <a:defRPr sz="2000">
+                  <a:solidFill>
+                    <a:schemeClr val="tx1"/>
+                  </a:solidFill>
+                  <a:latin typeface="Arial" panose="020B0604020202020204" pitchFamily="34" charset="0"/>
+                  <a:cs typeface="Arial" panose="020B0604020202020204" pitchFamily="34" charset="0"/>
+                </a:defRPr>
+              </a:lvl7pPr>
+              <a:lvl8pPr marL="3429000" indent="-228600" eaLnBrk="0" fontAlgn="base" hangingPunct="0">
+                <a:spcBef>
+                  <a:spcPct val="20000"/>
+                </a:spcBef>
+                <a:spcAft>
+                  <a:spcPct val="0"/>
+                </a:spcAft>
+                <a:buChar char="»"/>
+                <a:defRPr sz="2000">
+                  <a:solidFill>
+                    <a:schemeClr val="tx1"/>
+                  </a:solidFill>
+                  <a:latin typeface="Arial" panose="020B0604020202020204" pitchFamily="34" charset="0"/>
+                  <a:cs typeface="Arial" panose="020B0604020202020204" pitchFamily="34" charset="0"/>
+                </a:defRPr>
+              </a:lvl8pPr>
+              <a:lvl9pPr marL="3886200" indent="-228600" eaLnBrk="0" fontAlgn="base" hangingPunct="0">
+                <a:spcBef>
+                  <a:spcPct val="20000"/>
+                </a:spcBef>
+                <a:spcAft>
+                  <a:spcPct val="0"/>
+                </a:spcAft>
+                <a:buChar char="»"/>
+                <a:defRPr sz="2000">
+                  <a:solidFill>
+                    <a:schemeClr val="tx1"/>
+                  </a:solidFill>
+                  <a:latin typeface="Arial" panose="020B0604020202020204" pitchFamily="34" charset="0"/>
+                  <a:cs typeface="Arial" panose="020B0604020202020204" pitchFamily="34" charset="0"/>
+                </a:defRPr>
+              </a:lvl9pPr>
+            </a:lstStyle>
+            <a:p>
+              <a:pPr eaLnBrk="1" hangingPunct="1">
+                <a:spcBef>
+                  <a:spcPct val="0"/>
+                </a:spcBef>
+                <a:buFontTx/>
+                <a:buNone/>
+              </a:pPr>
+              <a:endParaRPr lang="en-US" altLang="en-US" sz="1800"/>
+            </a:p>
+          </p:txBody>
+        </p:sp>
+        <p:sp>
+          <p:nvSpPr>
+            <p:cNvPr id="14" name="AutoShape 33"/>
+            <p:cNvSpPr>
+              <a:spLocks noChangeArrowheads="1"/>
+            </p:cNvSpPr>
+            <p:nvPr/>
+          </p:nvSpPr>
+          <p:spPr bwMode="auto">
+            <a:xfrm>
+              <a:off x="3124200" y="152400"/>
+              <a:ext cx="533400" cy="304800"/>
+            </a:xfrm>
+            <a:prstGeom prst="flowChartDocument">
+              <a:avLst/>
+            </a:prstGeom>
+            <a:noFill/>
+            <a:ln w="9525">
+              <a:solidFill>
+                <a:schemeClr val="tx1"/>
+              </a:solidFill>
+              <a:miter lim="800000"/>
+              <a:headEnd/>
+              <a:tailEnd/>
+            </a:ln>
+          </p:spPr>
+          <p:txBody>
+            <a:bodyPr wrap="none" anchor="ctr"/>
+            <a:lstStyle>
+              <a:lvl1pPr>
+                <a:spcBef>
+                  <a:spcPct val="20000"/>
+                </a:spcBef>
+                <a:buChar char="•"/>
+                <a:defRPr sz="3200">
+                  <a:solidFill>
+                    <a:schemeClr val="tx1"/>
+                  </a:solidFill>
+                  <a:latin typeface="Arial" panose="020B0604020202020204" pitchFamily="34" charset="0"/>
+                  <a:cs typeface="Arial" panose="020B0604020202020204" pitchFamily="34" charset="0"/>
+                </a:defRPr>
+              </a:lvl1pPr>
+              <a:lvl2pPr marL="742950" indent="-285750">
+                <a:spcBef>
+                  <a:spcPct val="20000"/>
+                </a:spcBef>
+                <a:buChar char="–"/>
+                <a:defRPr sz="2800">
+                  <a:solidFill>
+                    <a:schemeClr val="tx1"/>
+                  </a:solidFill>
+                  <a:latin typeface="Arial" panose="020B0604020202020204" pitchFamily="34" charset="0"/>
+                  <a:cs typeface="Arial" panose="020B0604020202020204" pitchFamily="34" charset="0"/>
+                </a:defRPr>
+              </a:lvl2pPr>
+              <a:lvl3pPr marL="1143000" indent="-228600">
+                <a:spcBef>
+                  <a:spcPct val="20000"/>
+                </a:spcBef>
+                <a:buChar char="•"/>
+                <a:defRPr sz="2400">
+                  <a:solidFill>
+                    <a:schemeClr val="tx1"/>
+                  </a:solidFill>
+                  <a:latin typeface="Arial" panose="020B0604020202020204" pitchFamily="34" charset="0"/>
+                  <a:cs typeface="Arial" panose="020B0604020202020204" pitchFamily="34" charset="0"/>
+                </a:defRPr>
+              </a:lvl3pPr>
+              <a:lvl4pPr marL="1600200" indent="-228600">
+                <a:spcBef>
+                  <a:spcPct val="20000"/>
+                </a:spcBef>
+                <a:buChar char="–"/>
+                <a:defRPr sz="2000">
+                  <a:solidFill>
+                    <a:schemeClr val="tx1"/>
+                  </a:solidFill>
+                  <a:latin typeface="Arial" panose="020B0604020202020204" pitchFamily="34" charset="0"/>
+                  <a:cs typeface="Arial" panose="020B0604020202020204" pitchFamily="34" charset="0"/>
+                </a:defRPr>
+              </a:lvl4pPr>
+              <a:lvl5pPr marL="2057400" indent="-228600">
+                <a:spcBef>
+                  <a:spcPct val="20000"/>
+                </a:spcBef>
+                <a:buChar char="»"/>
+                <a:defRPr sz="2000">
+                  <a:solidFill>
+                    <a:schemeClr val="tx1"/>
+                  </a:solidFill>
+                  <a:latin typeface="Arial" panose="020B0604020202020204" pitchFamily="34" charset="0"/>
+                  <a:cs typeface="Arial" panose="020B0604020202020204" pitchFamily="34" charset="0"/>
+                </a:defRPr>
+              </a:lvl5pPr>
+              <a:lvl6pPr marL="2514600" indent="-228600" eaLnBrk="0" fontAlgn="base" hangingPunct="0">
+                <a:spcBef>
+                  <a:spcPct val="20000"/>
+                </a:spcBef>
+                <a:spcAft>
+                  <a:spcPct val="0"/>
+                </a:spcAft>
+                <a:buChar char="»"/>
+                <a:defRPr sz="2000">
+                  <a:solidFill>
+                    <a:schemeClr val="tx1"/>
+                  </a:solidFill>
+                  <a:latin typeface="Arial" panose="020B0604020202020204" pitchFamily="34" charset="0"/>
+                  <a:cs typeface="Arial" panose="020B0604020202020204" pitchFamily="34" charset="0"/>
+                </a:defRPr>
+              </a:lvl6pPr>
+              <a:lvl7pPr marL="2971800" indent="-228600" eaLnBrk="0" fontAlgn="base" hangingPunct="0">
+                <a:spcBef>
+                  <a:spcPct val="20000"/>
+                </a:spcBef>
+                <a:spcAft>
+                  <a:spcPct val="0"/>
+                </a:spcAft>
+                <a:buChar char="»"/>
+                <a:defRPr sz="2000">
+                  <a:solidFill>
+                    <a:schemeClr val="tx1"/>
+                  </a:solidFill>
+                  <a:latin typeface="Arial" panose="020B0604020202020204" pitchFamily="34" charset="0"/>
+                  <a:cs typeface="Arial" panose="020B0604020202020204" pitchFamily="34" charset="0"/>
+                </a:defRPr>
+              </a:lvl7pPr>
+              <a:lvl8pPr marL="3429000" indent="-228600" eaLnBrk="0" fontAlgn="base" hangingPunct="0">
+                <a:spcBef>
+                  <a:spcPct val="20000"/>
+                </a:spcBef>
+                <a:spcAft>
+                  <a:spcPct val="0"/>
+                </a:spcAft>
+                <a:buChar char="»"/>
+                <a:defRPr sz="2000">
+                  <a:solidFill>
+                    <a:schemeClr val="tx1"/>
+                  </a:solidFill>
+                  <a:latin typeface="Arial" panose="020B0604020202020204" pitchFamily="34" charset="0"/>
+                  <a:cs typeface="Arial" panose="020B0604020202020204" pitchFamily="34" charset="0"/>
+                </a:defRPr>
+              </a:lvl8pPr>
+              <a:lvl9pPr marL="3886200" indent="-228600" eaLnBrk="0" fontAlgn="base" hangingPunct="0">
+                <a:spcBef>
+                  <a:spcPct val="20000"/>
+                </a:spcBef>
+                <a:spcAft>
+                  <a:spcPct val="0"/>
+                </a:spcAft>
+                <a:buChar char="»"/>
+                <a:defRPr sz="2000">
+                  <a:solidFill>
+                    <a:schemeClr val="tx1"/>
+                  </a:solidFill>
+                  <a:latin typeface="Arial" panose="020B0604020202020204" pitchFamily="34" charset="0"/>
+                  <a:cs typeface="Arial" panose="020B0604020202020204" pitchFamily="34" charset="0"/>
+                </a:defRPr>
+              </a:lvl9pPr>
+            </a:lstStyle>
+            <a:p>
+              <a:pPr algn="ctr" eaLnBrk="1" hangingPunct="1">
+                <a:spcBef>
+                  <a:spcPct val="0"/>
+                </a:spcBef>
+                <a:buFontTx/>
+                <a:buNone/>
+              </a:pPr>
+              <a:r>
+                <a:rPr lang="en-US" altLang="en-US" sz="1200">
+                  <a:latin typeface="Calibri" panose="020F0502020204030204" pitchFamily="34" charset="0"/>
+                </a:rPr>
+                <a:t>Item</a:t>
+              </a:r>
+            </a:p>
+          </p:txBody>
+        </p:sp>
+        <p:sp>
+          <p:nvSpPr>
+            <p:cNvPr id="15" name="AutoShape 34"/>
+            <p:cNvSpPr>
+              <a:spLocks noChangeArrowheads="1"/>
+            </p:cNvSpPr>
+            <p:nvPr/>
+          </p:nvSpPr>
+          <p:spPr bwMode="auto">
+            <a:xfrm>
+              <a:off x="3886200" y="76200"/>
+              <a:ext cx="762000" cy="457200"/>
+            </a:xfrm>
+            <a:prstGeom prst="roundRect">
+              <a:avLst>
+                <a:gd name="adj" fmla="val 16667"/>
+              </a:avLst>
+            </a:prstGeom>
+            <a:noFill/>
+            <a:ln w="9525">
+              <a:solidFill>
+                <a:schemeClr val="tx1"/>
+              </a:solidFill>
+              <a:round/>
+              <a:headEnd/>
+              <a:tailEnd/>
+            </a:ln>
+          </p:spPr>
+          <p:txBody>
+            <a:bodyPr wrap="none" anchor="ctr"/>
+            <a:lstStyle>
+              <a:lvl1pPr>
+                <a:spcBef>
+                  <a:spcPct val="20000"/>
+                </a:spcBef>
+                <a:buChar char="•"/>
+                <a:defRPr sz="3200">
+                  <a:solidFill>
+                    <a:schemeClr val="tx1"/>
+                  </a:solidFill>
+                  <a:latin typeface="Arial" panose="020B0604020202020204" pitchFamily="34" charset="0"/>
+                  <a:cs typeface="Arial" panose="020B0604020202020204" pitchFamily="34" charset="0"/>
+                </a:defRPr>
+              </a:lvl1pPr>
+              <a:lvl2pPr marL="742950" indent="-285750">
+                <a:spcBef>
+                  <a:spcPct val="20000"/>
+                </a:spcBef>
+                <a:buChar char="–"/>
+                <a:defRPr sz="2800">
+                  <a:solidFill>
+                    <a:schemeClr val="tx1"/>
+                  </a:solidFill>
+                  <a:latin typeface="Arial" panose="020B0604020202020204" pitchFamily="34" charset="0"/>
+                  <a:cs typeface="Arial" panose="020B0604020202020204" pitchFamily="34" charset="0"/>
+                </a:defRPr>
+              </a:lvl2pPr>
+              <a:lvl3pPr marL="1143000" indent="-228600">
+                <a:spcBef>
+                  <a:spcPct val="20000"/>
+                </a:spcBef>
+                <a:buChar char="•"/>
+                <a:defRPr sz="2400">
+                  <a:solidFill>
+                    <a:schemeClr val="tx1"/>
+                  </a:solidFill>
+                  <a:latin typeface="Arial" panose="020B0604020202020204" pitchFamily="34" charset="0"/>
+                  <a:cs typeface="Arial" panose="020B0604020202020204" pitchFamily="34" charset="0"/>
+                </a:defRPr>
+              </a:lvl3pPr>
+              <a:lvl4pPr marL="1600200" indent="-228600">
+                <a:spcBef>
+                  <a:spcPct val="20000"/>
+                </a:spcBef>
+                <a:buChar char="–"/>
+                <a:defRPr sz="2000">
+                  <a:solidFill>
+                    <a:schemeClr val="tx1"/>
+                  </a:solidFill>
+                  <a:latin typeface="Arial" panose="020B0604020202020204" pitchFamily="34" charset="0"/>
+                  <a:cs typeface="Arial" panose="020B0604020202020204" pitchFamily="34" charset="0"/>
+                </a:defRPr>
+              </a:lvl4pPr>
+              <a:lvl5pPr marL="2057400" indent="-228600">
+                <a:spcBef>
+                  <a:spcPct val="20000"/>
+                </a:spcBef>
+                <a:buChar char="»"/>
+                <a:defRPr sz="2000">
+                  <a:solidFill>
+                    <a:schemeClr val="tx1"/>
+                  </a:solidFill>
+                  <a:latin typeface="Arial" panose="020B0604020202020204" pitchFamily="34" charset="0"/>
+                  <a:cs typeface="Arial" panose="020B0604020202020204" pitchFamily="34" charset="0"/>
+                </a:defRPr>
+              </a:lvl5pPr>
+              <a:lvl6pPr marL="2514600" indent="-228600" eaLnBrk="0" fontAlgn="base" hangingPunct="0">
+                <a:spcBef>
+                  <a:spcPct val="20000"/>
+                </a:spcBef>
+                <a:spcAft>
+                  <a:spcPct val="0"/>
+                </a:spcAft>
+                <a:buChar char="»"/>
+                <a:defRPr sz="2000">
+                  <a:solidFill>
+                    <a:schemeClr val="tx1"/>
+                  </a:solidFill>
+                  <a:latin typeface="Arial" panose="020B0604020202020204" pitchFamily="34" charset="0"/>
+                  <a:cs typeface="Arial" panose="020B0604020202020204" pitchFamily="34" charset="0"/>
+                </a:defRPr>
+              </a:lvl6pPr>
+              <a:lvl7pPr marL="2971800" indent="-228600" eaLnBrk="0" fontAlgn="base" hangingPunct="0">
+                <a:spcBef>
+                  <a:spcPct val="20000"/>
+                </a:spcBef>
+                <a:spcAft>
+                  <a:spcPct val="0"/>
+                </a:spcAft>
+                <a:buChar char="»"/>
+                <a:defRPr sz="2000">
+                  <a:solidFill>
+                    <a:schemeClr val="tx1"/>
+                  </a:solidFill>
+                  <a:latin typeface="Arial" panose="020B0604020202020204" pitchFamily="34" charset="0"/>
+                  <a:cs typeface="Arial" panose="020B0604020202020204" pitchFamily="34" charset="0"/>
+                </a:defRPr>
+              </a:lvl7pPr>
+              <a:lvl8pPr marL="3429000" indent="-228600" eaLnBrk="0" fontAlgn="base" hangingPunct="0">
+                <a:spcBef>
+                  <a:spcPct val="20000"/>
+                </a:spcBef>
+                <a:spcAft>
+                  <a:spcPct val="0"/>
+                </a:spcAft>
+                <a:buChar char="»"/>
+                <a:defRPr sz="2000">
+                  <a:solidFill>
+                    <a:schemeClr val="tx1"/>
+                  </a:solidFill>
+                  <a:latin typeface="Arial" panose="020B0604020202020204" pitchFamily="34" charset="0"/>
+                  <a:cs typeface="Arial" panose="020B0604020202020204" pitchFamily="34" charset="0"/>
+                </a:defRPr>
+              </a:lvl8pPr>
+              <a:lvl9pPr marL="3886200" indent="-228600" eaLnBrk="0" fontAlgn="base" hangingPunct="0">
+                <a:spcBef>
+                  <a:spcPct val="20000"/>
+                </a:spcBef>
+                <a:spcAft>
+                  <a:spcPct val="0"/>
+                </a:spcAft>
+                <a:buChar char="»"/>
+                <a:defRPr sz="2000">
+                  <a:solidFill>
+                    <a:schemeClr val="tx1"/>
+                  </a:solidFill>
+                  <a:latin typeface="Arial" panose="020B0604020202020204" pitchFamily="34" charset="0"/>
+                  <a:cs typeface="Arial" panose="020B0604020202020204" pitchFamily="34" charset="0"/>
+                </a:defRPr>
+              </a:lvl9pPr>
+            </a:lstStyle>
+            <a:p>
+              <a:pPr algn="ctr" eaLnBrk="1" hangingPunct="1">
+                <a:spcBef>
+                  <a:spcPct val="0"/>
+                </a:spcBef>
+                <a:buFontTx/>
+                <a:buNone/>
+              </a:pPr>
+              <a:r>
+                <a:rPr lang="en-US" altLang="en-US" sz="1200">
+                  <a:latin typeface="Calibri" panose="020F0502020204030204" pitchFamily="34" charset="0"/>
+                </a:rPr>
+                <a:t>Add Item </a:t>
+              </a:r>
+            </a:p>
+            <a:p>
+              <a:pPr algn="ctr" eaLnBrk="1" hangingPunct="1">
+                <a:spcBef>
+                  <a:spcPct val="0"/>
+                </a:spcBef>
+                <a:buFontTx/>
+                <a:buNone/>
+              </a:pPr>
+              <a:r>
+                <a:rPr lang="en-US" altLang="en-US" sz="1200">
+                  <a:latin typeface="Calibri" panose="020F0502020204030204" pitchFamily="34" charset="0"/>
+                </a:rPr>
+                <a:t>To Order</a:t>
+              </a:r>
+            </a:p>
+          </p:txBody>
+        </p:sp>
+        <p:sp>
+          <p:nvSpPr>
+            <p:cNvPr id="16" name="Line 35"/>
+            <p:cNvSpPr>
+              <a:spLocks noChangeShapeType="1"/>
+            </p:cNvSpPr>
+            <p:nvPr/>
+          </p:nvSpPr>
+          <p:spPr bwMode="auto">
+            <a:xfrm>
+              <a:off x="3657600" y="304800"/>
+              <a:ext cx="228600" cy="0"/>
+            </a:xfrm>
+            <a:prstGeom prst="line">
+              <a:avLst/>
+            </a:prstGeom>
+            <a:noFill/>
+            <a:ln w="9525">
+              <a:solidFill>
+                <a:schemeClr val="tx1"/>
+              </a:solidFill>
+              <a:round/>
+              <a:headEnd/>
+              <a:tailEnd type="triangle" w="med" len="med"/>
+            </a:ln>
+            <a:extLst>
+              <a:ext uri="{909E8E84-426E-40DD-AFC4-6F175D3DCCD1}">
+                <a14:hiddenFill xmlns:a14="http://schemas.microsoft.com/office/drawing/2010/main">
+                  <a:noFill/>
+                </a14:hiddenFill>
+              </a:ext>
+            </a:extLst>
+          </p:spPr>
+          <p:txBody>
+            <a:bodyPr/>
+            <a:lstStyle/>
+            <a:p>
+              <a:endParaRPr lang="en-US"/>
+            </a:p>
+          </p:txBody>
+        </p:sp>
+        <p:sp>
+          <p:nvSpPr>
+            <p:cNvPr id="17" name="AutoShape 36"/>
+            <p:cNvSpPr>
+              <a:spLocks noChangeArrowheads="1"/>
+            </p:cNvSpPr>
+            <p:nvPr/>
+          </p:nvSpPr>
+          <p:spPr bwMode="auto">
+            <a:xfrm>
+              <a:off x="3886200" y="1295400"/>
+              <a:ext cx="838200" cy="457200"/>
+            </a:xfrm>
+            <a:prstGeom prst="roundRect">
+              <a:avLst>
+                <a:gd name="adj" fmla="val 16667"/>
+              </a:avLst>
+            </a:prstGeom>
+            <a:noFill/>
+            <a:ln w="9525">
+              <a:solidFill>
+                <a:schemeClr val="tx1"/>
+              </a:solidFill>
+              <a:round/>
+              <a:headEnd/>
+              <a:tailEnd/>
+            </a:ln>
+          </p:spPr>
+          <p:txBody>
+            <a:bodyPr wrap="none" anchor="ctr"/>
+            <a:lstStyle>
+              <a:lvl1pPr>
+                <a:spcBef>
+                  <a:spcPct val="20000"/>
+                </a:spcBef>
+                <a:buChar char="•"/>
+                <a:defRPr sz="3200">
+                  <a:solidFill>
+                    <a:schemeClr val="tx1"/>
+                  </a:solidFill>
+                  <a:latin typeface="Arial" panose="020B0604020202020204" pitchFamily="34" charset="0"/>
+                  <a:cs typeface="Arial" panose="020B0604020202020204" pitchFamily="34" charset="0"/>
+                </a:defRPr>
+              </a:lvl1pPr>
+              <a:lvl2pPr marL="742950" indent="-285750">
+                <a:spcBef>
+                  <a:spcPct val="20000"/>
+                </a:spcBef>
+                <a:buChar char="–"/>
+                <a:defRPr sz="2800">
+                  <a:solidFill>
+                    <a:schemeClr val="tx1"/>
+                  </a:solidFill>
+                  <a:latin typeface="Arial" panose="020B0604020202020204" pitchFamily="34" charset="0"/>
+                  <a:cs typeface="Arial" panose="020B0604020202020204" pitchFamily="34" charset="0"/>
+                </a:defRPr>
+              </a:lvl2pPr>
+              <a:lvl3pPr marL="1143000" indent="-228600">
+                <a:spcBef>
+                  <a:spcPct val="20000"/>
+                </a:spcBef>
+                <a:buChar char="•"/>
+                <a:defRPr sz="2400">
+                  <a:solidFill>
+                    <a:schemeClr val="tx1"/>
+                  </a:solidFill>
+                  <a:latin typeface="Arial" panose="020B0604020202020204" pitchFamily="34" charset="0"/>
+                  <a:cs typeface="Arial" panose="020B0604020202020204" pitchFamily="34" charset="0"/>
+                </a:defRPr>
+              </a:lvl3pPr>
+              <a:lvl4pPr marL="1600200" indent="-228600">
+                <a:spcBef>
+                  <a:spcPct val="20000"/>
+                </a:spcBef>
+                <a:buChar char="–"/>
+                <a:defRPr sz="2000">
+                  <a:solidFill>
+                    <a:schemeClr val="tx1"/>
+                  </a:solidFill>
+                  <a:latin typeface="Arial" panose="020B0604020202020204" pitchFamily="34" charset="0"/>
+                  <a:cs typeface="Arial" panose="020B0604020202020204" pitchFamily="34" charset="0"/>
+                </a:defRPr>
+              </a:lvl4pPr>
+              <a:lvl5pPr marL="2057400" indent="-228600">
+                <a:spcBef>
+                  <a:spcPct val="20000"/>
+                </a:spcBef>
+                <a:buChar char="»"/>
+                <a:defRPr sz="2000">
+                  <a:solidFill>
+                    <a:schemeClr val="tx1"/>
+                  </a:solidFill>
+                  <a:latin typeface="Arial" panose="020B0604020202020204" pitchFamily="34" charset="0"/>
+                  <a:cs typeface="Arial" panose="020B0604020202020204" pitchFamily="34" charset="0"/>
+                </a:defRPr>
+              </a:lvl5pPr>
+              <a:lvl6pPr marL="2514600" indent="-228600" eaLnBrk="0" fontAlgn="base" hangingPunct="0">
+                <a:spcBef>
+                  <a:spcPct val="20000"/>
+                </a:spcBef>
+                <a:spcAft>
+                  <a:spcPct val="0"/>
+                </a:spcAft>
+                <a:buChar char="»"/>
+                <a:defRPr sz="2000">
+                  <a:solidFill>
+                    <a:schemeClr val="tx1"/>
+                  </a:solidFill>
+                  <a:latin typeface="Arial" panose="020B0604020202020204" pitchFamily="34" charset="0"/>
+                  <a:cs typeface="Arial" panose="020B0604020202020204" pitchFamily="34" charset="0"/>
+                </a:defRPr>
+              </a:lvl6pPr>
+              <a:lvl7pPr marL="2971800" indent="-228600" eaLnBrk="0" fontAlgn="base" hangingPunct="0">
+                <a:spcBef>
+                  <a:spcPct val="20000"/>
+                </a:spcBef>
+                <a:spcAft>
+                  <a:spcPct val="0"/>
+                </a:spcAft>
+                <a:buChar char="»"/>
+                <a:defRPr sz="2000">
+                  <a:solidFill>
+                    <a:schemeClr val="tx1"/>
+                  </a:solidFill>
+                  <a:latin typeface="Arial" panose="020B0604020202020204" pitchFamily="34" charset="0"/>
+                  <a:cs typeface="Arial" panose="020B0604020202020204" pitchFamily="34" charset="0"/>
+                </a:defRPr>
+              </a:lvl7pPr>
+              <a:lvl8pPr marL="3429000" indent="-228600" eaLnBrk="0" fontAlgn="base" hangingPunct="0">
+                <a:spcBef>
+                  <a:spcPct val="20000"/>
+                </a:spcBef>
+                <a:spcAft>
+                  <a:spcPct val="0"/>
+                </a:spcAft>
+                <a:buChar char="»"/>
+                <a:defRPr sz="2000">
+                  <a:solidFill>
+                    <a:schemeClr val="tx1"/>
+                  </a:solidFill>
+                  <a:latin typeface="Arial" panose="020B0604020202020204" pitchFamily="34" charset="0"/>
+                  <a:cs typeface="Arial" panose="020B0604020202020204" pitchFamily="34" charset="0"/>
+                </a:defRPr>
+              </a:lvl8pPr>
+              <a:lvl9pPr marL="3886200" indent="-228600" eaLnBrk="0" fontAlgn="base" hangingPunct="0">
+                <a:spcBef>
+                  <a:spcPct val="20000"/>
+                </a:spcBef>
+                <a:spcAft>
+                  <a:spcPct val="0"/>
+                </a:spcAft>
+                <a:buChar char="»"/>
+                <a:defRPr sz="2000">
+                  <a:solidFill>
+                    <a:schemeClr val="tx1"/>
+                  </a:solidFill>
+                  <a:latin typeface="Arial" panose="020B0604020202020204" pitchFamily="34" charset="0"/>
+                  <a:cs typeface="Arial" panose="020B0604020202020204" pitchFamily="34" charset="0"/>
+                </a:defRPr>
+              </a:lvl9pPr>
+            </a:lstStyle>
+            <a:p>
+              <a:pPr algn="ctr" eaLnBrk="1" hangingPunct="1">
+                <a:spcBef>
+                  <a:spcPct val="0"/>
+                </a:spcBef>
+                <a:buFontTx/>
+                <a:buNone/>
+              </a:pPr>
+              <a:r>
+                <a:rPr lang="en-US" altLang="en-US" sz="1200">
+                  <a:latin typeface="Calibri" panose="020F0502020204030204" pitchFamily="34" charset="0"/>
+                </a:rPr>
+                <a:t>Generate</a:t>
+              </a:r>
+            </a:p>
+            <a:p>
+              <a:pPr algn="ctr" eaLnBrk="1" hangingPunct="1">
+                <a:spcBef>
+                  <a:spcPct val="0"/>
+                </a:spcBef>
+                <a:buFontTx/>
+                <a:buNone/>
+              </a:pPr>
+              <a:r>
+                <a:rPr lang="en-US" altLang="en-US" sz="1200">
+                  <a:latin typeface="Calibri" panose="020F0502020204030204" pitchFamily="34" charset="0"/>
+                </a:rPr>
+                <a:t>Invoice</a:t>
+              </a:r>
+            </a:p>
+          </p:txBody>
+        </p:sp>
+        <p:sp>
+          <p:nvSpPr>
+            <p:cNvPr id="18" name="AutoShape 38"/>
+            <p:cNvSpPr>
+              <a:spLocks noChangeArrowheads="1"/>
+            </p:cNvSpPr>
+            <p:nvPr/>
+          </p:nvSpPr>
+          <p:spPr bwMode="auto">
+            <a:xfrm>
+              <a:off x="2557463" y="1390650"/>
+              <a:ext cx="914400" cy="304800"/>
+            </a:xfrm>
+            <a:prstGeom prst="flowChartDocument">
+              <a:avLst/>
+            </a:prstGeom>
+            <a:noFill/>
+            <a:ln w="9525">
+              <a:solidFill>
+                <a:schemeClr val="tx1"/>
+              </a:solidFill>
+              <a:miter lim="800000"/>
+              <a:headEnd/>
+              <a:tailEnd/>
+            </a:ln>
+          </p:spPr>
+          <p:txBody>
+            <a:bodyPr wrap="none" anchor="ctr"/>
+            <a:lstStyle>
+              <a:lvl1pPr>
+                <a:spcBef>
+                  <a:spcPct val="20000"/>
+                </a:spcBef>
+                <a:buChar char="•"/>
+                <a:defRPr sz="3200">
+                  <a:solidFill>
+                    <a:schemeClr val="tx1"/>
+                  </a:solidFill>
+                  <a:latin typeface="Arial" panose="020B0604020202020204" pitchFamily="34" charset="0"/>
+                  <a:cs typeface="Arial" panose="020B0604020202020204" pitchFamily="34" charset="0"/>
+                </a:defRPr>
+              </a:lvl1pPr>
+              <a:lvl2pPr marL="742950" indent="-285750">
+                <a:spcBef>
+                  <a:spcPct val="20000"/>
+                </a:spcBef>
+                <a:buChar char="–"/>
+                <a:defRPr sz="2800">
+                  <a:solidFill>
+                    <a:schemeClr val="tx1"/>
+                  </a:solidFill>
+                  <a:latin typeface="Arial" panose="020B0604020202020204" pitchFamily="34" charset="0"/>
+                  <a:cs typeface="Arial" panose="020B0604020202020204" pitchFamily="34" charset="0"/>
+                </a:defRPr>
+              </a:lvl2pPr>
+              <a:lvl3pPr marL="1143000" indent="-228600">
+                <a:spcBef>
+                  <a:spcPct val="20000"/>
+                </a:spcBef>
+                <a:buChar char="•"/>
+                <a:defRPr sz="2400">
+                  <a:solidFill>
+                    <a:schemeClr val="tx1"/>
+                  </a:solidFill>
+                  <a:latin typeface="Arial" panose="020B0604020202020204" pitchFamily="34" charset="0"/>
+                  <a:cs typeface="Arial" panose="020B0604020202020204" pitchFamily="34" charset="0"/>
+                </a:defRPr>
+              </a:lvl3pPr>
+              <a:lvl4pPr marL="1600200" indent="-228600">
+                <a:spcBef>
+                  <a:spcPct val="20000"/>
+                </a:spcBef>
+                <a:buChar char="–"/>
+                <a:defRPr sz="2000">
+                  <a:solidFill>
+                    <a:schemeClr val="tx1"/>
+                  </a:solidFill>
+                  <a:latin typeface="Arial" panose="020B0604020202020204" pitchFamily="34" charset="0"/>
+                  <a:cs typeface="Arial" panose="020B0604020202020204" pitchFamily="34" charset="0"/>
+                </a:defRPr>
+              </a:lvl4pPr>
+              <a:lvl5pPr marL="2057400" indent="-228600">
+                <a:spcBef>
+                  <a:spcPct val="20000"/>
+                </a:spcBef>
+                <a:buChar char="»"/>
+                <a:defRPr sz="2000">
+                  <a:solidFill>
+                    <a:schemeClr val="tx1"/>
+                  </a:solidFill>
+                  <a:latin typeface="Arial" panose="020B0604020202020204" pitchFamily="34" charset="0"/>
+                  <a:cs typeface="Arial" panose="020B0604020202020204" pitchFamily="34" charset="0"/>
+                </a:defRPr>
+              </a:lvl5pPr>
+              <a:lvl6pPr marL="2514600" indent="-228600" eaLnBrk="0" fontAlgn="base" hangingPunct="0">
+                <a:spcBef>
+                  <a:spcPct val="20000"/>
+                </a:spcBef>
+                <a:spcAft>
+                  <a:spcPct val="0"/>
+                </a:spcAft>
+                <a:buChar char="»"/>
+                <a:defRPr sz="2000">
+                  <a:solidFill>
+                    <a:schemeClr val="tx1"/>
+                  </a:solidFill>
+                  <a:latin typeface="Arial" panose="020B0604020202020204" pitchFamily="34" charset="0"/>
+                  <a:cs typeface="Arial" panose="020B0604020202020204" pitchFamily="34" charset="0"/>
+                </a:defRPr>
+              </a:lvl6pPr>
+              <a:lvl7pPr marL="2971800" indent="-228600" eaLnBrk="0" fontAlgn="base" hangingPunct="0">
+                <a:spcBef>
+                  <a:spcPct val="20000"/>
+                </a:spcBef>
+                <a:spcAft>
+                  <a:spcPct val="0"/>
+                </a:spcAft>
+                <a:buChar char="»"/>
+                <a:defRPr sz="2000">
+                  <a:solidFill>
+                    <a:schemeClr val="tx1"/>
+                  </a:solidFill>
+                  <a:latin typeface="Arial" panose="020B0604020202020204" pitchFamily="34" charset="0"/>
+                  <a:cs typeface="Arial" panose="020B0604020202020204" pitchFamily="34" charset="0"/>
+                </a:defRPr>
+              </a:lvl7pPr>
+              <a:lvl8pPr marL="3429000" indent="-228600" eaLnBrk="0" fontAlgn="base" hangingPunct="0">
+                <a:spcBef>
+                  <a:spcPct val="20000"/>
+                </a:spcBef>
+                <a:spcAft>
+                  <a:spcPct val="0"/>
+                </a:spcAft>
+                <a:buChar char="»"/>
+                <a:defRPr sz="2000">
+                  <a:solidFill>
+                    <a:schemeClr val="tx1"/>
+                  </a:solidFill>
+                  <a:latin typeface="Arial" panose="020B0604020202020204" pitchFamily="34" charset="0"/>
+                  <a:cs typeface="Arial" panose="020B0604020202020204" pitchFamily="34" charset="0"/>
+                </a:defRPr>
+              </a:lvl8pPr>
+              <a:lvl9pPr marL="3886200" indent="-228600" eaLnBrk="0" fontAlgn="base" hangingPunct="0">
+                <a:spcBef>
+                  <a:spcPct val="20000"/>
+                </a:spcBef>
+                <a:spcAft>
+                  <a:spcPct val="0"/>
+                </a:spcAft>
+                <a:buChar char="»"/>
+                <a:defRPr sz="2000">
+                  <a:solidFill>
+                    <a:schemeClr val="tx1"/>
+                  </a:solidFill>
+                  <a:latin typeface="Arial" panose="020B0604020202020204" pitchFamily="34" charset="0"/>
+                  <a:cs typeface="Arial" panose="020B0604020202020204" pitchFamily="34" charset="0"/>
+                </a:defRPr>
+              </a:lvl9pPr>
+            </a:lstStyle>
+            <a:p>
+              <a:pPr algn="ctr" eaLnBrk="1" hangingPunct="1">
+                <a:spcBef>
+                  <a:spcPct val="0"/>
+                </a:spcBef>
+                <a:buFontTx/>
+                <a:buNone/>
+              </a:pPr>
+              <a:r>
+                <a:rPr lang="en-US" altLang="en-US" sz="1200">
+                  <a:latin typeface="Calibri" panose="020F0502020204030204" pitchFamily="34" charset="0"/>
+                </a:rPr>
+                <a:t>Invoice</a:t>
+              </a:r>
+            </a:p>
+          </p:txBody>
+        </p:sp>
+        <p:sp>
+          <p:nvSpPr>
+            <p:cNvPr id="19" name="AutoShape 40"/>
+            <p:cNvSpPr>
+              <a:spLocks noChangeArrowheads="1"/>
+            </p:cNvSpPr>
+            <p:nvPr/>
+          </p:nvSpPr>
+          <p:spPr bwMode="auto">
+            <a:xfrm>
+              <a:off x="269875" y="1263650"/>
+              <a:ext cx="304800" cy="152400"/>
+            </a:xfrm>
+            <a:prstGeom prst="rightArrow">
+              <a:avLst>
+                <a:gd name="adj1" fmla="val 50000"/>
+                <a:gd name="adj2" fmla="val 50000"/>
+              </a:avLst>
+            </a:prstGeom>
+            <a:noFill/>
+            <a:ln w="9525">
+              <a:solidFill>
+                <a:schemeClr val="tx1"/>
+              </a:solidFill>
+              <a:miter lim="800000"/>
+              <a:headEnd/>
+              <a:tailEnd/>
+            </a:ln>
+          </p:spPr>
+          <p:txBody>
+            <a:bodyPr wrap="none" anchor="ctr"/>
+            <a:lstStyle>
+              <a:lvl1pPr>
+                <a:spcBef>
+                  <a:spcPct val="20000"/>
+                </a:spcBef>
+                <a:buChar char="•"/>
+                <a:defRPr sz="3200">
+                  <a:solidFill>
+                    <a:schemeClr val="tx1"/>
+                  </a:solidFill>
+                  <a:latin typeface="Arial" panose="020B0604020202020204" pitchFamily="34" charset="0"/>
+                  <a:cs typeface="Arial" panose="020B0604020202020204" pitchFamily="34" charset="0"/>
+                </a:defRPr>
+              </a:lvl1pPr>
+              <a:lvl2pPr marL="742950" indent="-285750">
+                <a:spcBef>
+                  <a:spcPct val="20000"/>
+                </a:spcBef>
+                <a:buChar char="–"/>
+                <a:defRPr sz="2800">
+                  <a:solidFill>
+                    <a:schemeClr val="tx1"/>
+                  </a:solidFill>
+                  <a:latin typeface="Arial" panose="020B0604020202020204" pitchFamily="34" charset="0"/>
+                  <a:cs typeface="Arial" panose="020B0604020202020204" pitchFamily="34" charset="0"/>
+                </a:defRPr>
+              </a:lvl2pPr>
+              <a:lvl3pPr marL="1143000" indent="-228600">
+                <a:spcBef>
+                  <a:spcPct val="20000"/>
+                </a:spcBef>
+                <a:buChar char="•"/>
+                <a:defRPr sz="2400">
+                  <a:solidFill>
+                    <a:schemeClr val="tx1"/>
+                  </a:solidFill>
+                  <a:latin typeface="Arial" panose="020B0604020202020204" pitchFamily="34" charset="0"/>
+                  <a:cs typeface="Arial" panose="020B0604020202020204" pitchFamily="34" charset="0"/>
+                </a:defRPr>
+              </a:lvl3pPr>
+              <a:lvl4pPr marL="1600200" indent="-228600">
+                <a:spcBef>
+                  <a:spcPct val="20000"/>
+                </a:spcBef>
+                <a:buChar char="–"/>
+                <a:defRPr sz="2000">
+                  <a:solidFill>
+                    <a:schemeClr val="tx1"/>
+                  </a:solidFill>
+                  <a:latin typeface="Arial" panose="020B0604020202020204" pitchFamily="34" charset="0"/>
+                  <a:cs typeface="Arial" panose="020B0604020202020204" pitchFamily="34" charset="0"/>
+                </a:defRPr>
+              </a:lvl4pPr>
+              <a:lvl5pPr marL="2057400" indent="-228600">
+                <a:spcBef>
+                  <a:spcPct val="20000"/>
+                </a:spcBef>
+                <a:buChar char="»"/>
+                <a:defRPr sz="2000">
+                  <a:solidFill>
+                    <a:schemeClr val="tx1"/>
+                  </a:solidFill>
+                  <a:latin typeface="Arial" panose="020B0604020202020204" pitchFamily="34" charset="0"/>
+                  <a:cs typeface="Arial" panose="020B0604020202020204" pitchFamily="34" charset="0"/>
+                </a:defRPr>
+              </a:lvl5pPr>
+              <a:lvl6pPr marL="2514600" indent="-228600" eaLnBrk="0" fontAlgn="base" hangingPunct="0">
+                <a:spcBef>
+                  <a:spcPct val="20000"/>
+                </a:spcBef>
+                <a:spcAft>
+                  <a:spcPct val="0"/>
+                </a:spcAft>
+                <a:buChar char="»"/>
+                <a:defRPr sz="2000">
+                  <a:solidFill>
+                    <a:schemeClr val="tx1"/>
+                  </a:solidFill>
+                  <a:latin typeface="Arial" panose="020B0604020202020204" pitchFamily="34" charset="0"/>
+                  <a:cs typeface="Arial" panose="020B0604020202020204" pitchFamily="34" charset="0"/>
+                </a:defRPr>
+              </a:lvl6pPr>
+              <a:lvl7pPr marL="2971800" indent="-228600" eaLnBrk="0" fontAlgn="base" hangingPunct="0">
+                <a:spcBef>
+                  <a:spcPct val="20000"/>
+                </a:spcBef>
+                <a:spcAft>
+                  <a:spcPct val="0"/>
+                </a:spcAft>
+                <a:buChar char="»"/>
+                <a:defRPr sz="2000">
+                  <a:solidFill>
+                    <a:schemeClr val="tx1"/>
+                  </a:solidFill>
+                  <a:latin typeface="Arial" panose="020B0604020202020204" pitchFamily="34" charset="0"/>
+                  <a:cs typeface="Arial" panose="020B0604020202020204" pitchFamily="34" charset="0"/>
+                </a:defRPr>
+              </a:lvl7pPr>
+              <a:lvl8pPr marL="3429000" indent="-228600" eaLnBrk="0" fontAlgn="base" hangingPunct="0">
+                <a:spcBef>
+                  <a:spcPct val="20000"/>
+                </a:spcBef>
+                <a:spcAft>
+                  <a:spcPct val="0"/>
+                </a:spcAft>
+                <a:buChar char="»"/>
+                <a:defRPr sz="2000">
+                  <a:solidFill>
+                    <a:schemeClr val="tx1"/>
+                  </a:solidFill>
+                  <a:latin typeface="Arial" panose="020B0604020202020204" pitchFamily="34" charset="0"/>
+                  <a:cs typeface="Arial" panose="020B0604020202020204" pitchFamily="34" charset="0"/>
+                </a:defRPr>
+              </a:lvl8pPr>
+              <a:lvl9pPr marL="3886200" indent="-228600" eaLnBrk="0" fontAlgn="base" hangingPunct="0">
+                <a:spcBef>
+                  <a:spcPct val="20000"/>
+                </a:spcBef>
+                <a:spcAft>
+                  <a:spcPct val="0"/>
+                </a:spcAft>
+                <a:buChar char="»"/>
+                <a:defRPr sz="2000">
+                  <a:solidFill>
+                    <a:schemeClr val="tx1"/>
+                  </a:solidFill>
+                  <a:latin typeface="Arial" panose="020B0604020202020204" pitchFamily="34" charset="0"/>
+                  <a:cs typeface="Arial" panose="020B0604020202020204" pitchFamily="34" charset="0"/>
+                </a:defRPr>
+              </a:lvl9pPr>
+            </a:lstStyle>
+            <a:p>
+              <a:pPr eaLnBrk="1" hangingPunct="1">
+                <a:spcBef>
+                  <a:spcPct val="0"/>
+                </a:spcBef>
+                <a:buFontTx/>
+                <a:buNone/>
+              </a:pPr>
+              <a:endParaRPr lang="en-US" altLang="en-US" sz="1800"/>
+            </a:p>
+          </p:txBody>
+        </p:sp>
+        <p:sp>
+          <p:nvSpPr>
+            <p:cNvPr id="20" name="Text Box 41"/>
+            <p:cNvSpPr txBox="1">
+              <a:spLocks noChangeArrowheads="1"/>
+            </p:cNvSpPr>
+            <p:nvPr/>
+          </p:nvSpPr>
+          <p:spPr bwMode="auto">
+            <a:xfrm>
+              <a:off x="574675" y="1198563"/>
+              <a:ext cx="1143000" cy="274637"/>
+            </a:xfrm>
+            <a:prstGeom prst="rect">
+              <a:avLst/>
+            </a:prstGeom>
+            <a:noFill/>
+            <a:ln>
+              <a:noFill/>
+            </a:ln>
+            <a:extLst>
+              <a:ext uri="{909E8E84-426E-40DD-AFC4-6F175D3DCCD1}">
+                <a14:hiddenFill xmlns:a14="http://schemas.microsoft.com/office/drawing/2010/main">
+                  <a:solidFill>
+                    <a:srgbClr val="FFFFFF"/>
+                  </a:solidFill>
+                </a14:hiddenFill>
+              </a:ext>
+              <a:ext uri="{91240B29-F687-4F45-9708-019B960494DF}">
+                <a14:hiddenLine xmlns:a14="http://schemas.microsoft.com/office/drawing/2010/main" w="9525">
+                  <a:solidFill>
+                    <a:srgbClr val="000000"/>
+                  </a:solidFill>
+                  <a:miter lim="800000"/>
+                  <a:headEnd/>
+                  <a:tailEnd/>
+                </a14:hiddenLine>
+              </a:ext>
+            </a:extLst>
+          </p:spPr>
+          <p:txBody>
+            <a:bodyPr>
+              <a:spAutoFit/>
+            </a:bodyPr>
+            <a:lstStyle>
+              <a:lvl1pPr>
+                <a:spcBef>
+                  <a:spcPct val="20000"/>
+                </a:spcBef>
+                <a:buChar char="•"/>
+                <a:defRPr sz="3200">
+                  <a:solidFill>
+                    <a:schemeClr val="tx1"/>
+                  </a:solidFill>
+                  <a:latin typeface="Arial" panose="020B0604020202020204" pitchFamily="34" charset="0"/>
+                  <a:cs typeface="Arial" panose="020B0604020202020204" pitchFamily="34" charset="0"/>
+                </a:defRPr>
+              </a:lvl1pPr>
+              <a:lvl2pPr marL="742950" indent="-285750">
+                <a:spcBef>
+                  <a:spcPct val="20000"/>
+                </a:spcBef>
+                <a:buChar char="–"/>
+                <a:defRPr sz="2800">
+                  <a:solidFill>
+                    <a:schemeClr val="tx1"/>
+                  </a:solidFill>
+                  <a:latin typeface="Arial" panose="020B0604020202020204" pitchFamily="34" charset="0"/>
+                  <a:cs typeface="Arial" panose="020B0604020202020204" pitchFamily="34" charset="0"/>
+                </a:defRPr>
+              </a:lvl2pPr>
+              <a:lvl3pPr marL="1143000" indent="-228600">
+                <a:spcBef>
+                  <a:spcPct val="20000"/>
+                </a:spcBef>
+                <a:buChar char="•"/>
+                <a:defRPr sz="2400">
+                  <a:solidFill>
+                    <a:schemeClr val="tx1"/>
+                  </a:solidFill>
+                  <a:latin typeface="Arial" panose="020B0604020202020204" pitchFamily="34" charset="0"/>
+                  <a:cs typeface="Arial" panose="020B0604020202020204" pitchFamily="34" charset="0"/>
+                </a:defRPr>
+              </a:lvl3pPr>
+              <a:lvl4pPr marL="1600200" indent="-228600">
+                <a:spcBef>
+                  <a:spcPct val="20000"/>
+                </a:spcBef>
+                <a:buChar char="–"/>
+                <a:defRPr sz="2000">
+                  <a:solidFill>
+                    <a:schemeClr val="tx1"/>
+                  </a:solidFill>
+                  <a:latin typeface="Arial" panose="020B0604020202020204" pitchFamily="34" charset="0"/>
+                  <a:cs typeface="Arial" panose="020B0604020202020204" pitchFamily="34" charset="0"/>
+                </a:defRPr>
+              </a:lvl4pPr>
+              <a:lvl5pPr marL="2057400" indent="-228600">
+                <a:spcBef>
+                  <a:spcPct val="20000"/>
+                </a:spcBef>
+                <a:buChar char="»"/>
+                <a:defRPr sz="2000">
+                  <a:solidFill>
+                    <a:schemeClr val="tx1"/>
+                  </a:solidFill>
+                  <a:latin typeface="Arial" panose="020B0604020202020204" pitchFamily="34" charset="0"/>
+                  <a:cs typeface="Arial" panose="020B0604020202020204" pitchFamily="34" charset="0"/>
+                </a:defRPr>
+              </a:lvl5pPr>
+              <a:lvl6pPr marL="2514600" indent="-228600" eaLnBrk="0" fontAlgn="base" hangingPunct="0">
+                <a:spcBef>
+                  <a:spcPct val="20000"/>
+                </a:spcBef>
+                <a:spcAft>
+                  <a:spcPct val="0"/>
+                </a:spcAft>
+                <a:buChar char="»"/>
+                <a:defRPr sz="2000">
+                  <a:solidFill>
+                    <a:schemeClr val="tx1"/>
+                  </a:solidFill>
+                  <a:latin typeface="Arial" panose="020B0604020202020204" pitchFamily="34" charset="0"/>
+                  <a:cs typeface="Arial" panose="020B0604020202020204" pitchFamily="34" charset="0"/>
+                </a:defRPr>
+              </a:lvl6pPr>
+              <a:lvl7pPr marL="2971800" indent="-228600" eaLnBrk="0" fontAlgn="base" hangingPunct="0">
+                <a:spcBef>
+                  <a:spcPct val="20000"/>
+                </a:spcBef>
+                <a:spcAft>
+                  <a:spcPct val="0"/>
+                </a:spcAft>
+                <a:buChar char="»"/>
+                <a:defRPr sz="2000">
+                  <a:solidFill>
+                    <a:schemeClr val="tx1"/>
+                  </a:solidFill>
+                  <a:latin typeface="Arial" panose="020B0604020202020204" pitchFamily="34" charset="0"/>
+                  <a:cs typeface="Arial" panose="020B0604020202020204" pitchFamily="34" charset="0"/>
+                </a:defRPr>
+              </a:lvl7pPr>
+              <a:lvl8pPr marL="3429000" indent="-228600" eaLnBrk="0" fontAlgn="base" hangingPunct="0">
+                <a:spcBef>
+                  <a:spcPct val="20000"/>
+                </a:spcBef>
+                <a:spcAft>
+                  <a:spcPct val="0"/>
+                </a:spcAft>
+                <a:buChar char="»"/>
+                <a:defRPr sz="2000">
+                  <a:solidFill>
+                    <a:schemeClr val="tx1"/>
+                  </a:solidFill>
+                  <a:latin typeface="Arial" panose="020B0604020202020204" pitchFamily="34" charset="0"/>
+                  <a:cs typeface="Arial" panose="020B0604020202020204" pitchFamily="34" charset="0"/>
+                </a:defRPr>
+              </a:lvl8pPr>
+              <a:lvl9pPr marL="3886200" indent="-228600" eaLnBrk="0" fontAlgn="base" hangingPunct="0">
+                <a:spcBef>
+                  <a:spcPct val="20000"/>
+                </a:spcBef>
+                <a:spcAft>
+                  <a:spcPct val="0"/>
+                </a:spcAft>
+                <a:buChar char="»"/>
+                <a:defRPr sz="2000">
+                  <a:solidFill>
+                    <a:schemeClr val="tx1"/>
+                  </a:solidFill>
+                  <a:latin typeface="Arial" panose="020B0604020202020204" pitchFamily="34" charset="0"/>
+                  <a:cs typeface="Arial" panose="020B0604020202020204" pitchFamily="34" charset="0"/>
+                </a:defRPr>
+              </a:lvl9pPr>
+            </a:lstStyle>
+            <a:p>
+              <a:pPr eaLnBrk="1" hangingPunct="1">
+                <a:spcBef>
+                  <a:spcPct val="50000"/>
+                </a:spcBef>
+                <a:buFontTx/>
+                <a:buNone/>
+              </a:pPr>
+              <a:r>
+                <a:rPr lang="en-US" altLang="en-US" sz="1200">
+                  <a:latin typeface="Calibri" panose="020F0502020204030204" pitchFamily="34" charset="0"/>
+                </a:rPr>
+                <a:t>creates entity</a:t>
+              </a:r>
+            </a:p>
+          </p:txBody>
+        </p:sp>
+        <p:sp>
+          <p:nvSpPr>
+            <p:cNvPr id="21" name="Line 42"/>
+            <p:cNvSpPr>
+              <a:spLocks noChangeShapeType="1"/>
+            </p:cNvSpPr>
+            <p:nvPr/>
+          </p:nvSpPr>
+          <p:spPr bwMode="auto">
+            <a:xfrm>
+              <a:off x="269875" y="1546225"/>
+              <a:ext cx="304800" cy="0"/>
+            </a:xfrm>
+            <a:prstGeom prst="line">
+              <a:avLst/>
+            </a:prstGeom>
+            <a:noFill/>
+            <a:ln w="9525">
+              <a:solidFill>
+                <a:schemeClr val="tx1"/>
+              </a:solidFill>
+              <a:round/>
+              <a:headEnd/>
+              <a:tailEnd type="triangle" w="med" len="med"/>
+            </a:ln>
+            <a:extLst>
+              <a:ext uri="{909E8E84-426E-40DD-AFC4-6F175D3DCCD1}">
+                <a14:hiddenFill xmlns:a14="http://schemas.microsoft.com/office/drawing/2010/main">
+                  <a:noFill/>
+                </a14:hiddenFill>
+              </a:ext>
+            </a:extLst>
+          </p:spPr>
+          <p:txBody>
+            <a:bodyPr/>
+            <a:lstStyle/>
+            <a:p>
+              <a:endParaRPr lang="en-US"/>
+            </a:p>
+          </p:txBody>
+        </p:sp>
+        <p:sp>
+          <p:nvSpPr>
+            <p:cNvPr id="22" name="Text Box 43"/>
+            <p:cNvSpPr txBox="1">
+              <a:spLocks noChangeArrowheads="1"/>
+            </p:cNvSpPr>
+            <p:nvPr/>
+          </p:nvSpPr>
+          <p:spPr bwMode="auto">
+            <a:xfrm>
+              <a:off x="574675" y="1393825"/>
+              <a:ext cx="1143000" cy="274638"/>
+            </a:xfrm>
+            <a:prstGeom prst="rect">
+              <a:avLst/>
+            </a:prstGeom>
+            <a:noFill/>
+            <a:ln>
+              <a:noFill/>
+            </a:ln>
+            <a:extLst>
+              <a:ext uri="{909E8E84-426E-40DD-AFC4-6F175D3DCCD1}">
+                <a14:hiddenFill xmlns:a14="http://schemas.microsoft.com/office/drawing/2010/main">
+                  <a:solidFill>
+                    <a:srgbClr val="FFFFFF"/>
+                  </a:solidFill>
+                </a14:hiddenFill>
+              </a:ext>
+              <a:ext uri="{91240B29-F687-4F45-9708-019B960494DF}">
+                <a14:hiddenLine xmlns:a14="http://schemas.microsoft.com/office/drawing/2010/main" w="9525">
+                  <a:solidFill>
+                    <a:srgbClr val="000000"/>
+                  </a:solidFill>
+                  <a:miter lim="800000"/>
+                  <a:headEnd/>
+                  <a:tailEnd/>
+                </a14:hiddenLine>
+              </a:ext>
+            </a:extLst>
+          </p:spPr>
+          <p:txBody>
+            <a:bodyPr>
+              <a:spAutoFit/>
+            </a:bodyPr>
+            <a:lstStyle>
+              <a:lvl1pPr>
+                <a:spcBef>
+                  <a:spcPct val="20000"/>
+                </a:spcBef>
+                <a:buChar char="•"/>
+                <a:defRPr sz="3200">
+                  <a:solidFill>
+                    <a:schemeClr val="tx1"/>
+                  </a:solidFill>
+                  <a:latin typeface="Arial" panose="020B0604020202020204" pitchFamily="34" charset="0"/>
+                  <a:cs typeface="Arial" panose="020B0604020202020204" pitchFamily="34" charset="0"/>
+                </a:defRPr>
+              </a:lvl1pPr>
+              <a:lvl2pPr marL="742950" indent="-285750">
+                <a:spcBef>
+                  <a:spcPct val="20000"/>
+                </a:spcBef>
+                <a:buChar char="–"/>
+                <a:defRPr sz="2800">
+                  <a:solidFill>
+                    <a:schemeClr val="tx1"/>
+                  </a:solidFill>
+                  <a:latin typeface="Arial" panose="020B0604020202020204" pitchFamily="34" charset="0"/>
+                  <a:cs typeface="Arial" panose="020B0604020202020204" pitchFamily="34" charset="0"/>
+                </a:defRPr>
+              </a:lvl2pPr>
+              <a:lvl3pPr marL="1143000" indent="-228600">
+                <a:spcBef>
+                  <a:spcPct val="20000"/>
+                </a:spcBef>
+                <a:buChar char="•"/>
+                <a:defRPr sz="2400">
+                  <a:solidFill>
+                    <a:schemeClr val="tx1"/>
+                  </a:solidFill>
+                  <a:latin typeface="Arial" panose="020B0604020202020204" pitchFamily="34" charset="0"/>
+                  <a:cs typeface="Arial" panose="020B0604020202020204" pitchFamily="34" charset="0"/>
+                </a:defRPr>
+              </a:lvl3pPr>
+              <a:lvl4pPr marL="1600200" indent="-228600">
+                <a:spcBef>
+                  <a:spcPct val="20000"/>
+                </a:spcBef>
+                <a:buChar char="–"/>
+                <a:defRPr sz="2000">
+                  <a:solidFill>
+                    <a:schemeClr val="tx1"/>
+                  </a:solidFill>
+                  <a:latin typeface="Arial" panose="020B0604020202020204" pitchFamily="34" charset="0"/>
+                  <a:cs typeface="Arial" panose="020B0604020202020204" pitchFamily="34" charset="0"/>
+                </a:defRPr>
+              </a:lvl4pPr>
+              <a:lvl5pPr marL="2057400" indent="-228600">
+                <a:spcBef>
+                  <a:spcPct val="20000"/>
+                </a:spcBef>
+                <a:buChar char="»"/>
+                <a:defRPr sz="2000">
+                  <a:solidFill>
+                    <a:schemeClr val="tx1"/>
+                  </a:solidFill>
+                  <a:latin typeface="Arial" panose="020B0604020202020204" pitchFamily="34" charset="0"/>
+                  <a:cs typeface="Arial" panose="020B0604020202020204" pitchFamily="34" charset="0"/>
+                </a:defRPr>
+              </a:lvl5pPr>
+              <a:lvl6pPr marL="2514600" indent="-228600" eaLnBrk="0" fontAlgn="base" hangingPunct="0">
+                <a:spcBef>
+                  <a:spcPct val="20000"/>
+                </a:spcBef>
+                <a:spcAft>
+                  <a:spcPct val="0"/>
+                </a:spcAft>
+                <a:buChar char="»"/>
+                <a:defRPr sz="2000">
+                  <a:solidFill>
+                    <a:schemeClr val="tx1"/>
+                  </a:solidFill>
+                  <a:latin typeface="Arial" panose="020B0604020202020204" pitchFamily="34" charset="0"/>
+                  <a:cs typeface="Arial" panose="020B0604020202020204" pitchFamily="34" charset="0"/>
+                </a:defRPr>
+              </a:lvl6pPr>
+              <a:lvl7pPr marL="2971800" indent="-228600" eaLnBrk="0" fontAlgn="base" hangingPunct="0">
+                <a:spcBef>
+                  <a:spcPct val="20000"/>
+                </a:spcBef>
+                <a:spcAft>
+                  <a:spcPct val="0"/>
+                </a:spcAft>
+                <a:buChar char="»"/>
+                <a:defRPr sz="2000">
+                  <a:solidFill>
+                    <a:schemeClr val="tx1"/>
+                  </a:solidFill>
+                  <a:latin typeface="Arial" panose="020B0604020202020204" pitchFamily="34" charset="0"/>
+                  <a:cs typeface="Arial" panose="020B0604020202020204" pitchFamily="34" charset="0"/>
+                </a:defRPr>
+              </a:lvl7pPr>
+              <a:lvl8pPr marL="3429000" indent="-228600" eaLnBrk="0" fontAlgn="base" hangingPunct="0">
+                <a:spcBef>
+                  <a:spcPct val="20000"/>
+                </a:spcBef>
+                <a:spcAft>
+                  <a:spcPct val="0"/>
+                </a:spcAft>
+                <a:buChar char="»"/>
+                <a:defRPr sz="2000">
+                  <a:solidFill>
+                    <a:schemeClr val="tx1"/>
+                  </a:solidFill>
+                  <a:latin typeface="Arial" panose="020B0604020202020204" pitchFamily="34" charset="0"/>
+                  <a:cs typeface="Arial" panose="020B0604020202020204" pitchFamily="34" charset="0"/>
+                </a:defRPr>
+              </a:lvl8pPr>
+              <a:lvl9pPr marL="3886200" indent="-228600" eaLnBrk="0" fontAlgn="base" hangingPunct="0">
+                <a:spcBef>
+                  <a:spcPct val="20000"/>
+                </a:spcBef>
+                <a:spcAft>
+                  <a:spcPct val="0"/>
+                </a:spcAft>
+                <a:buChar char="»"/>
+                <a:defRPr sz="2000">
+                  <a:solidFill>
+                    <a:schemeClr val="tx1"/>
+                  </a:solidFill>
+                  <a:latin typeface="Arial" panose="020B0604020202020204" pitchFamily="34" charset="0"/>
+                  <a:cs typeface="Arial" panose="020B0604020202020204" pitchFamily="34" charset="0"/>
+                </a:defRPr>
+              </a:lvl9pPr>
+            </a:lstStyle>
+            <a:p>
+              <a:pPr eaLnBrk="1" hangingPunct="1">
+                <a:spcBef>
+                  <a:spcPct val="50000"/>
+                </a:spcBef>
+                <a:buFontTx/>
+                <a:buNone/>
+              </a:pPr>
+              <a:r>
+                <a:rPr lang="en-US" altLang="en-US" sz="1200">
+                  <a:latin typeface="Calibri" panose="020F0502020204030204" pitchFamily="34" charset="0"/>
+                </a:rPr>
+                <a:t>reads entity</a:t>
+              </a:r>
+            </a:p>
+          </p:txBody>
+        </p:sp>
+        <p:sp>
+          <p:nvSpPr>
+            <p:cNvPr id="23" name="Rectangle 44"/>
+            <p:cNvSpPr>
+              <a:spLocks noChangeArrowheads="1"/>
+            </p:cNvSpPr>
+            <p:nvPr/>
+          </p:nvSpPr>
+          <p:spPr bwMode="auto">
+            <a:xfrm>
+              <a:off x="161925" y="1209675"/>
+              <a:ext cx="1522413" cy="665163"/>
+            </a:xfrm>
+            <a:prstGeom prst="rect">
+              <a:avLst/>
+            </a:prstGeom>
+            <a:noFill/>
+            <a:ln w="9525">
+              <a:solidFill>
+                <a:schemeClr val="tx1"/>
+              </a:solidFill>
+              <a:miter lim="800000"/>
+              <a:headEnd/>
+              <a:tailEnd/>
+            </a:ln>
+            <a:extLst>
+              <a:ext uri="{909E8E84-426E-40DD-AFC4-6F175D3DCCD1}">
+                <a14:hiddenFill xmlns:a14="http://schemas.microsoft.com/office/drawing/2010/main">
+                  <a:solidFill>
+                    <a:srgbClr val="FFFFFF"/>
+                  </a:solidFill>
+                </a14:hiddenFill>
+              </a:ext>
+            </a:extLst>
+          </p:spPr>
+          <p:txBody>
+            <a:bodyPr wrap="none" anchor="ctr"/>
+            <a:lstStyle>
+              <a:lvl1pPr>
+                <a:spcBef>
+                  <a:spcPct val="20000"/>
+                </a:spcBef>
+                <a:buChar char="•"/>
+                <a:defRPr sz="3200">
+                  <a:solidFill>
+                    <a:schemeClr val="tx1"/>
+                  </a:solidFill>
+                  <a:latin typeface="Arial" panose="020B0604020202020204" pitchFamily="34" charset="0"/>
+                  <a:cs typeface="Arial" panose="020B0604020202020204" pitchFamily="34" charset="0"/>
+                </a:defRPr>
+              </a:lvl1pPr>
+              <a:lvl2pPr marL="742950" indent="-285750">
+                <a:spcBef>
+                  <a:spcPct val="20000"/>
+                </a:spcBef>
+                <a:buChar char="–"/>
+                <a:defRPr sz="2800">
+                  <a:solidFill>
+                    <a:schemeClr val="tx1"/>
+                  </a:solidFill>
+                  <a:latin typeface="Arial" panose="020B0604020202020204" pitchFamily="34" charset="0"/>
+                  <a:cs typeface="Arial" panose="020B0604020202020204" pitchFamily="34" charset="0"/>
+                </a:defRPr>
+              </a:lvl2pPr>
+              <a:lvl3pPr marL="1143000" indent="-228600">
+                <a:spcBef>
+                  <a:spcPct val="20000"/>
+                </a:spcBef>
+                <a:buChar char="•"/>
+                <a:defRPr sz="2400">
+                  <a:solidFill>
+                    <a:schemeClr val="tx1"/>
+                  </a:solidFill>
+                  <a:latin typeface="Arial" panose="020B0604020202020204" pitchFamily="34" charset="0"/>
+                  <a:cs typeface="Arial" panose="020B0604020202020204" pitchFamily="34" charset="0"/>
+                </a:defRPr>
+              </a:lvl3pPr>
+              <a:lvl4pPr marL="1600200" indent="-228600">
+                <a:spcBef>
+                  <a:spcPct val="20000"/>
+                </a:spcBef>
+                <a:buChar char="–"/>
+                <a:defRPr sz="2000">
+                  <a:solidFill>
+                    <a:schemeClr val="tx1"/>
+                  </a:solidFill>
+                  <a:latin typeface="Arial" panose="020B0604020202020204" pitchFamily="34" charset="0"/>
+                  <a:cs typeface="Arial" panose="020B0604020202020204" pitchFamily="34" charset="0"/>
+                </a:defRPr>
+              </a:lvl4pPr>
+              <a:lvl5pPr marL="2057400" indent="-228600">
+                <a:spcBef>
+                  <a:spcPct val="20000"/>
+                </a:spcBef>
+                <a:buChar char="»"/>
+                <a:defRPr sz="2000">
+                  <a:solidFill>
+                    <a:schemeClr val="tx1"/>
+                  </a:solidFill>
+                  <a:latin typeface="Arial" panose="020B0604020202020204" pitchFamily="34" charset="0"/>
+                  <a:cs typeface="Arial" panose="020B0604020202020204" pitchFamily="34" charset="0"/>
+                </a:defRPr>
+              </a:lvl5pPr>
+              <a:lvl6pPr marL="2514600" indent="-228600" eaLnBrk="0" fontAlgn="base" hangingPunct="0">
+                <a:spcBef>
+                  <a:spcPct val="20000"/>
+                </a:spcBef>
+                <a:spcAft>
+                  <a:spcPct val="0"/>
+                </a:spcAft>
+                <a:buChar char="»"/>
+                <a:defRPr sz="2000">
+                  <a:solidFill>
+                    <a:schemeClr val="tx1"/>
+                  </a:solidFill>
+                  <a:latin typeface="Arial" panose="020B0604020202020204" pitchFamily="34" charset="0"/>
+                  <a:cs typeface="Arial" panose="020B0604020202020204" pitchFamily="34" charset="0"/>
+                </a:defRPr>
+              </a:lvl6pPr>
+              <a:lvl7pPr marL="2971800" indent="-228600" eaLnBrk="0" fontAlgn="base" hangingPunct="0">
+                <a:spcBef>
+                  <a:spcPct val="20000"/>
+                </a:spcBef>
+                <a:spcAft>
+                  <a:spcPct val="0"/>
+                </a:spcAft>
+                <a:buChar char="»"/>
+                <a:defRPr sz="2000">
+                  <a:solidFill>
+                    <a:schemeClr val="tx1"/>
+                  </a:solidFill>
+                  <a:latin typeface="Arial" panose="020B0604020202020204" pitchFamily="34" charset="0"/>
+                  <a:cs typeface="Arial" panose="020B0604020202020204" pitchFamily="34" charset="0"/>
+                </a:defRPr>
+              </a:lvl7pPr>
+              <a:lvl8pPr marL="3429000" indent="-228600" eaLnBrk="0" fontAlgn="base" hangingPunct="0">
+                <a:spcBef>
+                  <a:spcPct val="20000"/>
+                </a:spcBef>
+                <a:spcAft>
+                  <a:spcPct val="0"/>
+                </a:spcAft>
+                <a:buChar char="»"/>
+                <a:defRPr sz="2000">
+                  <a:solidFill>
+                    <a:schemeClr val="tx1"/>
+                  </a:solidFill>
+                  <a:latin typeface="Arial" panose="020B0604020202020204" pitchFamily="34" charset="0"/>
+                  <a:cs typeface="Arial" panose="020B0604020202020204" pitchFamily="34" charset="0"/>
+                </a:defRPr>
+              </a:lvl8pPr>
+              <a:lvl9pPr marL="3886200" indent="-228600" eaLnBrk="0" fontAlgn="base" hangingPunct="0">
+                <a:spcBef>
+                  <a:spcPct val="20000"/>
+                </a:spcBef>
+                <a:spcAft>
+                  <a:spcPct val="0"/>
+                </a:spcAft>
+                <a:buChar char="»"/>
+                <a:defRPr sz="2000">
+                  <a:solidFill>
+                    <a:schemeClr val="tx1"/>
+                  </a:solidFill>
+                  <a:latin typeface="Arial" panose="020B0604020202020204" pitchFamily="34" charset="0"/>
+                  <a:cs typeface="Arial" panose="020B0604020202020204" pitchFamily="34" charset="0"/>
+                </a:defRPr>
+              </a:lvl9pPr>
+            </a:lstStyle>
+            <a:p>
+              <a:pPr eaLnBrk="1" hangingPunct="1">
+                <a:spcBef>
+                  <a:spcPct val="0"/>
+                </a:spcBef>
+                <a:buFontTx/>
+                <a:buNone/>
+              </a:pPr>
+              <a:endParaRPr lang="en-US" altLang="en-US" sz="1800"/>
+            </a:p>
+          </p:txBody>
+        </p:sp>
+        <p:sp>
+          <p:nvSpPr>
+            <p:cNvPr id="24" name="Line 46"/>
+            <p:cNvSpPr>
+              <a:spLocks noChangeShapeType="1"/>
+            </p:cNvSpPr>
+            <p:nvPr/>
+          </p:nvSpPr>
+          <p:spPr bwMode="auto">
+            <a:xfrm>
+              <a:off x="4267200" y="1066800"/>
+              <a:ext cx="0" cy="228600"/>
+            </a:xfrm>
+            <a:prstGeom prst="line">
+              <a:avLst/>
+            </a:prstGeom>
+            <a:noFill/>
+            <a:ln w="9525">
+              <a:solidFill>
+                <a:schemeClr val="tx1"/>
+              </a:solidFill>
+              <a:round/>
+              <a:headEnd/>
+              <a:tailEnd type="triangle" w="med" len="med"/>
+            </a:ln>
+            <a:extLst>
+              <a:ext uri="{909E8E84-426E-40DD-AFC4-6F175D3DCCD1}">
+                <a14:hiddenFill xmlns:a14="http://schemas.microsoft.com/office/drawing/2010/main">
+                  <a:noFill/>
+                </a14:hiddenFill>
+              </a:ext>
+            </a:extLst>
+          </p:spPr>
+          <p:txBody>
+            <a:bodyPr/>
+            <a:lstStyle/>
+            <a:p>
+              <a:endParaRPr lang="en-US"/>
+            </a:p>
+          </p:txBody>
+        </p:sp>
+        <p:sp>
+          <p:nvSpPr>
+            <p:cNvPr id="25" name="AutoShape 47"/>
+            <p:cNvSpPr>
+              <a:spLocks noChangeArrowheads="1"/>
+            </p:cNvSpPr>
+            <p:nvPr/>
+          </p:nvSpPr>
+          <p:spPr bwMode="auto">
+            <a:xfrm>
+              <a:off x="3429000" y="838200"/>
+              <a:ext cx="304800" cy="152400"/>
+            </a:xfrm>
+            <a:prstGeom prst="rightArrow">
+              <a:avLst>
+                <a:gd name="adj1" fmla="val 50000"/>
+                <a:gd name="adj2" fmla="val 50000"/>
+              </a:avLst>
+            </a:prstGeom>
+            <a:noFill/>
+            <a:ln w="9525">
+              <a:solidFill>
+                <a:schemeClr val="tx1"/>
+              </a:solidFill>
+              <a:miter lim="800000"/>
+              <a:headEnd/>
+              <a:tailEnd/>
+            </a:ln>
+          </p:spPr>
+          <p:txBody>
+            <a:bodyPr wrap="none" anchor="ctr"/>
+            <a:lstStyle>
+              <a:lvl1pPr>
+                <a:spcBef>
+                  <a:spcPct val="20000"/>
+                </a:spcBef>
+                <a:buChar char="•"/>
+                <a:defRPr sz="3200">
+                  <a:solidFill>
+                    <a:schemeClr val="tx1"/>
+                  </a:solidFill>
+                  <a:latin typeface="Arial" panose="020B0604020202020204" pitchFamily="34" charset="0"/>
+                  <a:cs typeface="Arial" panose="020B0604020202020204" pitchFamily="34" charset="0"/>
+                </a:defRPr>
+              </a:lvl1pPr>
+              <a:lvl2pPr marL="742950" indent="-285750">
+                <a:spcBef>
+                  <a:spcPct val="20000"/>
+                </a:spcBef>
+                <a:buChar char="–"/>
+                <a:defRPr sz="2800">
+                  <a:solidFill>
+                    <a:schemeClr val="tx1"/>
+                  </a:solidFill>
+                  <a:latin typeface="Arial" panose="020B0604020202020204" pitchFamily="34" charset="0"/>
+                  <a:cs typeface="Arial" panose="020B0604020202020204" pitchFamily="34" charset="0"/>
+                </a:defRPr>
+              </a:lvl2pPr>
+              <a:lvl3pPr marL="1143000" indent="-228600">
+                <a:spcBef>
+                  <a:spcPct val="20000"/>
+                </a:spcBef>
+                <a:buChar char="•"/>
+                <a:defRPr sz="2400">
+                  <a:solidFill>
+                    <a:schemeClr val="tx1"/>
+                  </a:solidFill>
+                  <a:latin typeface="Arial" panose="020B0604020202020204" pitchFamily="34" charset="0"/>
+                  <a:cs typeface="Arial" panose="020B0604020202020204" pitchFamily="34" charset="0"/>
+                </a:defRPr>
+              </a:lvl3pPr>
+              <a:lvl4pPr marL="1600200" indent="-228600">
+                <a:spcBef>
+                  <a:spcPct val="20000"/>
+                </a:spcBef>
+                <a:buChar char="–"/>
+                <a:defRPr sz="2000">
+                  <a:solidFill>
+                    <a:schemeClr val="tx1"/>
+                  </a:solidFill>
+                  <a:latin typeface="Arial" panose="020B0604020202020204" pitchFamily="34" charset="0"/>
+                  <a:cs typeface="Arial" panose="020B0604020202020204" pitchFamily="34" charset="0"/>
+                </a:defRPr>
+              </a:lvl4pPr>
+              <a:lvl5pPr marL="2057400" indent="-228600">
+                <a:spcBef>
+                  <a:spcPct val="20000"/>
+                </a:spcBef>
+                <a:buChar char="»"/>
+                <a:defRPr sz="2000">
+                  <a:solidFill>
+                    <a:schemeClr val="tx1"/>
+                  </a:solidFill>
+                  <a:latin typeface="Arial" panose="020B0604020202020204" pitchFamily="34" charset="0"/>
+                  <a:cs typeface="Arial" panose="020B0604020202020204" pitchFamily="34" charset="0"/>
+                </a:defRPr>
+              </a:lvl5pPr>
+              <a:lvl6pPr marL="2514600" indent="-228600" eaLnBrk="0" fontAlgn="base" hangingPunct="0">
+                <a:spcBef>
+                  <a:spcPct val="20000"/>
+                </a:spcBef>
+                <a:spcAft>
+                  <a:spcPct val="0"/>
+                </a:spcAft>
+                <a:buChar char="»"/>
+                <a:defRPr sz="2000">
+                  <a:solidFill>
+                    <a:schemeClr val="tx1"/>
+                  </a:solidFill>
+                  <a:latin typeface="Arial" panose="020B0604020202020204" pitchFamily="34" charset="0"/>
+                  <a:cs typeface="Arial" panose="020B0604020202020204" pitchFamily="34" charset="0"/>
+                </a:defRPr>
+              </a:lvl6pPr>
+              <a:lvl7pPr marL="2971800" indent="-228600" eaLnBrk="0" fontAlgn="base" hangingPunct="0">
+                <a:spcBef>
+                  <a:spcPct val="20000"/>
+                </a:spcBef>
+                <a:spcAft>
+                  <a:spcPct val="0"/>
+                </a:spcAft>
+                <a:buChar char="»"/>
+                <a:defRPr sz="2000">
+                  <a:solidFill>
+                    <a:schemeClr val="tx1"/>
+                  </a:solidFill>
+                  <a:latin typeface="Arial" panose="020B0604020202020204" pitchFamily="34" charset="0"/>
+                  <a:cs typeface="Arial" panose="020B0604020202020204" pitchFamily="34" charset="0"/>
+                </a:defRPr>
+              </a:lvl7pPr>
+              <a:lvl8pPr marL="3429000" indent="-228600" eaLnBrk="0" fontAlgn="base" hangingPunct="0">
+                <a:spcBef>
+                  <a:spcPct val="20000"/>
+                </a:spcBef>
+                <a:spcAft>
+                  <a:spcPct val="0"/>
+                </a:spcAft>
+                <a:buChar char="»"/>
+                <a:defRPr sz="2000">
+                  <a:solidFill>
+                    <a:schemeClr val="tx1"/>
+                  </a:solidFill>
+                  <a:latin typeface="Arial" panose="020B0604020202020204" pitchFamily="34" charset="0"/>
+                  <a:cs typeface="Arial" panose="020B0604020202020204" pitchFamily="34" charset="0"/>
+                </a:defRPr>
+              </a:lvl8pPr>
+              <a:lvl9pPr marL="3886200" indent="-228600" eaLnBrk="0" fontAlgn="base" hangingPunct="0">
+                <a:spcBef>
+                  <a:spcPct val="20000"/>
+                </a:spcBef>
+                <a:spcAft>
+                  <a:spcPct val="0"/>
+                </a:spcAft>
+                <a:buChar char="»"/>
+                <a:defRPr sz="2000">
+                  <a:solidFill>
+                    <a:schemeClr val="tx1"/>
+                  </a:solidFill>
+                  <a:latin typeface="Arial" panose="020B0604020202020204" pitchFamily="34" charset="0"/>
+                  <a:cs typeface="Arial" panose="020B0604020202020204" pitchFamily="34" charset="0"/>
+                </a:defRPr>
+              </a:lvl9pPr>
+            </a:lstStyle>
+            <a:p>
+              <a:pPr eaLnBrk="1" hangingPunct="1">
+                <a:spcBef>
+                  <a:spcPct val="0"/>
+                </a:spcBef>
+                <a:buFontTx/>
+                <a:buNone/>
+              </a:pPr>
+              <a:endParaRPr lang="en-US" altLang="en-US" sz="1800"/>
+            </a:p>
+          </p:txBody>
+        </p:sp>
+        <p:sp>
+          <p:nvSpPr>
+            <p:cNvPr id="26" name="Text Box 43"/>
+            <p:cNvSpPr txBox="1">
+              <a:spLocks noChangeArrowheads="1"/>
+            </p:cNvSpPr>
+            <p:nvPr/>
+          </p:nvSpPr>
+          <p:spPr bwMode="auto">
+            <a:xfrm>
+              <a:off x="574675" y="1600200"/>
+              <a:ext cx="1143000" cy="274638"/>
+            </a:xfrm>
+            <a:prstGeom prst="rect">
+              <a:avLst/>
+            </a:prstGeom>
+            <a:noFill/>
+            <a:ln>
+              <a:noFill/>
+            </a:ln>
+            <a:extLst>
+              <a:ext uri="{909E8E84-426E-40DD-AFC4-6F175D3DCCD1}">
+                <a14:hiddenFill xmlns:a14="http://schemas.microsoft.com/office/drawing/2010/main">
+                  <a:solidFill>
+                    <a:srgbClr val="FFFFFF"/>
+                  </a:solidFill>
+                </a14:hiddenFill>
+              </a:ext>
+              <a:ext uri="{91240B29-F687-4F45-9708-019B960494DF}">
+                <a14:hiddenLine xmlns:a14="http://schemas.microsoft.com/office/drawing/2010/main" w="9525">
+                  <a:solidFill>
+                    <a:srgbClr val="000000"/>
+                  </a:solidFill>
+                  <a:miter lim="800000"/>
+                  <a:headEnd/>
+                  <a:tailEnd/>
+                </a14:hiddenLine>
+              </a:ext>
+            </a:extLst>
+          </p:spPr>
+          <p:txBody>
+            <a:bodyPr>
+              <a:spAutoFit/>
+            </a:bodyPr>
+            <a:lstStyle>
+              <a:lvl1pPr>
+                <a:spcBef>
+                  <a:spcPct val="20000"/>
+                </a:spcBef>
+                <a:buChar char="•"/>
+                <a:defRPr sz="3200">
+                  <a:solidFill>
+                    <a:schemeClr val="tx1"/>
+                  </a:solidFill>
+                  <a:latin typeface="Arial" panose="020B0604020202020204" pitchFamily="34" charset="0"/>
+                  <a:cs typeface="Arial" panose="020B0604020202020204" pitchFamily="34" charset="0"/>
+                </a:defRPr>
+              </a:lvl1pPr>
+              <a:lvl2pPr marL="742950" indent="-285750">
+                <a:spcBef>
+                  <a:spcPct val="20000"/>
+                </a:spcBef>
+                <a:buChar char="–"/>
+                <a:defRPr sz="2800">
+                  <a:solidFill>
+                    <a:schemeClr val="tx1"/>
+                  </a:solidFill>
+                  <a:latin typeface="Arial" panose="020B0604020202020204" pitchFamily="34" charset="0"/>
+                  <a:cs typeface="Arial" panose="020B0604020202020204" pitchFamily="34" charset="0"/>
+                </a:defRPr>
+              </a:lvl2pPr>
+              <a:lvl3pPr marL="1143000" indent="-228600">
+                <a:spcBef>
+                  <a:spcPct val="20000"/>
+                </a:spcBef>
+                <a:buChar char="•"/>
+                <a:defRPr sz="2400">
+                  <a:solidFill>
+                    <a:schemeClr val="tx1"/>
+                  </a:solidFill>
+                  <a:latin typeface="Arial" panose="020B0604020202020204" pitchFamily="34" charset="0"/>
+                  <a:cs typeface="Arial" panose="020B0604020202020204" pitchFamily="34" charset="0"/>
+                </a:defRPr>
+              </a:lvl3pPr>
+              <a:lvl4pPr marL="1600200" indent="-228600">
+                <a:spcBef>
+                  <a:spcPct val="20000"/>
+                </a:spcBef>
+                <a:buChar char="–"/>
+                <a:defRPr sz="2000">
+                  <a:solidFill>
+                    <a:schemeClr val="tx1"/>
+                  </a:solidFill>
+                  <a:latin typeface="Arial" panose="020B0604020202020204" pitchFamily="34" charset="0"/>
+                  <a:cs typeface="Arial" panose="020B0604020202020204" pitchFamily="34" charset="0"/>
+                </a:defRPr>
+              </a:lvl4pPr>
+              <a:lvl5pPr marL="2057400" indent="-228600">
+                <a:spcBef>
+                  <a:spcPct val="20000"/>
+                </a:spcBef>
+                <a:buChar char="»"/>
+                <a:defRPr sz="2000">
+                  <a:solidFill>
+                    <a:schemeClr val="tx1"/>
+                  </a:solidFill>
+                  <a:latin typeface="Arial" panose="020B0604020202020204" pitchFamily="34" charset="0"/>
+                  <a:cs typeface="Arial" panose="020B0604020202020204" pitchFamily="34" charset="0"/>
+                </a:defRPr>
+              </a:lvl5pPr>
+              <a:lvl6pPr marL="2514600" indent="-228600" eaLnBrk="0" fontAlgn="base" hangingPunct="0">
+                <a:spcBef>
+                  <a:spcPct val="20000"/>
+                </a:spcBef>
+                <a:spcAft>
+                  <a:spcPct val="0"/>
+                </a:spcAft>
+                <a:buChar char="»"/>
+                <a:defRPr sz="2000">
+                  <a:solidFill>
+                    <a:schemeClr val="tx1"/>
+                  </a:solidFill>
+                  <a:latin typeface="Arial" panose="020B0604020202020204" pitchFamily="34" charset="0"/>
+                  <a:cs typeface="Arial" panose="020B0604020202020204" pitchFamily="34" charset="0"/>
+                </a:defRPr>
+              </a:lvl6pPr>
+              <a:lvl7pPr marL="2971800" indent="-228600" eaLnBrk="0" fontAlgn="base" hangingPunct="0">
+                <a:spcBef>
+                  <a:spcPct val="20000"/>
+                </a:spcBef>
+                <a:spcAft>
+                  <a:spcPct val="0"/>
+                </a:spcAft>
+                <a:buChar char="»"/>
+                <a:defRPr sz="2000">
+                  <a:solidFill>
+                    <a:schemeClr val="tx1"/>
+                  </a:solidFill>
+                  <a:latin typeface="Arial" panose="020B0604020202020204" pitchFamily="34" charset="0"/>
+                  <a:cs typeface="Arial" panose="020B0604020202020204" pitchFamily="34" charset="0"/>
+                </a:defRPr>
+              </a:lvl7pPr>
+              <a:lvl8pPr marL="3429000" indent="-228600" eaLnBrk="0" fontAlgn="base" hangingPunct="0">
+                <a:spcBef>
+                  <a:spcPct val="20000"/>
+                </a:spcBef>
+                <a:spcAft>
+                  <a:spcPct val="0"/>
+                </a:spcAft>
+                <a:buChar char="»"/>
+                <a:defRPr sz="2000">
+                  <a:solidFill>
+                    <a:schemeClr val="tx1"/>
+                  </a:solidFill>
+                  <a:latin typeface="Arial" panose="020B0604020202020204" pitchFamily="34" charset="0"/>
+                  <a:cs typeface="Arial" panose="020B0604020202020204" pitchFamily="34" charset="0"/>
+                </a:defRPr>
+              </a:lvl8pPr>
+              <a:lvl9pPr marL="3886200" indent="-228600" eaLnBrk="0" fontAlgn="base" hangingPunct="0">
+                <a:spcBef>
+                  <a:spcPct val="20000"/>
+                </a:spcBef>
+                <a:spcAft>
+                  <a:spcPct val="0"/>
+                </a:spcAft>
+                <a:buChar char="»"/>
+                <a:defRPr sz="2000">
+                  <a:solidFill>
+                    <a:schemeClr val="tx1"/>
+                  </a:solidFill>
+                  <a:latin typeface="Arial" panose="020B0604020202020204" pitchFamily="34" charset="0"/>
+                  <a:cs typeface="Arial" panose="020B0604020202020204" pitchFamily="34" charset="0"/>
+                </a:defRPr>
+              </a:lvl9pPr>
+            </a:lstStyle>
+            <a:p>
+              <a:pPr eaLnBrk="1" hangingPunct="1">
+                <a:spcBef>
+                  <a:spcPct val="50000"/>
+                </a:spcBef>
+                <a:buFontTx/>
+                <a:buNone/>
+              </a:pPr>
+              <a:r>
+                <a:rPr lang="en-US" altLang="en-US" sz="1200">
+                  <a:latin typeface="Calibri" panose="020F0502020204030204" pitchFamily="34" charset="0"/>
+                </a:rPr>
+                <a:t>modifies entity</a:t>
+              </a:r>
+            </a:p>
+          </p:txBody>
+        </p:sp>
+        <p:sp>
+          <p:nvSpPr>
+            <p:cNvPr id="27" name="Line 42"/>
+            <p:cNvSpPr>
+              <a:spLocks noChangeShapeType="1"/>
+            </p:cNvSpPr>
+            <p:nvPr/>
+          </p:nvSpPr>
+          <p:spPr bwMode="auto">
+            <a:xfrm>
+              <a:off x="269875" y="1741488"/>
+              <a:ext cx="304800" cy="0"/>
+            </a:xfrm>
+            <a:prstGeom prst="line">
+              <a:avLst/>
+            </a:prstGeom>
+            <a:noFill/>
+            <a:ln w="9525">
+              <a:solidFill>
+                <a:schemeClr val="tx1"/>
+              </a:solidFill>
+              <a:prstDash val="dash"/>
+              <a:round/>
+              <a:headEnd/>
+              <a:tailEnd type="triangle" w="med" len="med"/>
+            </a:ln>
+            <a:extLst>
+              <a:ext uri="{909E8E84-426E-40DD-AFC4-6F175D3DCCD1}">
+                <a14:hiddenFill xmlns:a14="http://schemas.microsoft.com/office/drawing/2010/main">
+                  <a:noFill/>
+                </a14:hiddenFill>
+              </a:ext>
+            </a:extLst>
+          </p:spPr>
+          <p:txBody>
+            <a:bodyPr/>
+            <a:lstStyle/>
+            <a:p>
+              <a:endParaRPr lang="en-US"/>
+            </a:p>
+          </p:txBody>
+        </p:sp>
+        <p:sp>
+          <p:nvSpPr>
+            <p:cNvPr id="28" name="Line 26"/>
+            <p:cNvSpPr>
+              <a:spLocks noChangeShapeType="1"/>
+            </p:cNvSpPr>
+            <p:nvPr/>
+          </p:nvSpPr>
+          <p:spPr bwMode="auto">
+            <a:xfrm>
+              <a:off x="1793875" y="530225"/>
+              <a:ext cx="0" cy="228600"/>
+            </a:xfrm>
+            <a:prstGeom prst="line">
+              <a:avLst/>
+            </a:prstGeom>
+            <a:noFill/>
+            <a:ln w="9525">
+              <a:solidFill>
+                <a:schemeClr val="tx1"/>
+              </a:solidFill>
+              <a:prstDash val="dash"/>
+              <a:round/>
+              <a:headEnd/>
+              <a:tailEnd type="triangle" w="med" len="med"/>
+            </a:ln>
+            <a:extLst>
+              <a:ext uri="{909E8E84-426E-40DD-AFC4-6F175D3DCCD1}">
+                <a14:hiddenFill xmlns:a14="http://schemas.microsoft.com/office/drawing/2010/main">
+                  <a:noFill/>
+                </a14:hiddenFill>
+              </a:ext>
+            </a:extLst>
+          </p:spPr>
+          <p:txBody>
+            <a:bodyPr/>
+            <a:lstStyle/>
+            <a:p>
+              <a:endParaRPr lang="en-US"/>
+            </a:p>
+          </p:txBody>
+        </p:sp>
+        <p:sp>
+          <p:nvSpPr>
+            <p:cNvPr id="29" name="Line 27"/>
+            <p:cNvSpPr>
+              <a:spLocks noChangeShapeType="1"/>
+            </p:cNvSpPr>
+            <p:nvPr/>
+          </p:nvSpPr>
+          <p:spPr bwMode="auto">
+            <a:xfrm flipV="1">
+              <a:off x="1558925" y="530225"/>
+              <a:ext cx="0" cy="228600"/>
+            </a:xfrm>
+            <a:prstGeom prst="line">
+              <a:avLst/>
+            </a:prstGeom>
+            <a:noFill/>
+            <a:ln w="9525">
+              <a:solidFill>
+                <a:schemeClr val="tx1"/>
+              </a:solidFill>
+              <a:round/>
+              <a:headEnd/>
+              <a:tailEnd type="triangle" w="med" len="med"/>
+            </a:ln>
+            <a:extLst>
+              <a:ext uri="{909E8E84-426E-40DD-AFC4-6F175D3DCCD1}">
+                <a14:hiddenFill xmlns:a14="http://schemas.microsoft.com/office/drawing/2010/main">
+                  <a:noFill/>
+                </a14:hiddenFill>
+              </a:ext>
+            </a:extLst>
+          </p:spPr>
+          <p:txBody>
+            <a:bodyPr/>
+            <a:lstStyle/>
+            <a:p>
+              <a:endParaRPr lang="en-US"/>
+            </a:p>
+          </p:txBody>
+        </p:sp>
+        <p:sp>
+          <p:nvSpPr>
+            <p:cNvPr id="30" name="AutoShape 6"/>
+            <p:cNvSpPr>
+              <a:spLocks noChangeArrowheads="1"/>
+            </p:cNvSpPr>
+            <p:nvPr/>
+          </p:nvSpPr>
+          <p:spPr bwMode="auto">
+            <a:xfrm>
+              <a:off x="1447800" y="762000"/>
+              <a:ext cx="914400" cy="304800"/>
+            </a:xfrm>
+            <a:prstGeom prst="flowChartDocument">
+              <a:avLst/>
+            </a:prstGeom>
+            <a:noFill/>
+            <a:ln w="9525">
+              <a:solidFill>
+                <a:schemeClr val="tx1"/>
+              </a:solidFill>
+              <a:miter lim="800000"/>
+              <a:headEnd/>
+              <a:tailEnd/>
+            </a:ln>
+          </p:spPr>
+          <p:txBody>
+            <a:bodyPr wrap="none" anchor="ctr"/>
+            <a:lstStyle>
+              <a:lvl1pPr>
+                <a:spcBef>
+                  <a:spcPct val="20000"/>
+                </a:spcBef>
+                <a:buChar char="•"/>
+                <a:defRPr sz="3200">
+                  <a:solidFill>
+                    <a:schemeClr val="tx1"/>
+                  </a:solidFill>
+                  <a:latin typeface="Arial" panose="020B0604020202020204" pitchFamily="34" charset="0"/>
+                  <a:cs typeface="Arial" panose="020B0604020202020204" pitchFamily="34" charset="0"/>
+                </a:defRPr>
+              </a:lvl1pPr>
+              <a:lvl2pPr marL="742950" indent="-285750">
+                <a:spcBef>
+                  <a:spcPct val="20000"/>
+                </a:spcBef>
+                <a:buChar char="–"/>
+                <a:defRPr sz="2800">
+                  <a:solidFill>
+                    <a:schemeClr val="tx1"/>
+                  </a:solidFill>
+                  <a:latin typeface="Arial" panose="020B0604020202020204" pitchFamily="34" charset="0"/>
+                  <a:cs typeface="Arial" panose="020B0604020202020204" pitchFamily="34" charset="0"/>
+                </a:defRPr>
+              </a:lvl2pPr>
+              <a:lvl3pPr marL="1143000" indent="-228600">
+                <a:spcBef>
+                  <a:spcPct val="20000"/>
+                </a:spcBef>
+                <a:buChar char="•"/>
+                <a:defRPr sz="2400">
+                  <a:solidFill>
+                    <a:schemeClr val="tx1"/>
+                  </a:solidFill>
+                  <a:latin typeface="Arial" panose="020B0604020202020204" pitchFamily="34" charset="0"/>
+                  <a:cs typeface="Arial" panose="020B0604020202020204" pitchFamily="34" charset="0"/>
+                </a:defRPr>
+              </a:lvl3pPr>
+              <a:lvl4pPr marL="1600200" indent="-228600">
+                <a:spcBef>
+                  <a:spcPct val="20000"/>
+                </a:spcBef>
+                <a:buChar char="–"/>
+                <a:defRPr sz="2000">
+                  <a:solidFill>
+                    <a:schemeClr val="tx1"/>
+                  </a:solidFill>
+                  <a:latin typeface="Arial" panose="020B0604020202020204" pitchFamily="34" charset="0"/>
+                  <a:cs typeface="Arial" panose="020B0604020202020204" pitchFamily="34" charset="0"/>
+                </a:defRPr>
+              </a:lvl4pPr>
+              <a:lvl5pPr marL="2057400" indent="-228600">
+                <a:spcBef>
+                  <a:spcPct val="20000"/>
+                </a:spcBef>
+                <a:buChar char="»"/>
+                <a:defRPr sz="2000">
+                  <a:solidFill>
+                    <a:schemeClr val="tx1"/>
+                  </a:solidFill>
+                  <a:latin typeface="Arial" panose="020B0604020202020204" pitchFamily="34" charset="0"/>
+                  <a:cs typeface="Arial" panose="020B0604020202020204" pitchFamily="34" charset="0"/>
+                </a:defRPr>
+              </a:lvl5pPr>
+              <a:lvl6pPr marL="2514600" indent="-228600" eaLnBrk="0" fontAlgn="base" hangingPunct="0">
+                <a:spcBef>
+                  <a:spcPct val="20000"/>
+                </a:spcBef>
+                <a:spcAft>
+                  <a:spcPct val="0"/>
+                </a:spcAft>
+                <a:buChar char="»"/>
+                <a:defRPr sz="2000">
+                  <a:solidFill>
+                    <a:schemeClr val="tx1"/>
+                  </a:solidFill>
+                  <a:latin typeface="Arial" panose="020B0604020202020204" pitchFamily="34" charset="0"/>
+                  <a:cs typeface="Arial" panose="020B0604020202020204" pitchFamily="34" charset="0"/>
+                </a:defRPr>
+              </a:lvl6pPr>
+              <a:lvl7pPr marL="2971800" indent="-228600" eaLnBrk="0" fontAlgn="base" hangingPunct="0">
+                <a:spcBef>
+                  <a:spcPct val="20000"/>
+                </a:spcBef>
+                <a:spcAft>
+                  <a:spcPct val="0"/>
+                </a:spcAft>
+                <a:buChar char="»"/>
+                <a:defRPr sz="2000">
+                  <a:solidFill>
+                    <a:schemeClr val="tx1"/>
+                  </a:solidFill>
+                  <a:latin typeface="Arial" panose="020B0604020202020204" pitchFamily="34" charset="0"/>
+                  <a:cs typeface="Arial" panose="020B0604020202020204" pitchFamily="34" charset="0"/>
+                </a:defRPr>
+              </a:lvl7pPr>
+              <a:lvl8pPr marL="3429000" indent="-228600" eaLnBrk="0" fontAlgn="base" hangingPunct="0">
+                <a:spcBef>
+                  <a:spcPct val="20000"/>
+                </a:spcBef>
+                <a:spcAft>
+                  <a:spcPct val="0"/>
+                </a:spcAft>
+                <a:buChar char="»"/>
+                <a:defRPr sz="2000">
+                  <a:solidFill>
+                    <a:schemeClr val="tx1"/>
+                  </a:solidFill>
+                  <a:latin typeface="Arial" panose="020B0604020202020204" pitchFamily="34" charset="0"/>
+                  <a:cs typeface="Arial" panose="020B0604020202020204" pitchFamily="34" charset="0"/>
+                </a:defRPr>
+              </a:lvl8pPr>
+              <a:lvl9pPr marL="3886200" indent="-228600" eaLnBrk="0" fontAlgn="base" hangingPunct="0">
+                <a:spcBef>
+                  <a:spcPct val="20000"/>
+                </a:spcBef>
+                <a:spcAft>
+                  <a:spcPct val="0"/>
+                </a:spcAft>
+                <a:buChar char="»"/>
+                <a:defRPr sz="2000">
+                  <a:solidFill>
+                    <a:schemeClr val="tx1"/>
+                  </a:solidFill>
+                  <a:latin typeface="Arial" panose="020B0604020202020204" pitchFamily="34" charset="0"/>
+                  <a:cs typeface="Arial" panose="020B0604020202020204" pitchFamily="34" charset="0"/>
+                </a:defRPr>
+              </a:lvl9pPr>
+            </a:lstStyle>
+            <a:p>
+              <a:pPr algn="ctr" eaLnBrk="1" hangingPunct="1">
+                <a:spcBef>
+                  <a:spcPct val="0"/>
+                </a:spcBef>
+                <a:buFontTx/>
+                <a:buNone/>
+              </a:pPr>
+              <a:r>
+                <a:rPr lang="en-US" altLang="en-US" sz="1200">
+                  <a:latin typeface="Calibri" panose="020F0502020204030204" pitchFamily="34" charset="0"/>
+                </a:rPr>
+                <a:t>Customer</a:t>
+              </a:r>
+            </a:p>
+          </p:txBody>
+        </p:sp>
+        <p:sp>
+          <p:nvSpPr>
+            <p:cNvPr id="31" name="AutoShape 47"/>
+            <p:cNvSpPr>
+              <a:spLocks noChangeArrowheads="1"/>
+            </p:cNvSpPr>
+            <p:nvPr/>
+          </p:nvSpPr>
+          <p:spPr bwMode="auto">
+            <a:xfrm rot="10800000">
+              <a:off x="3525838" y="1458913"/>
+              <a:ext cx="304800" cy="152400"/>
+            </a:xfrm>
+            <a:prstGeom prst="rightArrow">
+              <a:avLst>
+                <a:gd name="adj1" fmla="val 50000"/>
+                <a:gd name="adj2" fmla="val 50000"/>
+              </a:avLst>
+            </a:prstGeom>
+            <a:noFill/>
+            <a:ln w="9525">
+              <a:solidFill>
+                <a:schemeClr val="tx1"/>
+              </a:solidFill>
+              <a:miter lim="800000"/>
+              <a:headEnd/>
+              <a:tailEnd/>
+            </a:ln>
+          </p:spPr>
+          <p:txBody>
+            <a:bodyPr wrap="none" anchor="ctr"/>
+            <a:lstStyle>
+              <a:lvl1pPr>
+                <a:spcBef>
+                  <a:spcPct val="20000"/>
+                </a:spcBef>
+                <a:buChar char="•"/>
+                <a:defRPr sz="3200">
+                  <a:solidFill>
+                    <a:schemeClr val="tx1"/>
+                  </a:solidFill>
+                  <a:latin typeface="Arial" panose="020B0604020202020204" pitchFamily="34" charset="0"/>
+                  <a:cs typeface="Arial" panose="020B0604020202020204" pitchFamily="34" charset="0"/>
+                </a:defRPr>
+              </a:lvl1pPr>
+              <a:lvl2pPr marL="742950" indent="-285750">
+                <a:spcBef>
+                  <a:spcPct val="20000"/>
+                </a:spcBef>
+                <a:buChar char="–"/>
+                <a:defRPr sz="2800">
+                  <a:solidFill>
+                    <a:schemeClr val="tx1"/>
+                  </a:solidFill>
+                  <a:latin typeface="Arial" panose="020B0604020202020204" pitchFamily="34" charset="0"/>
+                  <a:cs typeface="Arial" panose="020B0604020202020204" pitchFamily="34" charset="0"/>
+                </a:defRPr>
+              </a:lvl2pPr>
+              <a:lvl3pPr marL="1143000" indent="-228600">
+                <a:spcBef>
+                  <a:spcPct val="20000"/>
+                </a:spcBef>
+                <a:buChar char="•"/>
+                <a:defRPr sz="2400">
+                  <a:solidFill>
+                    <a:schemeClr val="tx1"/>
+                  </a:solidFill>
+                  <a:latin typeface="Arial" panose="020B0604020202020204" pitchFamily="34" charset="0"/>
+                  <a:cs typeface="Arial" panose="020B0604020202020204" pitchFamily="34" charset="0"/>
+                </a:defRPr>
+              </a:lvl3pPr>
+              <a:lvl4pPr marL="1600200" indent="-228600">
+                <a:spcBef>
+                  <a:spcPct val="20000"/>
+                </a:spcBef>
+                <a:buChar char="–"/>
+                <a:defRPr sz="2000">
+                  <a:solidFill>
+                    <a:schemeClr val="tx1"/>
+                  </a:solidFill>
+                  <a:latin typeface="Arial" panose="020B0604020202020204" pitchFamily="34" charset="0"/>
+                  <a:cs typeface="Arial" panose="020B0604020202020204" pitchFamily="34" charset="0"/>
+                </a:defRPr>
+              </a:lvl4pPr>
+              <a:lvl5pPr marL="2057400" indent="-228600">
+                <a:spcBef>
+                  <a:spcPct val="20000"/>
+                </a:spcBef>
+                <a:buChar char="»"/>
+                <a:defRPr sz="2000">
+                  <a:solidFill>
+                    <a:schemeClr val="tx1"/>
+                  </a:solidFill>
+                  <a:latin typeface="Arial" panose="020B0604020202020204" pitchFamily="34" charset="0"/>
+                  <a:cs typeface="Arial" panose="020B0604020202020204" pitchFamily="34" charset="0"/>
+                </a:defRPr>
+              </a:lvl5pPr>
+              <a:lvl6pPr marL="2514600" indent="-228600" eaLnBrk="0" fontAlgn="base" hangingPunct="0">
+                <a:spcBef>
+                  <a:spcPct val="20000"/>
+                </a:spcBef>
+                <a:spcAft>
+                  <a:spcPct val="0"/>
+                </a:spcAft>
+                <a:buChar char="»"/>
+                <a:defRPr sz="2000">
+                  <a:solidFill>
+                    <a:schemeClr val="tx1"/>
+                  </a:solidFill>
+                  <a:latin typeface="Arial" panose="020B0604020202020204" pitchFamily="34" charset="0"/>
+                  <a:cs typeface="Arial" panose="020B0604020202020204" pitchFamily="34" charset="0"/>
+                </a:defRPr>
+              </a:lvl6pPr>
+              <a:lvl7pPr marL="2971800" indent="-228600" eaLnBrk="0" fontAlgn="base" hangingPunct="0">
+                <a:spcBef>
+                  <a:spcPct val="20000"/>
+                </a:spcBef>
+                <a:spcAft>
+                  <a:spcPct val="0"/>
+                </a:spcAft>
+                <a:buChar char="»"/>
+                <a:defRPr sz="2000">
+                  <a:solidFill>
+                    <a:schemeClr val="tx1"/>
+                  </a:solidFill>
+                  <a:latin typeface="Arial" panose="020B0604020202020204" pitchFamily="34" charset="0"/>
+                  <a:cs typeface="Arial" panose="020B0604020202020204" pitchFamily="34" charset="0"/>
+                </a:defRPr>
+              </a:lvl7pPr>
+              <a:lvl8pPr marL="3429000" indent="-228600" eaLnBrk="0" fontAlgn="base" hangingPunct="0">
+                <a:spcBef>
+                  <a:spcPct val="20000"/>
+                </a:spcBef>
+                <a:spcAft>
+                  <a:spcPct val="0"/>
+                </a:spcAft>
+                <a:buChar char="»"/>
+                <a:defRPr sz="2000">
+                  <a:solidFill>
+                    <a:schemeClr val="tx1"/>
+                  </a:solidFill>
+                  <a:latin typeface="Arial" panose="020B0604020202020204" pitchFamily="34" charset="0"/>
+                  <a:cs typeface="Arial" panose="020B0604020202020204" pitchFamily="34" charset="0"/>
+                </a:defRPr>
+              </a:lvl8pPr>
+              <a:lvl9pPr marL="3886200" indent="-228600" eaLnBrk="0" fontAlgn="base" hangingPunct="0">
+                <a:spcBef>
+                  <a:spcPct val="20000"/>
+                </a:spcBef>
+                <a:spcAft>
+                  <a:spcPct val="0"/>
+                </a:spcAft>
+                <a:buChar char="»"/>
+                <a:defRPr sz="2000">
+                  <a:solidFill>
+                    <a:schemeClr val="tx1"/>
+                  </a:solidFill>
+                  <a:latin typeface="Arial" panose="020B0604020202020204" pitchFamily="34" charset="0"/>
+                  <a:cs typeface="Arial" panose="020B0604020202020204" pitchFamily="34" charset="0"/>
+                </a:defRPr>
+              </a:lvl9pPr>
+            </a:lstStyle>
+            <a:p>
+              <a:pPr eaLnBrk="1" hangingPunct="1">
+                <a:spcBef>
+                  <a:spcPct val="0"/>
+                </a:spcBef>
+                <a:buFontTx/>
+                <a:buNone/>
+              </a:pPr>
+              <a:endParaRPr lang="en-US" altLang="en-US" sz="1800"/>
+            </a:p>
+          </p:txBody>
+        </p:sp>
+      </p:grpSp>
     </p:spTree>
+    <p:extLst>
+      <p:ext uri="{BB962C8B-B14F-4D97-AF65-F5344CB8AC3E}">
+        <p14:creationId xmlns:p14="http://schemas.microsoft.com/office/powerpoint/2010/main" val="2793776776"/>
+      </p:ext>
+    </p:extLst>
   </p:cSld>
   <p:clrMapOvr>
     <a:masterClrMapping/>
